--- a/D3/D3 Presentation/D3_Rajšp_Golež.pptx
+++ b/D3/D3 Presentation/D3_Rajšp_Golež.pptx
@@ -2,27 +2,31 @@
 <file path=ppt/presentation.xml><?xml version="1.0" encoding="utf-8"?>
 <p:presentation xmlns:a="http://schemas.openxmlformats.org/drawingml/2006/main" xmlns:r="http://schemas.openxmlformats.org/officeDocument/2006/relationships" xmlns:p="http://schemas.openxmlformats.org/presentationml/2006/main" removePersonalInfoOnSave="1" saveSubsetFonts="1">
   <p:sldMasterIdLst>
-    <p:sldMasterId id="2147483648" r:id="rId2"/>
+    <p:sldMasterId id="2147483674" r:id="rId2"/>
   </p:sldMasterIdLst>
   <p:notesMasterIdLst>
-    <p:notesMasterId r:id="rId15"/>
+    <p:notesMasterId r:id="rId19"/>
   </p:notesMasterIdLst>
   <p:handoutMasterIdLst>
-    <p:handoutMasterId r:id="rId16"/>
+    <p:handoutMasterId r:id="rId20"/>
   </p:handoutMasterIdLst>
   <p:sldIdLst>
     <p:sldId id="876" r:id="rId3"/>
-    <p:sldId id="891" r:id="rId4"/>
-    <p:sldId id="895" r:id="rId5"/>
-    <p:sldId id="892" r:id="rId6"/>
-    <p:sldId id="893" r:id="rId7"/>
-    <p:sldId id="894" r:id="rId8"/>
-    <p:sldId id="896" r:id="rId9"/>
-    <p:sldId id="897" r:id="rId10"/>
-    <p:sldId id="898" r:id="rId11"/>
-    <p:sldId id="899" r:id="rId12"/>
-    <p:sldId id="900" r:id="rId13"/>
-    <p:sldId id="901" r:id="rId14"/>
+    <p:sldId id="892" r:id="rId4"/>
+    <p:sldId id="893" r:id="rId5"/>
+    <p:sldId id="894" r:id="rId6"/>
+    <p:sldId id="897" r:id="rId7"/>
+    <p:sldId id="898" r:id="rId8"/>
+    <p:sldId id="899" r:id="rId9"/>
+    <p:sldId id="903" r:id="rId10"/>
+    <p:sldId id="904" r:id="rId11"/>
+    <p:sldId id="905" r:id="rId12"/>
+    <p:sldId id="906" r:id="rId13"/>
+    <p:sldId id="907" r:id="rId14"/>
+    <p:sldId id="908" r:id="rId15"/>
+    <p:sldId id="900" r:id="rId16"/>
+    <p:sldId id="901" r:id="rId17"/>
+    <p:sldId id="902" r:id="rId18"/>
   </p:sldIdLst>
   <p:sldSz cx="9144000" cy="6858000" type="screen4x3"/>
   <p:notesSz cx="7099300" cy="10234613"/>
@@ -30,7 +34,7 @@
     <a:defPPr>
       <a:defRPr lang="en-US"/>
     </a:defPPr>
-    <a:lvl1pPr marL="0" algn="l" defTabSz="914400" rtl="0" eaLnBrk="1" latinLnBrk="0" hangingPunct="1">
+    <a:lvl1pPr marL="0" algn="l" defTabSz="457200" rtl="0" eaLnBrk="1" latinLnBrk="0" hangingPunct="1">
       <a:defRPr sz="1800" kern="1200">
         <a:solidFill>
           <a:schemeClr val="tx1"/>
@@ -40,7 +44,7 @@
         <a:cs typeface="+mn-cs"/>
       </a:defRPr>
     </a:lvl1pPr>
-    <a:lvl2pPr marL="457200" algn="l" defTabSz="914400" rtl="0" eaLnBrk="1" latinLnBrk="0" hangingPunct="1">
+    <a:lvl2pPr marL="457200" algn="l" defTabSz="457200" rtl="0" eaLnBrk="1" latinLnBrk="0" hangingPunct="1">
       <a:defRPr sz="1800" kern="1200">
         <a:solidFill>
           <a:schemeClr val="tx1"/>
@@ -50,7 +54,7 @@
         <a:cs typeface="+mn-cs"/>
       </a:defRPr>
     </a:lvl2pPr>
-    <a:lvl3pPr marL="914400" algn="l" defTabSz="914400" rtl="0" eaLnBrk="1" latinLnBrk="0" hangingPunct="1">
+    <a:lvl3pPr marL="914400" algn="l" defTabSz="457200" rtl="0" eaLnBrk="1" latinLnBrk="0" hangingPunct="1">
       <a:defRPr sz="1800" kern="1200">
         <a:solidFill>
           <a:schemeClr val="tx1"/>
@@ -60,7 +64,7 @@
         <a:cs typeface="+mn-cs"/>
       </a:defRPr>
     </a:lvl3pPr>
-    <a:lvl4pPr marL="1371600" algn="l" defTabSz="914400" rtl="0" eaLnBrk="1" latinLnBrk="0" hangingPunct="1">
+    <a:lvl4pPr marL="1371600" algn="l" defTabSz="457200" rtl="0" eaLnBrk="1" latinLnBrk="0" hangingPunct="1">
       <a:defRPr sz="1800" kern="1200">
         <a:solidFill>
           <a:schemeClr val="tx1"/>
@@ -70,7 +74,7 @@
         <a:cs typeface="+mn-cs"/>
       </a:defRPr>
     </a:lvl4pPr>
-    <a:lvl5pPr marL="1828800" algn="l" defTabSz="914400" rtl="0" eaLnBrk="1" latinLnBrk="0" hangingPunct="1">
+    <a:lvl5pPr marL="1828800" algn="l" defTabSz="457200" rtl="0" eaLnBrk="1" latinLnBrk="0" hangingPunct="1">
       <a:defRPr sz="1800" kern="1200">
         <a:solidFill>
           <a:schemeClr val="tx1"/>
@@ -80,7 +84,7 @@
         <a:cs typeface="+mn-cs"/>
       </a:defRPr>
     </a:lvl5pPr>
-    <a:lvl6pPr marL="2286000" algn="l" defTabSz="914400" rtl="0" eaLnBrk="1" latinLnBrk="0" hangingPunct="1">
+    <a:lvl6pPr marL="2286000" algn="l" defTabSz="457200" rtl="0" eaLnBrk="1" latinLnBrk="0" hangingPunct="1">
       <a:defRPr sz="1800" kern="1200">
         <a:solidFill>
           <a:schemeClr val="tx1"/>
@@ -90,7 +94,7 @@
         <a:cs typeface="+mn-cs"/>
       </a:defRPr>
     </a:lvl6pPr>
-    <a:lvl7pPr marL="2743200" algn="l" defTabSz="914400" rtl="0" eaLnBrk="1" latinLnBrk="0" hangingPunct="1">
+    <a:lvl7pPr marL="2743200" algn="l" defTabSz="457200" rtl="0" eaLnBrk="1" latinLnBrk="0" hangingPunct="1">
       <a:defRPr sz="1800" kern="1200">
         <a:solidFill>
           <a:schemeClr val="tx1"/>
@@ -100,7 +104,7 @@
         <a:cs typeface="+mn-cs"/>
       </a:defRPr>
     </a:lvl7pPr>
-    <a:lvl8pPr marL="3200400" algn="l" defTabSz="914400" rtl="0" eaLnBrk="1" latinLnBrk="0" hangingPunct="1">
+    <a:lvl8pPr marL="3200400" algn="l" defTabSz="457200" rtl="0" eaLnBrk="1" latinLnBrk="0" hangingPunct="1">
       <a:defRPr sz="1800" kern="1200">
         <a:solidFill>
           <a:schemeClr val="tx1"/>
@@ -110,7 +114,7 @@
         <a:cs typeface="+mn-cs"/>
       </a:defRPr>
     </a:lvl8pPr>
-    <a:lvl9pPr marL="3657600" algn="l" defTabSz="914400" rtl="0" eaLnBrk="1" latinLnBrk="0" hangingPunct="1">
+    <a:lvl9pPr marL="3657600" algn="l" defTabSz="457200" rtl="0" eaLnBrk="1" latinLnBrk="0" hangingPunct="1">
       <a:defRPr sz="1800" kern="1200">
         <a:solidFill>
           <a:schemeClr val="tx1"/>
@@ -127,17 +131,21 @@
         <p14:section name="Default Section" id="{B8FF2A98-F538-E54C-992C-742053E53012}">
           <p14:sldIdLst>
             <p14:sldId id="876"/>
-            <p14:sldId id="891"/>
-            <p14:sldId id="895"/>
             <p14:sldId id="892"/>
             <p14:sldId id="893"/>
             <p14:sldId id="894"/>
-            <p14:sldId id="896"/>
             <p14:sldId id="897"/>
             <p14:sldId id="898"/>
             <p14:sldId id="899"/>
+            <p14:sldId id="903"/>
+            <p14:sldId id="904"/>
+            <p14:sldId id="905"/>
+            <p14:sldId id="906"/>
+            <p14:sldId id="907"/>
+            <p14:sldId id="908"/>
             <p14:sldId id="900"/>
             <p14:sldId id="901"/>
+            <p14:sldId id="902"/>
           </p14:sldIdLst>
         </p14:section>
       </p14:sectionLst>
@@ -673,8 +681,8 @@
 </file>
 
 <file path=ppt/slideLayouts/slideLayout1.xml><?xml version="1.0" encoding="utf-8"?>
-<p:sldLayout xmlns:a="http://schemas.openxmlformats.org/drawingml/2006/main" xmlns:r="http://schemas.openxmlformats.org/officeDocument/2006/relationships" xmlns:p="http://schemas.openxmlformats.org/presentationml/2006/main" preserve="1" userDrawn="1">
-  <p:cSld name="Custom Layout">
+<p:sldLayout xmlns:a="http://schemas.openxmlformats.org/drawingml/2006/main" xmlns:r="http://schemas.openxmlformats.org/officeDocument/2006/relationships" xmlns:p="http://schemas.openxmlformats.org/presentationml/2006/main" showMasterSp="0" type="title" preserve="1">
+  <p:cSld name="Naslovni diapozitiv">
     <p:spTree>
       <p:nvGrpSpPr>
         <p:cNvPr id="1" name=""/>
@@ -689,6 +697,608 @@
           <a:chExt cx="0" cy="0"/>
         </a:xfrm>
       </p:grpSpPr>
+      <p:grpSp>
+        <p:nvGrpSpPr>
+          <p:cNvPr id="7" name="Group 6"/>
+          <p:cNvGrpSpPr/>
+          <p:nvPr/>
+        </p:nvGrpSpPr>
+        <p:grpSpPr>
+          <a:xfrm>
+            <a:off x="-8466" y="-8468"/>
+            <a:ext cx="9169804" cy="6874935"/>
+            <a:chOff x="-8466" y="-8468"/>
+            <a:chExt cx="9169804" cy="6874935"/>
+          </a:xfrm>
+        </p:grpSpPr>
+        <p:cxnSp>
+          <p:nvCxnSpPr>
+            <p:cNvPr id="17" name="Straight Connector 16"/>
+            <p:cNvCxnSpPr/>
+            <p:nvPr/>
+          </p:nvCxnSpPr>
+          <p:spPr>
+            <a:xfrm flipV="1">
+              <a:off x="5130830" y="4175605"/>
+              <a:ext cx="4022475" cy="2682396"/>
+            </a:xfrm>
+            <a:prstGeom prst="line">
+              <a:avLst/>
+            </a:prstGeom>
+            <a:ln w="9525">
+              <a:solidFill>
+                <a:schemeClr val="bg1">
+                  <a:lumMod val="85000"/>
+                </a:schemeClr>
+              </a:solidFill>
+            </a:ln>
+          </p:spPr>
+          <p:style>
+            <a:lnRef idx="2">
+              <a:schemeClr val="accent1"/>
+            </a:lnRef>
+            <a:fillRef idx="0">
+              <a:schemeClr val="accent1"/>
+            </a:fillRef>
+            <a:effectRef idx="1">
+              <a:schemeClr val="accent1"/>
+            </a:effectRef>
+            <a:fontRef idx="minor">
+              <a:schemeClr val="tx1"/>
+            </a:fontRef>
+          </p:style>
+        </p:cxnSp>
+        <p:cxnSp>
+          <p:nvCxnSpPr>
+            <p:cNvPr id="18" name="Straight Connector 17"/>
+            <p:cNvCxnSpPr/>
+            <p:nvPr/>
+          </p:nvCxnSpPr>
+          <p:spPr>
+            <a:xfrm>
+              <a:off x="7042707" y="0"/>
+              <a:ext cx="1219200" cy="6858000"/>
+            </a:xfrm>
+            <a:prstGeom prst="line">
+              <a:avLst/>
+            </a:prstGeom>
+            <a:ln w="9525">
+              <a:solidFill>
+                <a:schemeClr val="bg1">
+                  <a:lumMod val="75000"/>
+                </a:schemeClr>
+              </a:solidFill>
+            </a:ln>
+          </p:spPr>
+          <p:style>
+            <a:lnRef idx="2">
+              <a:schemeClr val="accent1"/>
+            </a:lnRef>
+            <a:fillRef idx="0">
+              <a:schemeClr val="accent1"/>
+            </a:fillRef>
+            <a:effectRef idx="1">
+              <a:schemeClr val="accent1"/>
+            </a:effectRef>
+            <a:fontRef idx="minor">
+              <a:schemeClr val="tx1"/>
+            </a:fontRef>
+          </p:style>
+        </p:cxnSp>
+        <p:sp>
+          <p:nvSpPr>
+            <p:cNvPr id="19" name="Freeform 18"/>
+            <p:cNvSpPr/>
+            <p:nvPr/>
+          </p:nvSpPr>
+          <p:spPr>
+            <a:xfrm>
+              <a:off x="6891896" y="1"/>
+              <a:ext cx="2269442" cy="6866466"/>
+            </a:xfrm>
+            <a:custGeom>
+              <a:avLst/>
+              <a:gdLst/>
+              <a:ahLst/>
+              <a:cxnLst/>
+              <a:rect l="l" t="t" r="r" b="b"/>
+              <a:pathLst>
+                <a:path w="2269442" h="6866466">
+                  <a:moveTo>
+                    <a:pt x="2023534" y="0"/>
+                  </a:moveTo>
+                  <a:lnTo>
+                    <a:pt x="0" y="6858000"/>
+                  </a:lnTo>
+                  <a:lnTo>
+                    <a:pt x="2269067" y="6866466"/>
+                  </a:lnTo>
+                  <a:cubicBezTo>
+                    <a:pt x="2271889" y="4580466"/>
+                    <a:pt x="2257778" y="2294466"/>
+                    <a:pt x="2260600" y="8466"/>
+                  </a:cubicBezTo>
+                  <a:lnTo>
+                    <a:pt x="2023534" y="0"/>
+                  </a:lnTo>
+                  <a:close/>
+                </a:path>
+              </a:pathLst>
+            </a:custGeom>
+            <a:solidFill>
+              <a:schemeClr val="accent1">
+                <a:alpha val="30000"/>
+              </a:schemeClr>
+            </a:solidFill>
+            <a:ln>
+              <a:noFill/>
+            </a:ln>
+            <a:effectLst/>
+          </p:spPr>
+          <p:style>
+            <a:lnRef idx="1">
+              <a:schemeClr val="accent1"/>
+            </a:lnRef>
+            <a:fillRef idx="3">
+              <a:schemeClr val="accent1"/>
+            </a:fillRef>
+            <a:effectRef idx="2">
+              <a:schemeClr val="accent1"/>
+            </a:effectRef>
+            <a:fontRef idx="minor">
+              <a:schemeClr val="lt1"/>
+            </a:fontRef>
+          </p:style>
+        </p:sp>
+        <p:sp>
+          <p:nvSpPr>
+            <p:cNvPr id="20" name="Freeform 19"/>
+            <p:cNvSpPr/>
+            <p:nvPr/>
+          </p:nvSpPr>
+          <p:spPr>
+            <a:xfrm>
+              <a:off x="7205158" y="-8467"/>
+              <a:ext cx="1948147" cy="6866467"/>
+            </a:xfrm>
+            <a:custGeom>
+              <a:avLst/>
+              <a:gdLst/>
+              <a:ahLst/>
+              <a:cxnLst/>
+              <a:rect l="l" t="t" r="r" b="b"/>
+              <a:pathLst>
+                <a:path w="1948147" h="6866467">
+                  <a:moveTo>
+                    <a:pt x="0" y="0"/>
+                  </a:moveTo>
+                  <a:lnTo>
+                    <a:pt x="1202267" y="6866467"/>
+                  </a:lnTo>
+                  <a:lnTo>
+                    <a:pt x="1947333" y="6866467"/>
+                  </a:lnTo>
+                  <a:cubicBezTo>
+                    <a:pt x="1944511" y="4577645"/>
+                    <a:pt x="1950155" y="2288822"/>
+                    <a:pt x="1947333" y="0"/>
+                  </a:cubicBezTo>
+                  <a:lnTo>
+                    <a:pt x="0" y="0"/>
+                  </a:lnTo>
+                  <a:close/>
+                </a:path>
+              </a:pathLst>
+            </a:custGeom>
+            <a:solidFill>
+              <a:schemeClr val="accent1">
+                <a:alpha val="20000"/>
+              </a:schemeClr>
+            </a:solidFill>
+            <a:ln>
+              <a:noFill/>
+            </a:ln>
+            <a:effectLst/>
+          </p:spPr>
+          <p:style>
+            <a:lnRef idx="1">
+              <a:schemeClr val="accent1"/>
+            </a:lnRef>
+            <a:fillRef idx="3">
+              <a:schemeClr val="accent1"/>
+            </a:fillRef>
+            <a:effectRef idx="2">
+              <a:schemeClr val="accent1"/>
+            </a:effectRef>
+            <a:fontRef idx="minor">
+              <a:schemeClr val="lt1"/>
+            </a:fontRef>
+          </p:style>
+        </p:sp>
+        <p:sp>
+          <p:nvSpPr>
+            <p:cNvPr id="21" name="Freeform 20"/>
+            <p:cNvSpPr/>
+            <p:nvPr/>
+          </p:nvSpPr>
+          <p:spPr>
+            <a:xfrm>
+              <a:off x="6637896" y="3920066"/>
+              <a:ext cx="2513565" cy="2937933"/>
+            </a:xfrm>
+            <a:custGeom>
+              <a:avLst/>
+              <a:gdLst/>
+              <a:ahLst/>
+              <a:cxnLst/>
+              <a:rect l="l" t="t" r="r" b="b"/>
+              <a:pathLst>
+                <a:path w="3259667" h="3810000">
+                  <a:moveTo>
+                    <a:pt x="0" y="3810000"/>
+                  </a:moveTo>
+                  <a:lnTo>
+                    <a:pt x="3251200" y="0"/>
+                  </a:lnTo>
+                  <a:cubicBezTo>
+                    <a:pt x="3254022" y="1270000"/>
+                    <a:pt x="3256845" y="2540000"/>
+                    <a:pt x="3259667" y="3810000"/>
+                  </a:cubicBezTo>
+                  <a:lnTo>
+                    <a:pt x="0" y="3810000"/>
+                  </a:lnTo>
+                  <a:close/>
+                </a:path>
+              </a:pathLst>
+            </a:custGeom>
+            <a:solidFill>
+              <a:schemeClr val="accent2">
+                <a:alpha val="72000"/>
+              </a:schemeClr>
+            </a:solidFill>
+            <a:ln>
+              <a:noFill/>
+            </a:ln>
+            <a:effectLst/>
+          </p:spPr>
+          <p:style>
+            <a:lnRef idx="1">
+              <a:schemeClr val="accent1"/>
+            </a:lnRef>
+            <a:fillRef idx="3">
+              <a:schemeClr val="accent1"/>
+            </a:fillRef>
+            <a:effectRef idx="2">
+              <a:schemeClr val="accent1"/>
+            </a:effectRef>
+            <a:fontRef idx="minor">
+              <a:schemeClr val="lt1"/>
+            </a:fontRef>
+          </p:style>
+        </p:sp>
+        <p:sp>
+          <p:nvSpPr>
+            <p:cNvPr id="22" name="Freeform 21"/>
+            <p:cNvSpPr/>
+            <p:nvPr/>
+          </p:nvSpPr>
+          <p:spPr>
+            <a:xfrm>
+              <a:off x="7010429" y="-8467"/>
+              <a:ext cx="2142876" cy="6866467"/>
+            </a:xfrm>
+            <a:custGeom>
+              <a:avLst/>
+              <a:gdLst/>
+              <a:ahLst/>
+              <a:cxnLst/>
+              <a:rect l="l" t="t" r="r" b="b"/>
+              <a:pathLst>
+                <a:path w="2853267" h="6866467">
+                  <a:moveTo>
+                    <a:pt x="0" y="0"/>
+                  </a:moveTo>
+                  <a:lnTo>
+                    <a:pt x="2472267" y="6866467"/>
+                  </a:lnTo>
+                  <a:lnTo>
+                    <a:pt x="2853267" y="6858000"/>
+                  </a:lnTo>
+                  <a:lnTo>
+                    <a:pt x="2853267" y="0"/>
+                  </a:lnTo>
+                  <a:lnTo>
+                    <a:pt x="0" y="0"/>
+                  </a:lnTo>
+                  <a:close/>
+                </a:path>
+              </a:pathLst>
+            </a:custGeom>
+            <a:solidFill>
+              <a:schemeClr val="accent2">
+                <a:lumMod val="75000"/>
+                <a:alpha val="70000"/>
+              </a:schemeClr>
+            </a:solidFill>
+            <a:ln>
+              <a:noFill/>
+            </a:ln>
+            <a:effectLst/>
+          </p:spPr>
+          <p:style>
+            <a:lnRef idx="1">
+              <a:schemeClr val="accent1"/>
+            </a:lnRef>
+            <a:fillRef idx="3">
+              <a:schemeClr val="accent1"/>
+            </a:fillRef>
+            <a:effectRef idx="2">
+              <a:schemeClr val="accent1"/>
+            </a:effectRef>
+            <a:fontRef idx="minor">
+              <a:schemeClr val="lt1"/>
+            </a:fontRef>
+          </p:style>
+        </p:sp>
+        <p:sp>
+          <p:nvSpPr>
+            <p:cNvPr id="23" name="Freeform 22"/>
+            <p:cNvSpPr/>
+            <p:nvPr/>
+          </p:nvSpPr>
+          <p:spPr>
+            <a:xfrm>
+              <a:off x="8295776" y="-8467"/>
+              <a:ext cx="857530" cy="6866467"/>
+            </a:xfrm>
+            <a:custGeom>
+              <a:avLst/>
+              <a:gdLst/>
+              <a:ahLst/>
+              <a:cxnLst/>
+              <a:rect l="l" t="t" r="r" b="b"/>
+              <a:pathLst>
+                <a:path w="1286933" h="6866467">
+                  <a:moveTo>
+                    <a:pt x="1016000" y="0"/>
+                  </a:moveTo>
+                  <a:lnTo>
+                    <a:pt x="0" y="6866467"/>
+                  </a:lnTo>
+                  <a:lnTo>
+                    <a:pt x="1286933" y="6866467"/>
+                  </a:lnTo>
+                  <a:cubicBezTo>
+                    <a:pt x="1284111" y="4577645"/>
+                    <a:pt x="1281288" y="2288822"/>
+                    <a:pt x="1278466" y="0"/>
+                  </a:cubicBezTo>
+                  <a:lnTo>
+                    <a:pt x="1016000" y="0"/>
+                  </a:lnTo>
+                  <a:close/>
+                </a:path>
+              </a:pathLst>
+            </a:custGeom>
+            <a:solidFill>
+              <a:schemeClr val="accent1">
+                <a:lumMod val="60000"/>
+                <a:lumOff val="40000"/>
+                <a:alpha val="70000"/>
+              </a:schemeClr>
+            </a:solidFill>
+            <a:ln>
+              <a:noFill/>
+            </a:ln>
+            <a:effectLst/>
+          </p:spPr>
+          <p:style>
+            <a:lnRef idx="1">
+              <a:schemeClr val="accent1"/>
+            </a:lnRef>
+            <a:fillRef idx="3">
+              <a:schemeClr val="accent1"/>
+            </a:fillRef>
+            <a:effectRef idx="2">
+              <a:schemeClr val="accent1"/>
+            </a:effectRef>
+            <a:fontRef idx="minor">
+              <a:schemeClr val="lt1"/>
+            </a:fontRef>
+          </p:style>
+        </p:sp>
+        <p:sp>
+          <p:nvSpPr>
+            <p:cNvPr id="24" name="Freeform 23"/>
+            <p:cNvSpPr/>
+            <p:nvPr/>
+          </p:nvSpPr>
+          <p:spPr>
+            <a:xfrm>
+              <a:off x="8077231" y="-8468"/>
+              <a:ext cx="1066770" cy="6866467"/>
+            </a:xfrm>
+            <a:custGeom>
+              <a:avLst/>
+              <a:gdLst/>
+              <a:ahLst/>
+              <a:cxnLst/>
+              <a:rect l="l" t="t" r="r" b="b"/>
+              <a:pathLst>
+                <a:path w="1270244" h="6866467">
+                  <a:moveTo>
+                    <a:pt x="0" y="0"/>
+                  </a:moveTo>
+                  <a:lnTo>
+                    <a:pt x="1117600" y="6866467"/>
+                  </a:lnTo>
+                  <a:lnTo>
+                    <a:pt x="1270000" y="6866467"/>
+                  </a:lnTo>
+                  <a:cubicBezTo>
+                    <a:pt x="1272822" y="4574822"/>
+                    <a:pt x="1250245" y="2291645"/>
+                    <a:pt x="1253067" y="0"/>
+                  </a:cubicBezTo>
+                  <a:lnTo>
+                    <a:pt x="0" y="0"/>
+                  </a:lnTo>
+                  <a:close/>
+                </a:path>
+              </a:pathLst>
+            </a:custGeom>
+            <a:solidFill>
+              <a:schemeClr val="accent1">
+                <a:alpha val="65000"/>
+              </a:schemeClr>
+            </a:solidFill>
+            <a:ln>
+              <a:noFill/>
+            </a:ln>
+            <a:effectLst/>
+          </p:spPr>
+          <p:style>
+            <a:lnRef idx="1">
+              <a:schemeClr val="accent1"/>
+            </a:lnRef>
+            <a:fillRef idx="3">
+              <a:schemeClr val="accent1"/>
+            </a:fillRef>
+            <a:effectRef idx="2">
+              <a:schemeClr val="accent1"/>
+            </a:effectRef>
+            <a:fontRef idx="minor">
+              <a:schemeClr val="lt1"/>
+            </a:fontRef>
+          </p:style>
+        </p:sp>
+        <p:sp>
+          <p:nvSpPr>
+            <p:cNvPr id="25" name="Freeform 24"/>
+            <p:cNvSpPr/>
+            <p:nvPr/>
+          </p:nvSpPr>
+          <p:spPr>
+            <a:xfrm>
+              <a:off x="8060297" y="4893733"/>
+              <a:ext cx="1094086" cy="1964267"/>
+            </a:xfrm>
+            <a:custGeom>
+              <a:avLst/>
+              <a:gdLst/>
+              <a:ahLst/>
+              <a:cxnLst/>
+              <a:rect l="l" t="t" r="r" b="b"/>
+              <a:pathLst>
+                <a:path w="1820333" h="3268133">
+                  <a:moveTo>
+                    <a:pt x="0" y="3268133"/>
+                  </a:moveTo>
+                  <a:lnTo>
+                    <a:pt x="1811866" y="0"/>
+                  </a:lnTo>
+                  <a:cubicBezTo>
+                    <a:pt x="1814688" y="1086555"/>
+                    <a:pt x="1817511" y="2173111"/>
+                    <a:pt x="1820333" y="3259666"/>
+                  </a:cubicBezTo>
+                  <a:lnTo>
+                    <a:pt x="0" y="3268133"/>
+                  </a:lnTo>
+                  <a:close/>
+                </a:path>
+              </a:pathLst>
+            </a:custGeom>
+            <a:solidFill>
+              <a:schemeClr val="accent1">
+                <a:alpha val="80000"/>
+              </a:schemeClr>
+            </a:solidFill>
+            <a:ln>
+              <a:noFill/>
+            </a:ln>
+            <a:effectLst/>
+          </p:spPr>
+          <p:style>
+            <a:lnRef idx="1">
+              <a:schemeClr val="accent1"/>
+            </a:lnRef>
+            <a:fillRef idx="3">
+              <a:schemeClr val="accent1"/>
+            </a:fillRef>
+            <a:effectRef idx="2">
+              <a:schemeClr val="accent1"/>
+            </a:effectRef>
+            <a:fontRef idx="minor">
+              <a:schemeClr val="lt1"/>
+            </a:fontRef>
+          </p:style>
+        </p:sp>
+        <p:sp>
+          <p:nvSpPr>
+            <p:cNvPr id="28" name="Freeform 27"/>
+            <p:cNvSpPr/>
+            <p:nvPr/>
+          </p:nvSpPr>
+          <p:spPr>
+            <a:xfrm>
+              <a:off x="-8466" y="-8468"/>
+              <a:ext cx="863600" cy="5698067"/>
+            </a:xfrm>
+            <a:custGeom>
+              <a:avLst/>
+              <a:gdLst/>
+              <a:ahLst/>
+              <a:cxnLst/>
+              <a:rect l="l" t="t" r="r" b="b"/>
+              <a:pathLst>
+                <a:path w="863600" h="5698067">
+                  <a:moveTo>
+                    <a:pt x="0" y="8467"/>
+                  </a:moveTo>
+                  <a:lnTo>
+                    <a:pt x="863600" y="0"/>
+                  </a:lnTo>
+                  <a:lnTo>
+                    <a:pt x="863600" y="16934"/>
+                  </a:lnTo>
+                  <a:lnTo>
+                    <a:pt x="0" y="5698067"/>
+                  </a:lnTo>
+                  <a:lnTo>
+                    <a:pt x="0" y="8467"/>
+                  </a:lnTo>
+                  <a:close/>
+                </a:path>
+              </a:pathLst>
+            </a:custGeom>
+            <a:solidFill>
+              <a:schemeClr val="accent1">
+                <a:alpha val="85000"/>
+              </a:schemeClr>
+            </a:solidFill>
+            <a:ln>
+              <a:noFill/>
+            </a:ln>
+            <a:effectLst/>
+          </p:spPr>
+          <p:style>
+            <a:lnRef idx="1">
+              <a:schemeClr val="accent1"/>
+            </a:lnRef>
+            <a:fillRef idx="3">
+              <a:schemeClr val="accent1"/>
+            </a:fillRef>
+            <a:effectRef idx="2">
+              <a:schemeClr val="accent1"/>
+            </a:effectRef>
+            <a:fontRef idx="minor">
+              <a:schemeClr val="lt1"/>
+            </a:fontRef>
+          </p:style>
+        </p:sp>
+      </p:grpSp>
       <p:sp>
         <p:nvSpPr>
           <p:cNvPr id="2" name="Title 1"/>
@@ -696,24 +1306,160 @@
             <a:spLocks noGrp="1"/>
           </p:cNvSpPr>
           <p:nvPr>
-            <p:ph type="title"/>
-          </p:nvPr>
-        </p:nvSpPr>
-        <p:spPr/>
-        <p:txBody>
-          <a:bodyPr/>
-          <a:lstStyle/>
+            <p:ph type="ctrTitle"/>
+          </p:nvPr>
+        </p:nvSpPr>
+        <p:spPr>
+          <a:xfrm>
+            <a:off x="1130595" y="2404534"/>
+            <a:ext cx="5826719" cy="1646302"/>
+          </a:xfrm>
+        </p:spPr>
+        <p:txBody>
+          <a:bodyPr anchor="b">
+            <a:noAutofit/>
+          </a:bodyPr>
+          <a:lstStyle>
+            <a:lvl1pPr algn="r">
+              <a:defRPr sz="5400">
+                <a:solidFill>
+                  <a:schemeClr val="accent1"/>
+                </a:solidFill>
+              </a:defRPr>
+            </a:lvl1pPr>
+          </a:lstStyle>
           <a:p>
             <a:r>
               <a:rPr lang="sl-SI"/>
-              <a:t>Click to edit Master title style</a:t>
-            </a:r>
-          </a:p>
-        </p:txBody>
-      </p:sp>
-      <p:sp>
-        <p:nvSpPr>
-          <p:cNvPr id="3" name="Date Placeholder 2"/>
+              <a:t>Uredite slog naslova matrice</a:t>
+            </a:r>
+            <a:endParaRPr lang="en-US" dirty="0"/>
+          </a:p>
+        </p:txBody>
+      </p:sp>
+      <p:sp>
+        <p:nvSpPr>
+          <p:cNvPr id="3" name="Subtitle 2"/>
+          <p:cNvSpPr>
+            <a:spLocks noGrp="1"/>
+          </p:cNvSpPr>
+          <p:nvPr>
+            <p:ph type="subTitle" idx="1"/>
+          </p:nvPr>
+        </p:nvSpPr>
+        <p:spPr>
+          <a:xfrm>
+            <a:off x="1130595" y="4050834"/>
+            <a:ext cx="5826719" cy="1096899"/>
+          </a:xfrm>
+        </p:spPr>
+        <p:txBody>
+          <a:bodyPr anchor="t"/>
+          <a:lstStyle>
+            <a:lvl1pPr marL="0" indent="0" algn="r">
+              <a:buNone/>
+              <a:defRPr>
+                <a:solidFill>
+                  <a:schemeClr val="tx1">
+                    <a:lumMod val="50000"/>
+                    <a:lumOff val="50000"/>
+                  </a:schemeClr>
+                </a:solidFill>
+              </a:defRPr>
+            </a:lvl1pPr>
+            <a:lvl2pPr marL="457200" indent="0" algn="ctr">
+              <a:buNone/>
+              <a:defRPr>
+                <a:solidFill>
+                  <a:schemeClr val="tx1">
+                    <a:tint val="75000"/>
+                  </a:schemeClr>
+                </a:solidFill>
+              </a:defRPr>
+            </a:lvl2pPr>
+            <a:lvl3pPr marL="914400" indent="0" algn="ctr">
+              <a:buNone/>
+              <a:defRPr>
+                <a:solidFill>
+                  <a:schemeClr val="tx1">
+                    <a:tint val="75000"/>
+                  </a:schemeClr>
+                </a:solidFill>
+              </a:defRPr>
+            </a:lvl3pPr>
+            <a:lvl4pPr marL="1371600" indent="0" algn="ctr">
+              <a:buNone/>
+              <a:defRPr>
+                <a:solidFill>
+                  <a:schemeClr val="tx1">
+                    <a:tint val="75000"/>
+                  </a:schemeClr>
+                </a:solidFill>
+              </a:defRPr>
+            </a:lvl4pPr>
+            <a:lvl5pPr marL="1828800" indent="0" algn="ctr">
+              <a:buNone/>
+              <a:defRPr>
+                <a:solidFill>
+                  <a:schemeClr val="tx1">
+                    <a:tint val="75000"/>
+                  </a:schemeClr>
+                </a:solidFill>
+              </a:defRPr>
+            </a:lvl5pPr>
+            <a:lvl6pPr marL="2286000" indent="0" algn="ctr">
+              <a:buNone/>
+              <a:defRPr>
+                <a:solidFill>
+                  <a:schemeClr val="tx1">
+                    <a:tint val="75000"/>
+                  </a:schemeClr>
+                </a:solidFill>
+              </a:defRPr>
+            </a:lvl6pPr>
+            <a:lvl7pPr marL="2743200" indent="0" algn="ctr">
+              <a:buNone/>
+              <a:defRPr>
+                <a:solidFill>
+                  <a:schemeClr val="tx1">
+                    <a:tint val="75000"/>
+                  </a:schemeClr>
+                </a:solidFill>
+              </a:defRPr>
+            </a:lvl7pPr>
+            <a:lvl8pPr marL="3200400" indent="0" algn="ctr">
+              <a:buNone/>
+              <a:defRPr>
+                <a:solidFill>
+                  <a:schemeClr val="tx1">
+                    <a:tint val="75000"/>
+                  </a:schemeClr>
+                </a:solidFill>
+              </a:defRPr>
+            </a:lvl8pPr>
+            <a:lvl9pPr marL="3657600" indent="0" algn="ctr">
+              <a:buNone/>
+              <a:defRPr>
+                <a:solidFill>
+                  <a:schemeClr val="tx1">
+                    <a:tint val="75000"/>
+                  </a:schemeClr>
+                </a:solidFill>
+              </a:defRPr>
+            </a:lvl9pPr>
+          </a:lstStyle>
+          <a:p>
+            <a:r>
+              <a:rPr lang="sl-SI"/>
+              <a:t>Kliknite, da uredite slog podnaslova matrice</a:t>
+            </a:r>
+            <a:endParaRPr lang="en-US" dirty="0"/>
+          </a:p>
+        </p:txBody>
+      </p:sp>
+      <p:sp>
+        <p:nvSpPr>
+          <p:cNvPr id="4" name="Date Placeholder 3"/>
           <p:cNvSpPr>
             <a:spLocks noGrp="1"/>
           </p:cNvSpPr>
@@ -749,7 +1495,7 @@
       </p:sp>
       <p:sp>
         <p:nvSpPr>
-          <p:cNvPr id="4" name="Footer Placeholder 3"/>
+          <p:cNvPr id="5" name="Footer Placeholder 4"/>
           <p:cNvSpPr>
             <a:spLocks noGrp="1"/>
           </p:cNvSpPr>
@@ -774,7 +1520,7 @@
       </p:sp>
       <p:sp>
         <p:nvSpPr>
-          <p:cNvPr id="5" name="Slide Number Placeholder 4"/>
+          <p:cNvPr id="6" name="Slide Number Placeholder 5"/>
           <p:cNvSpPr>
             <a:spLocks noGrp="1"/>
           </p:cNvSpPr>
@@ -808,20 +1554,2251 @@
           </a:p>
         </p:txBody>
       </p:sp>
-      <p:sp>
-        <p:nvSpPr>
-          <p:cNvPr id="7" name="Content Placeholder 6"/>
-          <p:cNvSpPr>
-            <a:spLocks noGrp="1"/>
-          </p:cNvSpPr>
-          <p:nvPr>
-            <p:ph sz="quarter" idx="13"/>
+    </p:spTree>
+    <p:extLst>
+      <p:ext uri="{BB962C8B-B14F-4D97-AF65-F5344CB8AC3E}">
+        <p14:creationId xmlns:p14="http://schemas.microsoft.com/office/powerpoint/2010/main" val="946629457"/>
+      </p:ext>
+    </p:extLst>
+  </p:cSld>
+  <p:clrMapOvr>
+    <a:masterClrMapping/>
+  </p:clrMapOvr>
+</p:sldLayout>
+</file>
+
+<file path=ppt/slideLayouts/slideLayout10.xml><?xml version="1.0" encoding="utf-8"?>
+<p:sldLayout xmlns:a="http://schemas.openxmlformats.org/drawingml/2006/main" xmlns:r="http://schemas.openxmlformats.org/officeDocument/2006/relationships" xmlns:p="http://schemas.openxmlformats.org/presentationml/2006/main" preserve="1">
+  <p:cSld name="Naslov in napis">
+    <p:spTree>
+      <p:nvGrpSpPr>
+        <p:cNvPr id="1" name=""/>
+        <p:cNvGrpSpPr/>
+        <p:nvPr/>
+      </p:nvGrpSpPr>
+      <p:grpSpPr>
+        <a:xfrm>
+          <a:off x="0" y="0"/>
+          <a:ext cx="0" cy="0"/>
+          <a:chOff x="0" y="0"/>
+          <a:chExt cx="0" cy="0"/>
+        </a:xfrm>
+      </p:grpSpPr>
+      <p:sp>
+        <p:nvSpPr>
+          <p:cNvPr id="2" name="Title 1"/>
+          <p:cNvSpPr>
+            <a:spLocks noGrp="1"/>
+          </p:cNvSpPr>
+          <p:nvPr>
+            <p:ph type="title"/>
           </p:nvPr>
         </p:nvSpPr>
         <p:spPr>
           <a:xfrm>
-            <a:off x="457200" y="1524000"/>
-            <a:ext cx="4038600" cy="4648200"/>
+            <a:off x="609600" y="609600"/>
+            <a:ext cx="6347714" cy="3403600"/>
+          </a:xfrm>
+        </p:spPr>
+        <p:txBody>
+          <a:bodyPr anchor="ctr">
+            <a:normAutofit/>
+          </a:bodyPr>
+          <a:lstStyle>
+            <a:lvl1pPr algn="l">
+              <a:defRPr sz="4400" b="0" cap="none"/>
+            </a:lvl1pPr>
+          </a:lstStyle>
+          <a:p>
+            <a:r>
+              <a:rPr lang="sl-SI"/>
+              <a:t>Uredite slog naslova matrice</a:t>
+            </a:r>
+            <a:endParaRPr lang="en-US" dirty="0"/>
+          </a:p>
+        </p:txBody>
+      </p:sp>
+      <p:sp>
+        <p:nvSpPr>
+          <p:cNvPr id="3" name="Text Placeholder 2"/>
+          <p:cNvSpPr>
+            <a:spLocks noGrp="1"/>
+          </p:cNvSpPr>
+          <p:nvPr>
+            <p:ph type="body" idx="1"/>
+          </p:nvPr>
+        </p:nvSpPr>
+        <p:spPr>
+          <a:xfrm>
+            <a:off x="609600" y="4470400"/>
+            <a:ext cx="6347714" cy="1570962"/>
+          </a:xfrm>
+        </p:spPr>
+        <p:txBody>
+          <a:bodyPr anchor="ctr">
+            <a:normAutofit/>
+          </a:bodyPr>
+          <a:lstStyle>
+            <a:lvl1pPr marL="0" indent="0" algn="l">
+              <a:buNone/>
+              <a:defRPr sz="1800">
+                <a:solidFill>
+                  <a:schemeClr val="tx1">
+                    <a:lumMod val="75000"/>
+                    <a:lumOff val="25000"/>
+                  </a:schemeClr>
+                </a:solidFill>
+              </a:defRPr>
+            </a:lvl1pPr>
+            <a:lvl2pPr marL="457200" indent="0">
+              <a:buNone/>
+              <a:defRPr sz="1800">
+                <a:solidFill>
+                  <a:schemeClr val="tx1">
+                    <a:tint val="75000"/>
+                  </a:schemeClr>
+                </a:solidFill>
+              </a:defRPr>
+            </a:lvl2pPr>
+            <a:lvl3pPr marL="914400" indent="0">
+              <a:buNone/>
+              <a:defRPr sz="1600">
+                <a:solidFill>
+                  <a:schemeClr val="tx1">
+                    <a:tint val="75000"/>
+                  </a:schemeClr>
+                </a:solidFill>
+              </a:defRPr>
+            </a:lvl3pPr>
+            <a:lvl4pPr marL="1371600" indent="0">
+              <a:buNone/>
+              <a:defRPr sz="1400">
+                <a:solidFill>
+                  <a:schemeClr val="tx1">
+                    <a:tint val="75000"/>
+                  </a:schemeClr>
+                </a:solidFill>
+              </a:defRPr>
+            </a:lvl4pPr>
+            <a:lvl5pPr marL="1828800" indent="0">
+              <a:buNone/>
+              <a:defRPr sz="1400">
+                <a:solidFill>
+                  <a:schemeClr val="tx1">
+                    <a:tint val="75000"/>
+                  </a:schemeClr>
+                </a:solidFill>
+              </a:defRPr>
+            </a:lvl5pPr>
+            <a:lvl6pPr marL="2286000" indent="0">
+              <a:buNone/>
+              <a:defRPr sz="1400">
+                <a:solidFill>
+                  <a:schemeClr val="tx1">
+                    <a:tint val="75000"/>
+                  </a:schemeClr>
+                </a:solidFill>
+              </a:defRPr>
+            </a:lvl6pPr>
+            <a:lvl7pPr marL="2743200" indent="0">
+              <a:buNone/>
+              <a:defRPr sz="1400">
+                <a:solidFill>
+                  <a:schemeClr val="tx1">
+                    <a:tint val="75000"/>
+                  </a:schemeClr>
+                </a:solidFill>
+              </a:defRPr>
+            </a:lvl7pPr>
+            <a:lvl8pPr marL="3200400" indent="0">
+              <a:buNone/>
+              <a:defRPr sz="1400">
+                <a:solidFill>
+                  <a:schemeClr val="tx1">
+                    <a:tint val="75000"/>
+                  </a:schemeClr>
+                </a:solidFill>
+              </a:defRPr>
+            </a:lvl8pPr>
+            <a:lvl9pPr marL="3657600" indent="0">
+              <a:buNone/>
+              <a:defRPr sz="1400">
+                <a:solidFill>
+                  <a:schemeClr val="tx1">
+                    <a:tint val="75000"/>
+                  </a:schemeClr>
+                </a:solidFill>
+              </a:defRPr>
+            </a:lvl9pPr>
+          </a:lstStyle>
+          <a:p>
+            <a:pPr lvl="0"/>
+            <a:r>
+              <a:rPr lang="sl-SI"/>
+              <a:t>Uredite sloge besedila matrice</a:t>
+            </a:r>
+          </a:p>
+        </p:txBody>
+      </p:sp>
+      <p:sp>
+        <p:nvSpPr>
+          <p:cNvPr id="4" name="Date Placeholder 3"/>
+          <p:cNvSpPr>
+            <a:spLocks noGrp="1"/>
+          </p:cNvSpPr>
+          <p:nvPr>
+            <p:ph type="dt" sz="half" idx="10"/>
+          </p:nvPr>
+        </p:nvSpPr>
+        <p:spPr/>
+        <p:txBody>
+          <a:bodyPr/>
+          <a:lstStyle/>
+          <a:p>
+            <a:fld id="{EBCD5785-8A43-4CC4-A705-D4AA7E8DB57F}" type="datetimeFigureOut">
+              <a:rPr lang="sl-SI" noProof="0" smtClean="0">
+                <a:solidFill>
+                  <a:prstClr val="black">
+                    <a:tint val="75000"/>
+                  </a:prstClr>
+                </a:solidFill>
+              </a:rPr>
+              <a:pPr/>
+              <a:t>25. 05. 2017</a:t>
+            </a:fld>
+            <a:endParaRPr lang="sl-SI" noProof="0">
+              <a:solidFill>
+                <a:prstClr val="black">
+                  <a:tint val="75000"/>
+                </a:prstClr>
+              </a:solidFill>
+            </a:endParaRPr>
+          </a:p>
+        </p:txBody>
+      </p:sp>
+      <p:sp>
+        <p:nvSpPr>
+          <p:cNvPr id="5" name="Footer Placeholder 4"/>
+          <p:cNvSpPr>
+            <a:spLocks noGrp="1"/>
+          </p:cNvSpPr>
+          <p:nvPr>
+            <p:ph type="ftr" sz="quarter" idx="11"/>
+          </p:nvPr>
+        </p:nvSpPr>
+        <p:spPr/>
+        <p:txBody>
+          <a:bodyPr/>
+          <a:lstStyle/>
+          <a:p>
+            <a:endParaRPr lang="sl-SI" noProof="0">
+              <a:solidFill>
+                <a:prstClr val="black">
+                  <a:tint val="75000"/>
+                </a:prstClr>
+              </a:solidFill>
+            </a:endParaRPr>
+          </a:p>
+        </p:txBody>
+      </p:sp>
+      <p:sp>
+        <p:nvSpPr>
+          <p:cNvPr id="6" name="Slide Number Placeholder 5"/>
+          <p:cNvSpPr>
+            <a:spLocks noGrp="1"/>
+          </p:cNvSpPr>
+          <p:nvPr>
+            <p:ph type="sldNum" sz="quarter" idx="12"/>
+          </p:nvPr>
+        </p:nvSpPr>
+        <p:spPr/>
+        <p:txBody>
+          <a:bodyPr/>
+          <a:lstStyle/>
+          <a:p>
+            <a:fld id="{FF75B4CE-5129-41CA-A75E-F2AE589D1F47}" type="slidenum">
+              <a:rPr lang="sl-SI" noProof="0" smtClean="0">
+                <a:solidFill>
+                  <a:prstClr val="black">
+                    <a:tint val="75000"/>
+                  </a:prstClr>
+                </a:solidFill>
+              </a:rPr>
+              <a:pPr/>
+              <a:t>‹#›</a:t>
+            </a:fld>
+            <a:endParaRPr lang="sl-SI" noProof="0">
+              <a:solidFill>
+                <a:prstClr val="black">
+                  <a:tint val="75000"/>
+                </a:prstClr>
+              </a:solidFill>
+            </a:endParaRPr>
+          </a:p>
+        </p:txBody>
+      </p:sp>
+    </p:spTree>
+    <p:extLst>
+      <p:ext uri="{BB962C8B-B14F-4D97-AF65-F5344CB8AC3E}">
+        <p14:creationId xmlns:p14="http://schemas.microsoft.com/office/powerpoint/2010/main" val="2540866974"/>
+      </p:ext>
+    </p:extLst>
+  </p:cSld>
+  <p:clrMapOvr>
+    <a:masterClrMapping/>
+  </p:clrMapOvr>
+</p:sldLayout>
+</file>
+
+<file path=ppt/slideLayouts/slideLayout11.xml><?xml version="1.0" encoding="utf-8"?>
+<p:sldLayout xmlns:a="http://schemas.openxmlformats.org/drawingml/2006/main" xmlns:r="http://schemas.openxmlformats.org/officeDocument/2006/relationships" xmlns:p="http://schemas.openxmlformats.org/presentationml/2006/main" preserve="1">
+  <p:cSld name="Citat z napisom">
+    <p:spTree>
+      <p:nvGrpSpPr>
+        <p:cNvPr id="1" name=""/>
+        <p:cNvGrpSpPr/>
+        <p:nvPr/>
+      </p:nvGrpSpPr>
+      <p:grpSpPr>
+        <a:xfrm>
+          <a:off x="0" y="0"/>
+          <a:ext cx="0" cy="0"/>
+          <a:chOff x="0" y="0"/>
+          <a:chExt cx="0" cy="0"/>
+        </a:xfrm>
+      </p:grpSpPr>
+      <p:sp>
+        <p:nvSpPr>
+          <p:cNvPr id="2" name="Title 1"/>
+          <p:cNvSpPr>
+            <a:spLocks noGrp="1"/>
+          </p:cNvSpPr>
+          <p:nvPr>
+            <p:ph type="title"/>
+          </p:nvPr>
+        </p:nvSpPr>
+        <p:spPr>
+          <a:xfrm>
+            <a:off x="774885" y="609600"/>
+            <a:ext cx="6072182" cy="3022600"/>
+          </a:xfrm>
+        </p:spPr>
+        <p:txBody>
+          <a:bodyPr anchor="ctr">
+            <a:normAutofit/>
+          </a:bodyPr>
+          <a:lstStyle>
+            <a:lvl1pPr algn="l">
+              <a:defRPr sz="4400" b="0" cap="none"/>
+            </a:lvl1pPr>
+          </a:lstStyle>
+          <a:p>
+            <a:r>
+              <a:rPr lang="sl-SI"/>
+              <a:t>Uredite slog naslova matrice</a:t>
+            </a:r>
+            <a:endParaRPr lang="en-US" dirty="0"/>
+          </a:p>
+        </p:txBody>
+      </p:sp>
+      <p:sp>
+        <p:nvSpPr>
+          <p:cNvPr id="23" name="Text Placeholder 9"/>
+          <p:cNvSpPr>
+            <a:spLocks noGrp="1"/>
+          </p:cNvSpPr>
+          <p:nvPr>
+            <p:ph type="body" sz="quarter" idx="13"/>
+          </p:nvPr>
+        </p:nvSpPr>
+        <p:spPr>
+          <a:xfrm>
+            <a:off x="1101074" y="3632200"/>
+            <a:ext cx="5419804" cy="381000"/>
+          </a:xfrm>
+        </p:spPr>
+        <p:txBody>
+          <a:bodyPr anchor="ctr">
+            <a:noAutofit/>
+          </a:bodyPr>
+          <a:lstStyle>
+            <a:lvl1pPr marL="0" indent="0">
+              <a:buFontTx/>
+              <a:buNone/>
+              <a:defRPr sz="1600">
+                <a:solidFill>
+                  <a:schemeClr val="tx1">
+                    <a:lumMod val="50000"/>
+                    <a:lumOff val="50000"/>
+                  </a:schemeClr>
+                </a:solidFill>
+              </a:defRPr>
+            </a:lvl1pPr>
+            <a:lvl2pPr marL="457200" indent="0">
+              <a:buFontTx/>
+              <a:buNone/>
+              <a:defRPr/>
+            </a:lvl2pPr>
+            <a:lvl3pPr marL="914400" indent="0">
+              <a:buFontTx/>
+              <a:buNone/>
+              <a:defRPr/>
+            </a:lvl3pPr>
+            <a:lvl4pPr marL="1371600" indent="0">
+              <a:buFontTx/>
+              <a:buNone/>
+              <a:defRPr/>
+            </a:lvl4pPr>
+            <a:lvl5pPr marL="1828800" indent="0">
+              <a:buFontTx/>
+              <a:buNone/>
+              <a:defRPr/>
+            </a:lvl5pPr>
+          </a:lstStyle>
+          <a:p>
+            <a:pPr lvl="0"/>
+            <a:r>
+              <a:rPr lang="sl-SI"/>
+              <a:t>Uredite sloge besedila matrice</a:t>
+            </a:r>
+          </a:p>
+        </p:txBody>
+      </p:sp>
+      <p:sp>
+        <p:nvSpPr>
+          <p:cNvPr id="3" name="Text Placeholder 2"/>
+          <p:cNvSpPr>
+            <a:spLocks noGrp="1"/>
+          </p:cNvSpPr>
+          <p:nvPr>
+            <p:ph type="body" idx="1"/>
+          </p:nvPr>
+        </p:nvSpPr>
+        <p:spPr>
+          <a:xfrm>
+            <a:off x="609598" y="4470400"/>
+            <a:ext cx="6347715" cy="1570962"/>
+          </a:xfrm>
+        </p:spPr>
+        <p:txBody>
+          <a:bodyPr anchor="ctr">
+            <a:normAutofit/>
+          </a:bodyPr>
+          <a:lstStyle>
+            <a:lvl1pPr marL="0" indent="0" algn="l">
+              <a:buNone/>
+              <a:defRPr sz="1800">
+                <a:solidFill>
+                  <a:schemeClr val="tx1">
+                    <a:lumMod val="75000"/>
+                    <a:lumOff val="25000"/>
+                  </a:schemeClr>
+                </a:solidFill>
+              </a:defRPr>
+            </a:lvl1pPr>
+            <a:lvl2pPr marL="457200" indent="0">
+              <a:buNone/>
+              <a:defRPr sz="1800">
+                <a:solidFill>
+                  <a:schemeClr val="tx1">
+                    <a:tint val="75000"/>
+                  </a:schemeClr>
+                </a:solidFill>
+              </a:defRPr>
+            </a:lvl2pPr>
+            <a:lvl3pPr marL="914400" indent="0">
+              <a:buNone/>
+              <a:defRPr sz="1600">
+                <a:solidFill>
+                  <a:schemeClr val="tx1">
+                    <a:tint val="75000"/>
+                  </a:schemeClr>
+                </a:solidFill>
+              </a:defRPr>
+            </a:lvl3pPr>
+            <a:lvl4pPr marL="1371600" indent="0">
+              <a:buNone/>
+              <a:defRPr sz="1400">
+                <a:solidFill>
+                  <a:schemeClr val="tx1">
+                    <a:tint val="75000"/>
+                  </a:schemeClr>
+                </a:solidFill>
+              </a:defRPr>
+            </a:lvl4pPr>
+            <a:lvl5pPr marL="1828800" indent="0">
+              <a:buNone/>
+              <a:defRPr sz="1400">
+                <a:solidFill>
+                  <a:schemeClr val="tx1">
+                    <a:tint val="75000"/>
+                  </a:schemeClr>
+                </a:solidFill>
+              </a:defRPr>
+            </a:lvl5pPr>
+            <a:lvl6pPr marL="2286000" indent="0">
+              <a:buNone/>
+              <a:defRPr sz="1400">
+                <a:solidFill>
+                  <a:schemeClr val="tx1">
+                    <a:tint val="75000"/>
+                  </a:schemeClr>
+                </a:solidFill>
+              </a:defRPr>
+            </a:lvl6pPr>
+            <a:lvl7pPr marL="2743200" indent="0">
+              <a:buNone/>
+              <a:defRPr sz="1400">
+                <a:solidFill>
+                  <a:schemeClr val="tx1">
+                    <a:tint val="75000"/>
+                  </a:schemeClr>
+                </a:solidFill>
+              </a:defRPr>
+            </a:lvl7pPr>
+            <a:lvl8pPr marL="3200400" indent="0">
+              <a:buNone/>
+              <a:defRPr sz="1400">
+                <a:solidFill>
+                  <a:schemeClr val="tx1">
+                    <a:tint val="75000"/>
+                  </a:schemeClr>
+                </a:solidFill>
+              </a:defRPr>
+            </a:lvl8pPr>
+            <a:lvl9pPr marL="3657600" indent="0">
+              <a:buNone/>
+              <a:defRPr sz="1400">
+                <a:solidFill>
+                  <a:schemeClr val="tx1">
+                    <a:tint val="75000"/>
+                  </a:schemeClr>
+                </a:solidFill>
+              </a:defRPr>
+            </a:lvl9pPr>
+          </a:lstStyle>
+          <a:p>
+            <a:pPr lvl="0"/>
+            <a:r>
+              <a:rPr lang="sl-SI"/>
+              <a:t>Uredite sloge besedila matrice</a:t>
+            </a:r>
+          </a:p>
+        </p:txBody>
+      </p:sp>
+      <p:sp>
+        <p:nvSpPr>
+          <p:cNvPr id="4" name="Date Placeholder 3"/>
+          <p:cNvSpPr>
+            <a:spLocks noGrp="1"/>
+          </p:cNvSpPr>
+          <p:nvPr>
+            <p:ph type="dt" sz="half" idx="10"/>
+          </p:nvPr>
+        </p:nvSpPr>
+        <p:spPr/>
+        <p:txBody>
+          <a:bodyPr/>
+          <a:lstStyle/>
+          <a:p>
+            <a:fld id="{EBCD5785-8A43-4CC4-A705-D4AA7E8DB57F}" type="datetimeFigureOut">
+              <a:rPr lang="sl-SI" noProof="0" smtClean="0">
+                <a:solidFill>
+                  <a:prstClr val="black">
+                    <a:tint val="75000"/>
+                  </a:prstClr>
+                </a:solidFill>
+              </a:rPr>
+              <a:pPr/>
+              <a:t>25. 05. 2017</a:t>
+            </a:fld>
+            <a:endParaRPr lang="sl-SI" noProof="0">
+              <a:solidFill>
+                <a:prstClr val="black">
+                  <a:tint val="75000"/>
+                </a:prstClr>
+              </a:solidFill>
+            </a:endParaRPr>
+          </a:p>
+        </p:txBody>
+      </p:sp>
+      <p:sp>
+        <p:nvSpPr>
+          <p:cNvPr id="5" name="Footer Placeholder 4"/>
+          <p:cNvSpPr>
+            <a:spLocks noGrp="1"/>
+          </p:cNvSpPr>
+          <p:nvPr>
+            <p:ph type="ftr" sz="quarter" idx="11"/>
+          </p:nvPr>
+        </p:nvSpPr>
+        <p:spPr/>
+        <p:txBody>
+          <a:bodyPr/>
+          <a:lstStyle/>
+          <a:p>
+            <a:endParaRPr lang="sl-SI" noProof="0">
+              <a:solidFill>
+                <a:prstClr val="black">
+                  <a:tint val="75000"/>
+                </a:prstClr>
+              </a:solidFill>
+            </a:endParaRPr>
+          </a:p>
+        </p:txBody>
+      </p:sp>
+      <p:sp>
+        <p:nvSpPr>
+          <p:cNvPr id="6" name="Slide Number Placeholder 5"/>
+          <p:cNvSpPr>
+            <a:spLocks noGrp="1"/>
+          </p:cNvSpPr>
+          <p:nvPr>
+            <p:ph type="sldNum" sz="quarter" idx="12"/>
+          </p:nvPr>
+        </p:nvSpPr>
+        <p:spPr/>
+        <p:txBody>
+          <a:bodyPr/>
+          <a:lstStyle/>
+          <a:p>
+            <a:fld id="{FF75B4CE-5129-41CA-A75E-F2AE589D1F47}" type="slidenum">
+              <a:rPr lang="sl-SI" noProof="0" smtClean="0">
+                <a:solidFill>
+                  <a:prstClr val="black">
+                    <a:tint val="75000"/>
+                  </a:prstClr>
+                </a:solidFill>
+              </a:rPr>
+              <a:pPr/>
+              <a:t>‹#›</a:t>
+            </a:fld>
+            <a:endParaRPr lang="sl-SI" noProof="0">
+              <a:solidFill>
+                <a:prstClr val="black">
+                  <a:tint val="75000"/>
+                </a:prstClr>
+              </a:solidFill>
+            </a:endParaRPr>
+          </a:p>
+        </p:txBody>
+      </p:sp>
+      <p:sp>
+        <p:nvSpPr>
+          <p:cNvPr id="24" name="TextBox 23"/>
+          <p:cNvSpPr txBox="1"/>
+          <p:nvPr/>
+        </p:nvSpPr>
+        <p:spPr>
+          <a:xfrm>
+            <a:off x="482711" y="790378"/>
+            <a:ext cx="457319" cy="584776"/>
+          </a:xfrm>
+          <a:prstGeom prst="rect">
+            <a:avLst/>
+          </a:prstGeom>
+        </p:spPr>
+        <p:txBody>
+          <a:bodyPr vert="horz" lIns="91440" tIns="45720" rIns="91440" bIns="45720" rtlCol="0" anchor="ctr">
+            <a:noAutofit/>
+          </a:bodyPr>
+          <a:lstStyle/>
+          <a:p>
+            <a:pPr lvl="0"/>
+            <a:r>
+              <a:rPr lang="en-US" sz="8000" baseline="0" dirty="0">
+                <a:ln w="3175" cmpd="sng">
+                  <a:noFill/>
+                </a:ln>
+                <a:solidFill>
+                  <a:schemeClr val="accent1">
+                    <a:lumMod val="60000"/>
+                    <a:lumOff val="40000"/>
+                  </a:schemeClr>
+                </a:solidFill>
+                <a:effectLst/>
+                <a:latin typeface="Arial"/>
+              </a:rPr>
+              <a:t>“</a:t>
+            </a:r>
+          </a:p>
+        </p:txBody>
+      </p:sp>
+      <p:sp>
+        <p:nvSpPr>
+          <p:cNvPr id="25" name="TextBox 24"/>
+          <p:cNvSpPr txBox="1"/>
+          <p:nvPr/>
+        </p:nvSpPr>
+        <p:spPr>
+          <a:xfrm>
+            <a:off x="6747699" y="2886556"/>
+            <a:ext cx="457319" cy="584776"/>
+          </a:xfrm>
+          <a:prstGeom prst="rect">
+            <a:avLst/>
+          </a:prstGeom>
+        </p:spPr>
+        <p:txBody>
+          <a:bodyPr vert="horz" lIns="91440" tIns="45720" rIns="91440" bIns="45720" rtlCol="0" anchor="ctr">
+            <a:noAutofit/>
+          </a:bodyPr>
+          <a:lstStyle/>
+          <a:p>
+            <a:pPr lvl="0"/>
+            <a:r>
+              <a:rPr lang="en-US" sz="8000" baseline="0" dirty="0">
+                <a:ln w="3175" cmpd="sng">
+                  <a:noFill/>
+                </a:ln>
+                <a:solidFill>
+                  <a:schemeClr val="accent1">
+                    <a:lumMod val="60000"/>
+                    <a:lumOff val="40000"/>
+                  </a:schemeClr>
+                </a:solidFill>
+                <a:effectLst/>
+                <a:latin typeface="Arial"/>
+              </a:rPr>
+              <a:t>”</a:t>
+            </a:r>
+          </a:p>
+        </p:txBody>
+      </p:sp>
+    </p:spTree>
+    <p:extLst>
+      <p:ext uri="{BB962C8B-B14F-4D97-AF65-F5344CB8AC3E}">
+        <p14:creationId xmlns:p14="http://schemas.microsoft.com/office/powerpoint/2010/main" val="1566340177"/>
+      </p:ext>
+    </p:extLst>
+  </p:cSld>
+  <p:clrMapOvr>
+    <a:masterClrMapping/>
+  </p:clrMapOvr>
+</p:sldLayout>
+</file>
+
+<file path=ppt/slideLayouts/slideLayout12.xml><?xml version="1.0" encoding="utf-8"?>
+<p:sldLayout xmlns:a="http://schemas.openxmlformats.org/drawingml/2006/main" xmlns:r="http://schemas.openxmlformats.org/officeDocument/2006/relationships" xmlns:p="http://schemas.openxmlformats.org/presentationml/2006/main" preserve="1">
+  <p:cSld name="Kartica z imenom">
+    <p:spTree>
+      <p:nvGrpSpPr>
+        <p:cNvPr id="1" name=""/>
+        <p:cNvGrpSpPr/>
+        <p:nvPr/>
+      </p:nvGrpSpPr>
+      <p:grpSpPr>
+        <a:xfrm>
+          <a:off x="0" y="0"/>
+          <a:ext cx="0" cy="0"/>
+          <a:chOff x="0" y="0"/>
+          <a:chExt cx="0" cy="0"/>
+        </a:xfrm>
+      </p:grpSpPr>
+      <p:sp>
+        <p:nvSpPr>
+          <p:cNvPr id="2" name="Title 1"/>
+          <p:cNvSpPr>
+            <a:spLocks noGrp="1"/>
+          </p:cNvSpPr>
+          <p:nvPr>
+            <p:ph type="title"/>
+          </p:nvPr>
+        </p:nvSpPr>
+        <p:spPr>
+          <a:xfrm>
+            <a:off x="609598" y="1931988"/>
+            <a:ext cx="6347715" cy="2595460"/>
+          </a:xfrm>
+        </p:spPr>
+        <p:txBody>
+          <a:bodyPr anchor="b">
+            <a:normAutofit/>
+          </a:bodyPr>
+          <a:lstStyle>
+            <a:lvl1pPr algn="l">
+              <a:defRPr sz="4400" b="0" cap="none"/>
+            </a:lvl1pPr>
+          </a:lstStyle>
+          <a:p>
+            <a:r>
+              <a:rPr lang="sl-SI"/>
+              <a:t>Uredite slog naslova matrice</a:t>
+            </a:r>
+            <a:endParaRPr lang="en-US" dirty="0"/>
+          </a:p>
+        </p:txBody>
+      </p:sp>
+      <p:sp>
+        <p:nvSpPr>
+          <p:cNvPr id="3" name="Text Placeholder 2"/>
+          <p:cNvSpPr>
+            <a:spLocks noGrp="1"/>
+          </p:cNvSpPr>
+          <p:nvPr>
+            <p:ph type="body" idx="1"/>
+          </p:nvPr>
+        </p:nvSpPr>
+        <p:spPr>
+          <a:xfrm>
+            <a:off x="609598" y="4527448"/>
+            <a:ext cx="6347715" cy="1513914"/>
+          </a:xfrm>
+        </p:spPr>
+        <p:txBody>
+          <a:bodyPr anchor="t">
+            <a:normAutofit/>
+          </a:bodyPr>
+          <a:lstStyle>
+            <a:lvl1pPr marL="0" indent="0" algn="l">
+              <a:buNone/>
+              <a:defRPr sz="1800">
+                <a:solidFill>
+                  <a:schemeClr val="tx1">
+                    <a:lumMod val="75000"/>
+                    <a:lumOff val="25000"/>
+                  </a:schemeClr>
+                </a:solidFill>
+              </a:defRPr>
+            </a:lvl1pPr>
+            <a:lvl2pPr marL="457200" indent="0">
+              <a:buNone/>
+              <a:defRPr sz="1800">
+                <a:solidFill>
+                  <a:schemeClr val="tx1">
+                    <a:tint val="75000"/>
+                  </a:schemeClr>
+                </a:solidFill>
+              </a:defRPr>
+            </a:lvl2pPr>
+            <a:lvl3pPr marL="914400" indent="0">
+              <a:buNone/>
+              <a:defRPr sz="1600">
+                <a:solidFill>
+                  <a:schemeClr val="tx1">
+                    <a:tint val="75000"/>
+                  </a:schemeClr>
+                </a:solidFill>
+              </a:defRPr>
+            </a:lvl3pPr>
+            <a:lvl4pPr marL="1371600" indent="0">
+              <a:buNone/>
+              <a:defRPr sz="1400">
+                <a:solidFill>
+                  <a:schemeClr val="tx1">
+                    <a:tint val="75000"/>
+                  </a:schemeClr>
+                </a:solidFill>
+              </a:defRPr>
+            </a:lvl4pPr>
+            <a:lvl5pPr marL="1828800" indent="0">
+              <a:buNone/>
+              <a:defRPr sz="1400">
+                <a:solidFill>
+                  <a:schemeClr val="tx1">
+                    <a:tint val="75000"/>
+                  </a:schemeClr>
+                </a:solidFill>
+              </a:defRPr>
+            </a:lvl5pPr>
+            <a:lvl6pPr marL="2286000" indent="0">
+              <a:buNone/>
+              <a:defRPr sz="1400">
+                <a:solidFill>
+                  <a:schemeClr val="tx1">
+                    <a:tint val="75000"/>
+                  </a:schemeClr>
+                </a:solidFill>
+              </a:defRPr>
+            </a:lvl6pPr>
+            <a:lvl7pPr marL="2743200" indent="0">
+              <a:buNone/>
+              <a:defRPr sz="1400">
+                <a:solidFill>
+                  <a:schemeClr val="tx1">
+                    <a:tint val="75000"/>
+                  </a:schemeClr>
+                </a:solidFill>
+              </a:defRPr>
+            </a:lvl7pPr>
+            <a:lvl8pPr marL="3200400" indent="0">
+              <a:buNone/>
+              <a:defRPr sz="1400">
+                <a:solidFill>
+                  <a:schemeClr val="tx1">
+                    <a:tint val="75000"/>
+                  </a:schemeClr>
+                </a:solidFill>
+              </a:defRPr>
+            </a:lvl8pPr>
+            <a:lvl9pPr marL="3657600" indent="0">
+              <a:buNone/>
+              <a:defRPr sz="1400">
+                <a:solidFill>
+                  <a:schemeClr val="tx1">
+                    <a:tint val="75000"/>
+                  </a:schemeClr>
+                </a:solidFill>
+              </a:defRPr>
+            </a:lvl9pPr>
+          </a:lstStyle>
+          <a:p>
+            <a:pPr lvl="0"/>
+            <a:r>
+              <a:rPr lang="sl-SI"/>
+              <a:t>Uredite sloge besedila matrice</a:t>
+            </a:r>
+          </a:p>
+        </p:txBody>
+      </p:sp>
+      <p:sp>
+        <p:nvSpPr>
+          <p:cNvPr id="4" name="Date Placeholder 3"/>
+          <p:cNvSpPr>
+            <a:spLocks noGrp="1"/>
+          </p:cNvSpPr>
+          <p:nvPr>
+            <p:ph type="dt" sz="half" idx="10"/>
+          </p:nvPr>
+        </p:nvSpPr>
+        <p:spPr/>
+        <p:txBody>
+          <a:bodyPr/>
+          <a:lstStyle/>
+          <a:p>
+            <a:fld id="{EBCD5785-8A43-4CC4-A705-D4AA7E8DB57F}" type="datetimeFigureOut">
+              <a:rPr lang="sl-SI" noProof="0" smtClean="0">
+                <a:solidFill>
+                  <a:prstClr val="black">
+                    <a:tint val="75000"/>
+                  </a:prstClr>
+                </a:solidFill>
+              </a:rPr>
+              <a:pPr/>
+              <a:t>25. 05. 2017</a:t>
+            </a:fld>
+            <a:endParaRPr lang="sl-SI" noProof="0">
+              <a:solidFill>
+                <a:prstClr val="black">
+                  <a:tint val="75000"/>
+                </a:prstClr>
+              </a:solidFill>
+            </a:endParaRPr>
+          </a:p>
+        </p:txBody>
+      </p:sp>
+      <p:sp>
+        <p:nvSpPr>
+          <p:cNvPr id="5" name="Footer Placeholder 4"/>
+          <p:cNvSpPr>
+            <a:spLocks noGrp="1"/>
+          </p:cNvSpPr>
+          <p:nvPr>
+            <p:ph type="ftr" sz="quarter" idx="11"/>
+          </p:nvPr>
+        </p:nvSpPr>
+        <p:spPr/>
+        <p:txBody>
+          <a:bodyPr/>
+          <a:lstStyle/>
+          <a:p>
+            <a:endParaRPr lang="sl-SI" noProof="0">
+              <a:solidFill>
+                <a:prstClr val="black">
+                  <a:tint val="75000"/>
+                </a:prstClr>
+              </a:solidFill>
+            </a:endParaRPr>
+          </a:p>
+        </p:txBody>
+      </p:sp>
+      <p:sp>
+        <p:nvSpPr>
+          <p:cNvPr id="6" name="Slide Number Placeholder 5"/>
+          <p:cNvSpPr>
+            <a:spLocks noGrp="1"/>
+          </p:cNvSpPr>
+          <p:nvPr>
+            <p:ph type="sldNum" sz="quarter" idx="12"/>
+          </p:nvPr>
+        </p:nvSpPr>
+        <p:spPr/>
+        <p:txBody>
+          <a:bodyPr/>
+          <a:lstStyle/>
+          <a:p>
+            <a:fld id="{FF75B4CE-5129-41CA-A75E-F2AE589D1F47}" type="slidenum">
+              <a:rPr lang="sl-SI" noProof="0" smtClean="0">
+                <a:solidFill>
+                  <a:prstClr val="black">
+                    <a:tint val="75000"/>
+                  </a:prstClr>
+                </a:solidFill>
+              </a:rPr>
+              <a:pPr/>
+              <a:t>‹#›</a:t>
+            </a:fld>
+            <a:endParaRPr lang="sl-SI" noProof="0">
+              <a:solidFill>
+                <a:prstClr val="black">
+                  <a:tint val="75000"/>
+                </a:prstClr>
+              </a:solidFill>
+            </a:endParaRPr>
+          </a:p>
+        </p:txBody>
+      </p:sp>
+    </p:spTree>
+    <p:extLst>
+      <p:ext uri="{BB962C8B-B14F-4D97-AF65-F5344CB8AC3E}">
+        <p14:creationId xmlns:p14="http://schemas.microsoft.com/office/powerpoint/2010/main" val="3705483009"/>
+      </p:ext>
+    </p:extLst>
+  </p:cSld>
+  <p:clrMapOvr>
+    <a:masterClrMapping/>
+  </p:clrMapOvr>
+</p:sldLayout>
+</file>
+
+<file path=ppt/slideLayouts/slideLayout13.xml><?xml version="1.0" encoding="utf-8"?>
+<p:sldLayout xmlns:a="http://schemas.openxmlformats.org/drawingml/2006/main" xmlns:r="http://schemas.openxmlformats.org/officeDocument/2006/relationships" xmlns:p="http://schemas.openxmlformats.org/presentationml/2006/main" preserve="1">
+  <p:cSld name="Citat kartice z imenom">
+    <p:spTree>
+      <p:nvGrpSpPr>
+        <p:cNvPr id="1" name=""/>
+        <p:cNvGrpSpPr/>
+        <p:nvPr/>
+      </p:nvGrpSpPr>
+      <p:grpSpPr>
+        <a:xfrm>
+          <a:off x="0" y="0"/>
+          <a:ext cx="0" cy="0"/>
+          <a:chOff x="0" y="0"/>
+          <a:chExt cx="0" cy="0"/>
+        </a:xfrm>
+      </p:grpSpPr>
+      <p:sp>
+        <p:nvSpPr>
+          <p:cNvPr id="2" name="Title 1"/>
+          <p:cNvSpPr>
+            <a:spLocks noGrp="1"/>
+          </p:cNvSpPr>
+          <p:nvPr>
+            <p:ph type="title"/>
+          </p:nvPr>
+        </p:nvSpPr>
+        <p:spPr>
+          <a:xfrm>
+            <a:off x="774885" y="609600"/>
+            <a:ext cx="6072182" cy="3022600"/>
+          </a:xfrm>
+        </p:spPr>
+        <p:txBody>
+          <a:bodyPr anchor="ctr">
+            <a:normAutofit/>
+          </a:bodyPr>
+          <a:lstStyle>
+            <a:lvl1pPr algn="l">
+              <a:defRPr sz="4400" b="0" cap="none"/>
+            </a:lvl1pPr>
+          </a:lstStyle>
+          <a:p>
+            <a:r>
+              <a:rPr lang="sl-SI"/>
+              <a:t>Uredite slog naslova matrice</a:t>
+            </a:r>
+            <a:endParaRPr lang="en-US" dirty="0"/>
+          </a:p>
+        </p:txBody>
+      </p:sp>
+      <p:sp>
+        <p:nvSpPr>
+          <p:cNvPr id="23" name="Text Placeholder 9"/>
+          <p:cNvSpPr>
+            <a:spLocks noGrp="1"/>
+          </p:cNvSpPr>
+          <p:nvPr>
+            <p:ph type="body" sz="quarter" idx="13"/>
+          </p:nvPr>
+        </p:nvSpPr>
+        <p:spPr>
+          <a:xfrm>
+            <a:off x="609597" y="4013200"/>
+            <a:ext cx="6347716" cy="514248"/>
+          </a:xfrm>
+        </p:spPr>
+        <p:txBody>
+          <a:bodyPr anchor="b">
+            <a:noAutofit/>
+          </a:bodyPr>
+          <a:lstStyle>
+            <a:lvl1pPr marL="0" indent="0">
+              <a:buFontTx/>
+              <a:buNone/>
+              <a:defRPr sz="2400">
+                <a:solidFill>
+                  <a:schemeClr val="tx1">
+                    <a:lumMod val="75000"/>
+                    <a:lumOff val="25000"/>
+                  </a:schemeClr>
+                </a:solidFill>
+              </a:defRPr>
+            </a:lvl1pPr>
+            <a:lvl2pPr marL="457200" indent="0">
+              <a:buFontTx/>
+              <a:buNone/>
+              <a:defRPr/>
+            </a:lvl2pPr>
+            <a:lvl3pPr marL="914400" indent="0">
+              <a:buFontTx/>
+              <a:buNone/>
+              <a:defRPr/>
+            </a:lvl3pPr>
+            <a:lvl4pPr marL="1371600" indent="0">
+              <a:buFontTx/>
+              <a:buNone/>
+              <a:defRPr/>
+            </a:lvl4pPr>
+            <a:lvl5pPr marL="1828800" indent="0">
+              <a:buFontTx/>
+              <a:buNone/>
+              <a:defRPr/>
+            </a:lvl5pPr>
+          </a:lstStyle>
+          <a:p>
+            <a:pPr lvl="0"/>
+            <a:r>
+              <a:rPr lang="sl-SI"/>
+              <a:t>Uredite sloge besedila matrice</a:t>
+            </a:r>
+          </a:p>
+        </p:txBody>
+      </p:sp>
+      <p:sp>
+        <p:nvSpPr>
+          <p:cNvPr id="3" name="Text Placeholder 2"/>
+          <p:cNvSpPr>
+            <a:spLocks noGrp="1"/>
+          </p:cNvSpPr>
+          <p:nvPr>
+            <p:ph type="body" idx="1"/>
+          </p:nvPr>
+        </p:nvSpPr>
+        <p:spPr>
+          <a:xfrm>
+            <a:off x="609598" y="4527448"/>
+            <a:ext cx="6347715" cy="1513914"/>
+          </a:xfrm>
+        </p:spPr>
+        <p:txBody>
+          <a:bodyPr anchor="t">
+            <a:normAutofit/>
+          </a:bodyPr>
+          <a:lstStyle>
+            <a:lvl1pPr marL="0" indent="0" algn="l">
+              <a:buNone/>
+              <a:defRPr sz="1800">
+                <a:solidFill>
+                  <a:schemeClr val="tx1">
+                    <a:lumMod val="50000"/>
+                    <a:lumOff val="50000"/>
+                  </a:schemeClr>
+                </a:solidFill>
+              </a:defRPr>
+            </a:lvl1pPr>
+            <a:lvl2pPr marL="457200" indent="0">
+              <a:buNone/>
+              <a:defRPr sz="1800">
+                <a:solidFill>
+                  <a:schemeClr val="tx1">
+                    <a:tint val="75000"/>
+                  </a:schemeClr>
+                </a:solidFill>
+              </a:defRPr>
+            </a:lvl2pPr>
+            <a:lvl3pPr marL="914400" indent="0">
+              <a:buNone/>
+              <a:defRPr sz="1600">
+                <a:solidFill>
+                  <a:schemeClr val="tx1">
+                    <a:tint val="75000"/>
+                  </a:schemeClr>
+                </a:solidFill>
+              </a:defRPr>
+            </a:lvl3pPr>
+            <a:lvl4pPr marL="1371600" indent="0">
+              <a:buNone/>
+              <a:defRPr sz="1400">
+                <a:solidFill>
+                  <a:schemeClr val="tx1">
+                    <a:tint val="75000"/>
+                  </a:schemeClr>
+                </a:solidFill>
+              </a:defRPr>
+            </a:lvl4pPr>
+            <a:lvl5pPr marL="1828800" indent="0">
+              <a:buNone/>
+              <a:defRPr sz="1400">
+                <a:solidFill>
+                  <a:schemeClr val="tx1">
+                    <a:tint val="75000"/>
+                  </a:schemeClr>
+                </a:solidFill>
+              </a:defRPr>
+            </a:lvl5pPr>
+            <a:lvl6pPr marL="2286000" indent="0">
+              <a:buNone/>
+              <a:defRPr sz="1400">
+                <a:solidFill>
+                  <a:schemeClr val="tx1">
+                    <a:tint val="75000"/>
+                  </a:schemeClr>
+                </a:solidFill>
+              </a:defRPr>
+            </a:lvl6pPr>
+            <a:lvl7pPr marL="2743200" indent="0">
+              <a:buNone/>
+              <a:defRPr sz="1400">
+                <a:solidFill>
+                  <a:schemeClr val="tx1">
+                    <a:tint val="75000"/>
+                  </a:schemeClr>
+                </a:solidFill>
+              </a:defRPr>
+            </a:lvl7pPr>
+            <a:lvl8pPr marL="3200400" indent="0">
+              <a:buNone/>
+              <a:defRPr sz="1400">
+                <a:solidFill>
+                  <a:schemeClr val="tx1">
+                    <a:tint val="75000"/>
+                  </a:schemeClr>
+                </a:solidFill>
+              </a:defRPr>
+            </a:lvl8pPr>
+            <a:lvl9pPr marL="3657600" indent="0">
+              <a:buNone/>
+              <a:defRPr sz="1400">
+                <a:solidFill>
+                  <a:schemeClr val="tx1">
+                    <a:tint val="75000"/>
+                  </a:schemeClr>
+                </a:solidFill>
+              </a:defRPr>
+            </a:lvl9pPr>
+          </a:lstStyle>
+          <a:p>
+            <a:pPr lvl="0"/>
+            <a:r>
+              <a:rPr lang="sl-SI"/>
+              <a:t>Uredite sloge besedila matrice</a:t>
+            </a:r>
+          </a:p>
+        </p:txBody>
+      </p:sp>
+      <p:sp>
+        <p:nvSpPr>
+          <p:cNvPr id="4" name="Date Placeholder 3"/>
+          <p:cNvSpPr>
+            <a:spLocks noGrp="1"/>
+          </p:cNvSpPr>
+          <p:nvPr>
+            <p:ph type="dt" sz="half" idx="10"/>
+          </p:nvPr>
+        </p:nvSpPr>
+        <p:spPr/>
+        <p:txBody>
+          <a:bodyPr/>
+          <a:lstStyle/>
+          <a:p>
+            <a:fld id="{EBCD5785-8A43-4CC4-A705-D4AA7E8DB57F}" type="datetimeFigureOut">
+              <a:rPr lang="sl-SI" noProof="0" smtClean="0">
+                <a:solidFill>
+                  <a:prstClr val="black">
+                    <a:tint val="75000"/>
+                  </a:prstClr>
+                </a:solidFill>
+              </a:rPr>
+              <a:pPr/>
+              <a:t>25. 05. 2017</a:t>
+            </a:fld>
+            <a:endParaRPr lang="sl-SI" noProof="0">
+              <a:solidFill>
+                <a:prstClr val="black">
+                  <a:tint val="75000"/>
+                </a:prstClr>
+              </a:solidFill>
+            </a:endParaRPr>
+          </a:p>
+        </p:txBody>
+      </p:sp>
+      <p:sp>
+        <p:nvSpPr>
+          <p:cNvPr id="5" name="Footer Placeholder 4"/>
+          <p:cNvSpPr>
+            <a:spLocks noGrp="1"/>
+          </p:cNvSpPr>
+          <p:nvPr>
+            <p:ph type="ftr" sz="quarter" idx="11"/>
+          </p:nvPr>
+        </p:nvSpPr>
+        <p:spPr/>
+        <p:txBody>
+          <a:bodyPr/>
+          <a:lstStyle/>
+          <a:p>
+            <a:endParaRPr lang="sl-SI" noProof="0">
+              <a:solidFill>
+                <a:prstClr val="black">
+                  <a:tint val="75000"/>
+                </a:prstClr>
+              </a:solidFill>
+            </a:endParaRPr>
+          </a:p>
+        </p:txBody>
+      </p:sp>
+      <p:sp>
+        <p:nvSpPr>
+          <p:cNvPr id="6" name="Slide Number Placeholder 5"/>
+          <p:cNvSpPr>
+            <a:spLocks noGrp="1"/>
+          </p:cNvSpPr>
+          <p:nvPr>
+            <p:ph type="sldNum" sz="quarter" idx="12"/>
+          </p:nvPr>
+        </p:nvSpPr>
+        <p:spPr/>
+        <p:txBody>
+          <a:bodyPr/>
+          <a:lstStyle/>
+          <a:p>
+            <a:fld id="{FF75B4CE-5129-41CA-A75E-F2AE589D1F47}" type="slidenum">
+              <a:rPr lang="sl-SI" noProof="0" smtClean="0">
+                <a:solidFill>
+                  <a:prstClr val="black">
+                    <a:tint val="75000"/>
+                  </a:prstClr>
+                </a:solidFill>
+              </a:rPr>
+              <a:pPr/>
+              <a:t>‹#›</a:t>
+            </a:fld>
+            <a:endParaRPr lang="sl-SI" noProof="0">
+              <a:solidFill>
+                <a:prstClr val="black">
+                  <a:tint val="75000"/>
+                </a:prstClr>
+              </a:solidFill>
+            </a:endParaRPr>
+          </a:p>
+        </p:txBody>
+      </p:sp>
+      <p:sp>
+        <p:nvSpPr>
+          <p:cNvPr id="24" name="TextBox 23"/>
+          <p:cNvSpPr txBox="1"/>
+          <p:nvPr/>
+        </p:nvSpPr>
+        <p:spPr>
+          <a:xfrm>
+            <a:off x="482711" y="790378"/>
+            <a:ext cx="457319" cy="584776"/>
+          </a:xfrm>
+          <a:prstGeom prst="rect">
+            <a:avLst/>
+          </a:prstGeom>
+        </p:spPr>
+        <p:txBody>
+          <a:bodyPr vert="horz" lIns="91440" tIns="45720" rIns="91440" bIns="45720" rtlCol="0" anchor="ctr">
+            <a:noAutofit/>
+          </a:bodyPr>
+          <a:lstStyle/>
+          <a:p>
+            <a:pPr lvl="0"/>
+            <a:r>
+              <a:rPr lang="en-US" sz="8000" baseline="0" dirty="0">
+                <a:ln w="3175" cmpd="sng">
+                  <a:noFill/>
+                </a:ln>
+                <a:solidFill>
+                  <a:schemeClr val="accent1">
+                    <a:lumMod val="60000"/>
+                    <a:lumOff val="40000"/>
+                  </a:schemeClr>
+                </a:solidFill>
+                <a:effectLst/>
+                <a:latin typeface="Arial"/>
+              </a:rPr>
+              <a:t>“</a:t>
+            </a:r>
+          </a:p>
+        </p:txBody>
+      </p:sp>
+      <p:sp>
+        <p:nvSpPr>
+          <p:cNvPr id="25" name="TextBox 24"/>
+          <p:cNvSpPr txBox="1"/>
+          <p:nvPr/>
+        </p:nvSpPr>
+        <p:spPr>
+          <a:xfrm>
+            <a:off x="6747699" y="2886556"/>
+            <a:ext cx="457319" cy="584776"/>
+          </a:xfrm>
+          <a:prstGeom prst="rect">
+            <a:avLst/>
+          </a:prstGeom>
+        </p:spPr>
+        <p:txBody>
+          <a:bodyPr vert="horz" lIns="91440" tIns="45720" rIns="91440" bIns="45720" rtlCol="0" anchor="ctr">
+            <a:noAutofit/>
+          </a:bodyPr>
+          <a:lstStyle/>
+          <a:p>
+            <a:pPr lvl="0"/>
+            <a:r>
+              <a:rPr lang="en-US" sz="8000" baseline="0" dirty="0">
+                <a:ln w="3175" cmpd="sng">
+                  <a:noFill/>
+                </a:ln>
+                <a:solidFill>
+                  <a:schemeClr val="accent1">
+                    <a:lumMod val="60000"/>
+                    <a:lumOff val="40000"/>
+                  </a:schemeClr>
+                </a:solidFill>
+                <a:effectLst/>
+                <a:latin typeface="Arial"/>
+              </a:rPr>
+              <a:t>”</a:t>
+            </a:r>
+          </a:p>
+        </p:txBody>
+      </p:sp>
+    </p:spTree>
+    <p:extLst>
+      <p:ext uri="{BB962C8B-B14F-4D97-AF65-F5344CB8AC3E}">
+        <p14:creationId xmlns:p14="http://schemas.microsoft.com/office/powerpoint/2010/main" val="4273686372"/>
+      </p:ext>
+    </p:extLst>
+  </p:cSld>
+  <p:clrMapOvr>
+    <a:masterClrMapping/>
+  </p:clrMapOvr>
+</p:sldLayout>
+</file>
+
+<file path=ppt/slideLayouts/slideLayout14.xml><?xml version="1.0" encoding="utf-8"?>
+<p:sldLayout xmlns:a="http://schemas.openxmlformats.org/drawingml/2006/main" xmlns:r="http://schemas.openxmlformats.org/officeDocument/2006/relationships" xmlns:p="http://schemas.openxmlformats.org/presentationml/2006/main" preserve="1">
+  <p:cSld name="Resnično ali neresnično">
+    <p:spTree>
+      <p:nvGrpSpPr>
+        <p:cNvPr id="1" name=""/>
+        <p:cNvGrpSpPr/>
+        <p:nvPr/>
+      </p:nvGrpSpPr>
+      <p:grpSpPr>
+        <a:xfrm>
+          <a:off x="0" y="0"/>
+          <a:ext cx="0" cy="0"/>
+          <a:chOff x="0" y="0"/>
+          <a:chExt cx="0" cy="0"/>
+        </a:xfrm>
+      </p:grpSpPr>
+      <p:sp>
+        <p:nvSpPr>
+          <p:cNvPr id="2" name="Title 1"/>
+          <p:cNvSpPr>
+            <a:spLocks noGrp="1"/>
+          </p:cNvSpPr>
+          <p:nvPr>
+            <p:ph type="title"/>
+          </p:nvPr>
+        </p:nvSpPr>
+        <p:spPr>
+          <a:xfrm>
+            <a:off x="615848" y="609600"/>
+            <a:ext cx="6341465" cy="3022600"/>
+          </a:xfrm>
+        </p:spPr>
+        <p:txBody>
+          <a:bodyPr anchor="ctr">
+            <a:normAutofit/>
+          </a:bodyPr>
+          <a:lstStyle>
+            <a:lvl1pPr algn="l">
+              <a:defRPr sz="4400" b="0" cap="none"/>
+            </a:lvl1pPr>
+          </a:lstStyle>
+          <a:p>
+            <a:r>
+              <a:rPr lang="sl-SI"/>
+              <a:t>Uredite slog naslova matrice</a:t>
+            </a:r>
+            <a:endParaRPr lang="en-US" dirty="0"/>
+          </a:p>
+        </p:txBody>
+      </p:sp>
+      <p:sp>
+        <p:nvSpPr>
+          <p:cNvPr id="23" name="Text Placeholder 9"/>
+          <p:cNvSpPr>
+            <a:spLocks noGrp="1"/>
+          </p:cNvSpPr>
+          <p:nvPr>
+            <p:ph type="body" sz="quarter" idx="13"/>
+          </p:nvPr>
+        </p:nvSpPr>
+        <p:spPr>
+          <a:xfrm>
+            <a:off x="609597" y="4013200"/>
+            <a:ext cx="6347716" cy="514248"/>
+          </a:xfrm>
+        </p:spPr>
+        <p:txBody>
+          <a:bodyPr anchor="b">
+            <a:noAutofit/>
+          </a:bodyPr>
+          <a:lstStyle>
+            <a:lvl1pPr marL="0" indent="0">
+              <a:buFontTx/>
+              <a:buNone/>
+              <a:defRPr sz="2400">
+                <a:solidFill>
+                  <a:schemeClr val="accent1"/>
+                </a:solidFill>
+              </a:defRPr>
+            </a:lvl1pPr>
+            <a:lvl2pPr marL="457200" indent="0">
+              <a:buFontTx/>
+              <a:buNone/>
+              <a:defRPr/>
+            </a:lvl2pPr>
+            <a:lvl3pPr marL="914400" indent="0">
+              <a:buFontTx/>
+              <a:buNone/>
+              <a:defRPr/>
+            </a:lvl3pPr>
+            <a:lvl4pPr marL="1371600" indent="0">
+              <a:buFontTx/>
+              <a:buNone/>
+              <a:defRPr/>
+            </a:lvl4pPr>
+            <a:lvl5pPr marL="1828800" indent="0">
+              <a:buFontTx/>
+              <a:buNone/>
+              <a:defRPr/>
+            </a:lvl5pPr>
+          </a:lstStyle>
+          <a:p>
+            <a:pPr lvl="0"/>
+            <a:r>
+              <a:rPr lang="sl-SI"/>
+              <a:t>Uredite sloge besedila matrice</a:t>
+            </a:r>
+          </a:p>
+        </p:txBody>
+      </p:sp>
+      <p:sp>
+        <p:nvSpPr>
+          <p:cNvPr id="3" name="Text Placeholder 2"/>
+          <p:cNvSpPr>
+            <a:spLocks noGrp="1"/>
+          </p:cNvSpPr>
+          <p:nvPr>
+            <p:ph type="body" idx="1"/>
+          </p:nvPr>
+        </p:nvSpPr>
+        <p:spPr>
+          <a:xfrm>
+            <a:off x="609598" y="4527448"/>
+            <a:ext cx="6347715" cy="1513914"/>
+          </a:xfrm>
+        </p:spPr>
+        <p:txBody>
+          <a:bodyPr anchor="t">
+            <a:normAutofit/>
+          </a:bodyPr>
+          <a:lstStyle>
+            <a:lvl1pPr marL="0" indent="0" algn="l">
+              <a:buNone/>
+              <a:defRPr sz="1800">
+                <a:solidFill>
+                  <a:schemeClr val="tx1">
+                    <a:lumMod val="50000"/>
+                    <a:lumOff val="50000"/>
+                  </a:schemeClr>
+                </a:solidFill>
+              </a:defRPr>
+            </a:lvl1pPr>
+            <a:lvl2pPr marL="457200" indent="0">
+              <a:buNone/>
+              <a:defRPr sz="1800">
+                <a:solidFill>
+                  <a:schemeClr val="tx1">
+                    <a:tint val="75000"/>
+                  </a:schemeClr>
+                </a:solidFill>
+              </a:defRPr>
+            </a:lvl2pPr>
+            <a:lvl3pPr marL="914400" indent="0">
+              <a:buNone/>
+              <a:defRPr sz="1600">
+                <a:solidFill>
+                  <a:schemeClr val="tx1">
+                    <a:tint val="75000"/>
+                  </a:schemeClr>
+                </a:solidFill>
+              </a:defRPr>
+            </a:lvl3pPr>
+            <a:lvl4pPr marL="1371600" indent="0">
+              <a:buNone/>
+              <a:defRPr sz="1400">
+                <a:solidFill>
+                  <a:schemeClr val="tx1">
+                    <a:tint val="75000"/>
+                  </a:schemeClr>
+                </a:solidFill>
+              </a:defRPr>
+            </a:lvl4pPr>
+            <a:lvl5pPr marL="1828800" indent="0">
+              <a:buNone/>
+              <a:defRPr sz="1400">
+                <a:solidFill>
+                  <a:schemeClr val="tx1">
+                    <a:tint val="75000"/>
+                  </a:schemeClr>
+                </a:solidFill>
+              </a:defRPr>
+            </a:lvl5pPr>
+            <a:lvl6pPr marL="2286000" indent="0">
+              <a:buNone/>
+              <a:defRPr sz="1400">
+                <a:solidFill>
+                  <a:schemeClr val="tx1">
+                    <a:tint val="75000"/>
+                  </a:schemeClr>
+                </a:solidFill>
+              </a:defRPr>
+            </a:lvl6pPr>
+            <a:lvl7pPr marL="2743200" indent="0">
+              <a:buNone/>
+              <a:defRPr sz="1400">
+                <a:solidFill>
+                  <a:schemeClr val="tx1">
+                    <a:tint val="75000"/>
+                  </a:schemeClr>
+                </a:solidFill>
+              </a:defRPr>
+            </a:lvl7pPr>
+            <a:lvl8pPr marL="3200400" indent="0">
+              <a:buNone/>
+              <a:defRPr sz="1400">
+                <a:solidFill>
+                  <a:schemeClr val="tx1">
+                    <a:tint val="75000"/>
+                  </a:schemeClr>
+                </a:solidFill>
+              </a:defRPr>
+            </a:lvl8pPr>
+            <a:lvl9pPr marL="3657600" indent="0">
+              <a:buNone/>
+              <a:defRPr sz="1400">
+                <a:solidFill>
+                  <a:schemeClr val="tx1">
+                    <a:tint val="75000"/>
+                  </a:schemeClr>
+                </a:solidFill>
+              </a:defRPr>
+            </a:lvl9pPr>
+          </a:lstStyle>
+          <a:p>
+            <a:pPr lvl="0"/>
+            <a:r>
+              <a:rPr lang="sl-SI"/>
+              <a:t>Uredite sloge besedila matrice</a:t>
+            </a:r>
+          </a:p>
+        </p:txBody>
+      </p:sp>
+      <p:sp>
+        <p:nvSpPr>
+          <p:cNvPr id="4" name="Date Placeholder 3"/>
+          <p:cNvSpPr>
+            <a:spLocks noGrp="1"/>
+          </p:cNvSpPr>
+          <p:nvPr>
+            <p:ph type="dt" sz="half" idx="10"/>
+          </p:nvPr>
+        </p:nvSpPr>
+        <p:spPr/>
+        <p:txBody>
+          <a:bodyPr/>
+          <a:lstStyle/>
+          <a:p>
+            <a:fld id="{EBCD5785-8A43-4CC4-A705-D4AA7E8DB57F}" type="datetimeFigureOut">
+              <a:rPr lang="sl-SI" noProof="0" smtClean="0">
+                <a:solidFill>
+                  <a:prstClr val="black">
+                    <a:tint val="75000"/>
+                  </a:prstClr>
+                </a:solidFill>
+              </a:rPr>
+              <a:pPr/>
+              <a:t>25. 05. 2017</a:t>
+            </a:fld>
+            <a:endParaRPr lang="sl-SI" noProof="0">
+              <a:solidFill>
+                <a:prstClr val="black">
+                  <a:tint val="75000"/>
+                </a:prstClr>
+              </a:solidFill>
+            </a:endParaRPr>
+          </a:p>
+        </p:txBody>
+      </p:sp>
+      <p:sp>
+        <p:nvSpPr>
+          <p:cNvPr id="5" name="Footer Placeholder 4"/>
+          <p:cNvSpPr>
+            <a:spLocks noGrp="1"/>
+          </p:cNvSpPr>
+          <p:nvPr>
+            <p:ph type="ftr" sz="quarter" idx="11"/>
+          </p:nvPr>
+        </p:nvSpPr>
+        <p:spPr/>
+        <p:txBody>
+          <a:bodyPr/>
+          <a:lstStyle/>
+          <a:p>
+            <a:endParaRPr lang="sl-SI" noProof="0">
+              <a:solidFill>
+                <a:prstClr val="black">
+                  <a:tint val="75000"/>
+                </a:prstClr>
+              </a:solidFill>
+            </a:endParaRPr>
+          </a:p>
+        </p:txBody>
+      </p:sp>
+      <p:sp>
+        <p:nvSpPr>
+          <p:cNvPr id="6" name="Slide Number Placeholder 5"/>
+          <p:cNvSpPr>
+            <a:spLocks noGrp="1"/>
+          </p:cNvSpPr>
+          <p:nvPr>
+            <p:ph type="sldNum" sz="quarter" idx="12"/>
+          </p:nvPr>
+        </p:nvSpPr>
+        <p:spPr/>
+        <p:txBody>
+          <a:bodyPr/>
+          <a:lstStyle/>
+          <a:p>
+            <a:fld id="{FF75B4CE-5129-41CA-A75E-F2AE589D1F47}" type="slidenum">
+              <a:rPr lang="sl-SI" noProof="0" smtClean="0">
+                <a:solidFill>
+                  <a:prstClr val="black">
+                    <a:tint val="75000"/>
+                  </a:prstClr>
+                </a:solidFill>
+              </a:rPr>
+              <a:pPr/>
+              <a:t>‹#›</a:t>
+            </a:fld>
+            <a:endParaRPr lang="sl-SI" noProof="0">
+              <a:solidFill>
+                <a:prstClr val="black">
+                  <a:tint val="75000"/>
+                </a:prstClr>
+              </a:solidFill>
+            </a:endParaRPr>
+          </a:p>
+        </p:txBody>
+      </p:sp>
+    </p:spTree>
+    <p:extLst>
+      <p:ext uri="{BB962C8B-B14F-4D97-AF65-F5344CB8AC3E}">
+        <p14:creationId xmlns:p14="http://schemas.microsoft.com/office/powerpoint/2010/main" val="1779228352"/>
+      </p:ext>
+    </p:extLst>
+  </p:cSld>
+  <p:clrMapOvr>
+    <a:masterClrMapping/>
+  </p:clrMapOvr>
+</p:sldLayout>
+</file>
+
+<file path=ppt/slideLayouts/slideLayout15.xml><?xml version="1.0" encoding="utf-8"?>
+<p:sldLayout xmlns:a="http://schemas.openxmlformats.org/drawingml/2006/main" xmlns:r="http://schemas.openxmlformats.org/officeDocument/2006/relationships" xmlns:p="http://schemas.openxmlformats.org/presentationml/2006/main" type="vertTx" preserve="1">
+  <p:cSld name="Naslov in navpično besedilo">
+    <p:spTree>
+      <p:nvGrpSpPr>
+        <p:cNvPr id="1" name=""/>
+        <p:cNvGrpSpPr/>
+        <p:nvPr/>
+      </p:nvGrpSpPr>
+      <p:grpSpPr>
+        <a:xfrm>
+          <a:off x="0" y="0"/>
+          <a:ext cx="0" cy="0"/>
+          <a:chOff x="0" y="0"/>
+          <a:chExt cx="0" cy="0"/>
+        </a:xfrm>
+      </p:grpSpPr>
+      <p:sp>
+        <p:nvSpPr>
+          <p:cNvPr id="2" name="Title 1"/>
+          <p:cNvSpPr>
+            <a:spLocks noGrp="1"/>
+          </p:cNvSpPr>
+          <p:nvPr>
+            <p:ph type="title"/>
+          </p:nvPr>
+        </p:nvSpPr>
+        <p:spPr/>
+        <p:txBody>
+          <a:bodyPr/>
+          <a:lstStyle/>
+          <a:p>
+            <a:r>
+              <a:rPr lang="sl-SI"/>
+              <a:t>Uredite slog naslova matrice</a:t>
+            </a:r>
+            <a:endParaRPr lang="en-US" dirty="0"/>
+          </a:p>
+        </p:txBody>
+      </p:sp>
+      <p:sp>
+        <p:nvSpPr>
+          <p:cNvPr id="3" name="Vertical Text Placeholder 2"/>
+          <p:cNvSpPr>
+            <a:spLocks noGrp="1"/>
+          </p:cNvSpPr>
+          <p:nvPr>
+            <p:ph type="body" orient="vert" idx="1"/>
+          </p:nvPr>
+        </p:nvSpPr>
+        <p:spPr/>
+        <p:txBody>
+          <a:bodyPr vert="eaVert"/>
+          <a:lstStyle/>
+          <a:p>
+            <a:pPr lvl="0"/>
+            <a:r>
+              <a:rPr lang="sl-SI"/>
+              <a:t>Uredite sloge besedila matrice</a:t>
+            </a:r>
+          </a:p>
+          <a:p>
+            <a:pPr lvl="1"/>
+            <a:r>
+              <a:rPr lang="sl-SI"/>
+              <a:t>Druga raven</a:t>
+            </a:r>
+          </a:p>
+          <a:p>
+            <a:pPr lvl="2"/>
+            <a:r>
+              <a:rPr lang="sl-SI"/>
+              <a:t>Tretja raven</a:t>
+            </a:r>
+          </a:p>
+          <a:p>
+            <a:pPr lvl="3"/>
+            <a:r>
+              <a:rPr lang="sl-SI"/>
+              <a:t>Četrta raven</a:t>
+            </a:r>
+          </a:p>
+          <a:p>
+            <a:pPr lvl="4"/>
+            <a:r>
+              <a:rPr lang="sl-SI"/>
+              <a:t>Peta raven</a:t>
+            </a:r>
+            <a:endParaRPr lang="en-US" dirty="0"/>
+          </a:p>
+        </p:txBody>
+      </p:sp>
+      <p:sp>
+        <p:nvSpPr>
+          <p:cNvPr id="4" name="Date Placeholder 3"/>
+          <p:cNvSpPr>
+            <a:spLocks noGrp="1"/>
+          </p:cNvSpPr>
+          <p:nvPr>
+            <p:ph type="dt" sz="half" idx="10"/>
+          </p:nvPr>
+        </p:nvSpPr>
+        <p:spPr/>
+        <p:txBody>
+          <a:bodyPr/>
+          <a:lstStyle/>
+          <a:p>
+            <a:fld id="{EBCD5785-8A43-4CC4-A705-D4AA7E8DB57F}" type="datetimeFigureOut">
+              <a:rPr lang="sl-SI" noProof="0" smtClean="0">
+                <a:solidFill>
+                  <a:prstClr val="black">
+                    <a:tint val="75000"/>
+                  </a:prstClr>
+                </a:solidFill>
+              </a:rPr>
+              <a:pPr/>
+              <a:t>25. 05. 2017</a:t>
+            </a:fld>
+            <a:endParaRPr lang="sl-SI" noProof="0">
+              <a:solidFill>
+                <a:prstClr val="black">
+                  <a:tint val="75000"/>
+                </a:prstClr>
+              </a:solidFill>
+            </a:endParaRPr>
+          </a:p>
+        </p:txBody>
+      </p:sp>
+      <p:sp>
+        <p:nvSpPr>
+          <p:cNvPr id="5" name="Footer Placeholder 4"/>
+          <p:cNvSpPr>
+            <a:spLocks noGrp="1"/>
+          </p:cNvSpPr>
+          <p:nvPr>
+            <p:ph type="ftr" sz="quarter" idx="11"/>
+          </p:nvPr>
+        </p:nvSpPr>
+        <p:spPr/>
+        <p:txBody>
+          <a:bodyPr/>
+          <a:lstStyle/>
+          <a:p>
+            <a:endParaRPr lang="sl-SI" noProof="0">
+              <a:solidFill>
+                <a:prstClr val="black">
+                  <a:tint val="75000"/>
+                </a:prstClr>
+              </a:solidFill>
+            </a:endParaRPr>
+          </a:p>
+        </p:txBody>
+      </p:sp>
+      <p:sp>
+        <p:nvSpPr>
+          <p:cNvPr id="6" name="Slide Number Placeholder 5"/>
+          <p:cNvSpPr>
+            <a:spLocks noGrp="1"/>
+          </p:cNvSpPr>
+          <p:nvPr>
+            <p:ph type="sldNum" sz="quarter" idx="12"/>
+          </p:nvPr>
+        </p:nvSpPr>
+        <p:spPr/>
+        <p:txBody>
+          <a:bodyPr/>
+          <a:lstStyle/>
+          <a:p>
+            <a:fld id="{FF75B4CE-5129-41CA-A75E-F2AE589D1F47}" type="slidenum">
+              <a:rPr lang="sl-SI" noProof="0" smtClean="0">
+                <a:solidFill>
+                  <a:prstClr val="black">
+                    <a:tint val="75000"/>
+                  </a:prstClr>
+                </a:solidFill>
+              </a:rPr>
+              <a:pPr/>
+              <a:t>‹#›</a:t>
+            </a:fld>
+            <a:endParaRPr lang="sl-SI" noProof="0">
+              <a:solidFill>
+                <a:prstClr val="black">
+                  <a:tint val="75000"/>
+                </a:prstClr>
+              </a:solidFill>
+            </a:endParaRPr>
+          </a:p>
+        </p:txBody>
+      </p:sp>
+    </p:spTree>
+    <p:extLst>
+      <p:ext uri="{BB962C8B-B14F-4D97-AF65-F5344CB8AC3E}">
+        <p14:creationId xmlns:p14="http://schemas.microsoft.com/office/powerpoint/2010/main" val="1819443443"/>
+      </p:ext>
+    </p:extLst>
+  </p:cSld>
+  <p:clrMapOvr>
+    <a:masterClrMapping/>
+  </p:clrMapOvr>
+</p:sldLayout>
+</file>
+
+<file path=ppt/slideLayouts/slideLayout16.xml><?xml version="1.0" encoding="utf-8"?>
+<p:sldLayout xmlns:a="http://schemas.openxmlformats.org/drawingml/2006/main" xmlns:r="http://schemas.openxmlformats.org/officeDocument/2006/relationships" xmlns:p="http://schemas.openxmlformats.org/presentationml/2006/main" type="vertTitleAndTx" preserve="1">
+  <p:cSld name="Navpični naslov in besedilo">
+    <p:spTree>
+      <p:nvGrpSpPr>
+        <p:cNvPr id="1" name=""/>
+        <p:cNvGrpSpPr/>
+        <p:nvPr/>
+      </p:nvGrpSpPr>
+      <p:grpSpPr>
+        <a:xfrm>
+          <a:off x="0" y="0"/>
+          <a:ext cx="0" cy="0"/>
+          <a:chOff x="0" y="0"/>
+          <a:chExt cx="0" cy="0"/>
+        </a:xfrm>
+      </p:grpSpPr>
+      <p:sp>
+        <p:nvSpPr>
+          <p:cNvPr id="2" name="Vertical Title 1"/>
+          <p:cNvSpPr>
+            <a:spLocks noGrp="1"/>
+          </p:cNvSpPr>
+          <p:nvPr>
+            <p:ph type="title" orient="vert"/>
+          </p:nvPr>
+        </p:nvSpPr>
+        <p:spPr>
+          <a:xfrm>
+            <a:off x="5977312" y="609600"/>
+            <a:ext cx="978812" cy="5251451"/>
+          </a:xfrm>
+        </p:spPr>
+        <p:txBody>
+          <a:bodyPr vert="eaVert" anchor="ctr"/>
+          <a:lstStyle/>
+          <a:p>
+            <a:r>
+              <a:rPr lang="sl-SI"/>
+              <a:t>Uredite slog naslova matrice</a:t>
+            </a:r>
+            <a:endParaRPr lang="en-US" dirty="0"/>
+          </a:p>
+        </p:txBody>
+      </p:sp>
+      <p:sp>
+        <p:nvSpPr>
+          <p:cNvPr id="3" name="Vertical Text Placeholder 2"/>
+          <p:cNvSpPr>
+            <a:spLocks noGrp="1"/>
+          </p:cNvSpPr>
+          <p:nvPr>
+            <p:ph type="body" orient="vert" idx="1"/>
+          </p:nvPr>
+        </p:nvSpPr>
+        <p:spPr>
+          <a:xfrm>
+            <a:off x="609599" y="609600"/>
+            <a:ext cx="5195026" cy="5251451"/>
+          </a:xfrm>
+        </p:spPr>
+        <p:txBody>
+          <a:bodyPr vert="eaVert"/>
+          <a:lstStyle/>
+          <a:p>
+            <a:pPr lvl="0"/>
+            <a:r>
+              <a:rPr lang="sl-SI"/>
+              <a:t>Uredite sloge besedila matrice</a:t>
+            </a:r>
+          </a:p>
+          <a:p>
+            <a:pPr lvl="1"/>
+            <a:r>
+              <a:rPr lang="sl-SI"/>
+              <a:t>Druga raven</a:t>
+            </a:r>
+          </a:p>
+          <a:p>
+            <a:pPr lvl="2"/>
+            <a:r>
+              <a:rPr lang="sl-SI"/>
+              <a:t>Tretja raven</a:t>
+            </a:r>
+          </a:p>
+          <a:p>
+            <a:pPr lvl="3"/>
+            <a:r>
+              <a:rPr lang="sl-SI"/>
+              <a:t>Četrta raven</a:t>
+            </a:r>
+          </a:p>
+          <a:p>
+            <a:pPr lvl="4"/>
+            <a:r>
+              <a:rPr lang="sl-SI"/>
+              <a:t>Peta raven</a:t>
+            </a:r>
+            <a:endParaRPr lang="en-US" dirty="0"/>
+          </a:p>
+        </p:txBody>
+      </p:sp>
+      <p:sp>
+        <p:nvSpPr>
+          <p:cNvPr id="4" name="Date Placeholder 3"/>
+          <p:cNvSpPr>
+            <a:spLocks noGrp="1"/>
+          </p:cNvSpPr>
+          <p:nvPr>
+            <p:ph type="dt" sz="half" idx="10"/>
+          </p:nvPr>
+        </p:nvSpPr>
+        <p:spPr/>
+        <p:txBody>
+          <a:bodyPr/>
+          <a:lstStyle/>
+          <a:p>
+            <a:fld id="{EBCD5785-8A43-4CC4-A705-D4AA7E8DB57F}" type="datetimeFigureOut">
+              <a:rPr lang="sl-SI" noProof="0" smtClean="0">
+                <a:solidFill>
+                  <a:prstClr val="black">
+                    <a:tint val="75000"/>
+                  </a:prstClr>
+                </a:solidFill>
+              </a:rPr>
+              <a:pPr/>
+              <a:t>25. 05. 2017</a:t>
+            </a:fld>
+            <a:endParaRPr lang="sl-SI" noProof="0">
+              <a:solidFill>
+                <a:prstClr val="black">
+                  <a:tint val="75000"/>
+                </a:prstClr>
+              </a:solidFill>
+            </a:endParaRPr>
+          </a:p>
+        </p:txBody>
+      </p:sp>
+      <p:sp>
+        <p:nvSpPr>
+          <p:cNvPr id="5" name="Footer Placeholder 4"/>
+          <p:cNvSpPr>
+            <a:spLocks noGrp="1"/>
+          </p:cNvSpPr>
+          <p:nvPr>
+            <p:ph type="ftr" sz="quarter" idx="11"/>
+          </p:nvPr>
+        </p:nvSpPr>
+        <p:spPr/>
+        <p:txBody>
+          <a:bodyPr/>
+          <a:lstStyle/>
+          <a:p>
+            <a:endParaRPr lang="sl-SI" noProof="0">
+              <a:solidFill>
+                <a:prstClr val="black">
+                  <a:tint val="75000"/>
+                </a:prstClr>
+              </a:solidFill>
+            </a:endParaRPr>
+          </a:p>
+        </p:txBody>
+      </p:sp>
+      <p:sp>
+        <p:nvSpPr>
+          <p:cNvPr id="6" name="Slide Number Placeholder 5"/>
+          <p:cNvSpPr>
+            <a:spLocks noGrp="1"/>
+          </p:cNvSpPr>
+          <p:nvPr>
+            <p:ph type="sldNum" sz="quarter" idx="12"/>
+          </p:nvPr>
+        </p:nvSpPr>
+        <p:spPr/>
+        <p:txBody>
+          <a:bodyPr/>
+          <a:lstStyle/>
+          <a:p>
+            <a:fld id="{FF75B4CE-5129-41CA-A75E-F2AE589D1F47}" type="slidenum">
+              <a:rPr lang="sl-SI" noProof="0" smtClean="0">
+                <a:solidFill>
+                  <a:prstClr val="black">
+                    <a:tint val="75000"/>
+                  </a:prstClr>
+                </a:solidFill>
+              </a:rPr>
+              <a:pPr/>
+              <a:t>‹#›</a:t>
+            </a:fld>
+            <a:endParaRPr lang="sl-SI" noProof="0">
+              <a:solidFill>
+                <a:prstClr val="black">
+                  <a:tint val="75000"/>
+                </a:prstClr>
+              </a:solidFill>
+            </a:endParaRPr>
+          </a:p>
+        </p:txBody>
+      </p:sp>
+    </p:spTree>
+    <p:extLst>
+      <p:ext uri="{BB962C8B-B14F-4D97-AF65-F5344CB8AC3E}">
+        <p14:creationId xmlns:p14="http://schemas.microsoft.com/office/powerpoint/2010/main" val="2388473368"/>
+      </p:ext>
+    </p:extLst>
+  </p:cSld>
+  <p:clrMapOvr>
+    <a:masterClrMapping/>
+  </p:clrMapOvr>
+</p:sldLayout>
+</file>
+
+<file path=ppt/slideLayouts/slideLayout17.xml><?xml version="1.0" encoding="utf-8"?>
+<p:sldLayout xmlns:a="http://schemas.openxmlformats.org/drawingml/2006/main" xmlns:r="http://schemas.openxmlformats.org/officeDocument/2006/relationships" xmlns:p="http://schemas.openxmlformats.org/presentationml/2006/main" showMasterSp="0" userDrawn="1">
+  <p:cSld name="Blank">
+    <p:spTree>
+      <p:nvGrpSpPr>
+        <p:cNvPr id="1" name=""/>
+        <p:cNvGrpSpPr/>
+        <p:nvPr/>
+      </p:nvGrpSpPr>
+      <p:grpSpPr>
+        <a:xfrm>
+          <a:off x="0" y="0"/>
+          <a:ext cx="0" cy="0"/>
+          <a:chOff x="0" y="0"/>
+          <a:chExt cx="0" cy="0"/>
+        </a:xfrm>
+      </p:grpSpPr>
+      <p:sp>
+        <p:nvSpPr>
+          <p:cNvPr id="6" name="Title 5"/>
+          <p:cNvSpPr>
+            <a:spLocks noGrp="1"/>
+          </p:cNvSpPr>
+          <p:nvPr>
+            <p:ph type="title"/>
+          </p:nvPr>
+        </p:nvSpPr>
+        <p:spPr/>
+        <p:txBody>
+          <a:bodyPr/>
+          <a:lstStyle/>
+          <a:p>
+            <a:r>
+              <a:rPr lang="sl-SI" noProof="0"/>
+              <a:t>Click to edit Master title style</a:t>
+            </a:r>
+          </a:p>
+        </p:txBody>
+      </p:sp>
+      <p:sp>
+        <p:nvSpPr>
+          <p:cNvPr id="8" name="Content Placeholder 7"/>
+          <p:cNvSpPr>
+            <a:spLocks noGrp="1"/>
+          </p:cNvSpPr>
+          <p:nvPr>
+            <p:ph sz="quarter" idx="10"/>
+          </p:nvPr>
+        </p:nvSpPr>
+        <p:spPr>
+          <a:xfrm>
+            <a:off x="457200" y="1600200"/>
+            <a:ext cx="8229600" cy="4876800"/>
           </a:xfrm>
         </p:spPr>
         <p:txBody>
@@ -848,122 +3825,271 @@
           <a:p>
             <a:pPr lvl="0"/>
             <a:r>
-              <a:rPr lang="sl-SI" dirty="0" err="1"/>
+              <a:rPr lang="sl-SI" noProof="0" dirty="0" err="1"/>
               <a:t>Click</a:t>
             </a:r>
             <a:r>
-              <a:rPr lang="sl-SI" dirty="0"/>
+              <a:rPr lang="sl-SI" noProof="0" dirty="0"/>
               <a:t> to </a:t>
             </a:r>
             <a:r>
-              <a:rPr lang="sl-SI" dirty="0" err="1"/>
+              <a:rPr lang="sl-SI" noProof="0" dirty="0" err="1"/>
               <a:t>edit</a:t>
             </a:r>
             <a:r>
-              <a:rPr lang="sl-SI" dirty="0"/>
+              <a:rPr lang="sl-SI" noProof="0" dirty="0"/>
               <a:t> </a:t>
             </a:r>
             <a:r>
-              <a:rPr lang="sl-SI" dirty="0" err="1"/>
+              <a:rPr lang="sl-SI" noProof="0" dirty="0" err="1"/>
               <a:t>Master</a:t>
             </a:r>
             <a:r>
-              <a:rPr lang="sl-SI" dirty="0"/>
+              <a:rPr lang="sl-SI" noProof="0" dirty="0"/>
               <a:t> </a:t>
             </a:r>
             <a:r>
-              <a:rPr lang="sl-SI" dirty="0" err="1"/>
+              <a:rPr lang="sl-SI" noProof="0" dirty="0" err="1"/>
               <a:t>text</a:t>
             </a:r>
             <a:r>
-              <a:rPr lang="sl-SI" dirty="0"/>
+              <a:rPr lang="sl-SI" noProof="0" dirty="0"/>
               <a:t> </a:t>
             </a:r>
             <a:r>
-              <a:rPr lang="sl-SI" dirty="0" err="1"/>
+              <a:rPr lang="sl-SI" noProof="0" dirty="0" err="1"/>
               <a:t>styles</a:t>
             </a:r>
-            <a:endParaRPr lang="sl-SI" dirty="0"/>
+            <a:endParaRPr lang="sl-SI" noProof="0" dirty="0"/>
           </a:p>
           <a:p>
             <a:pPr lvl="1"/>
             <a:r>
-              <a:rPr lang="sl-SI" dirty="0" err="1"/>
+              <a:rPr lang="sl-SI" noProof="0" dirty="0" err="1"/>
               <a:t>Second</a:t>
             </a:r>
             <a:r>
-              <a:rPr lang="sl-SI" dirty="0"/>
+              <a:rPr lang="sl-SI" noProof="0" dirty="0"/>
               <a:t> </a:t>
             </a:r>
             <a:r>
-              <a:rPr lang="sl-SI" dirty="0" err="1"/>
+              <a:rPr lang="sl-SI" noProof="0" dirty="0" err="1"/>
               <a:t>level</a:t>
             </a:r>
-            <a:endParaRPr lang="sl-SI" dirty="0"/>
+            <a:endParaRPr lang="sl-SI" noProof="0" dirty="0"/>
           </a:p>
           <a:p>
             <a:pPr lvl="2"/>
             <a:r>
-              <a:rPr lang="sl-SI" dirty="0" err="1"/>
+              <a:rPr lang="sl-SI" noProof="0" dirty="0" err="1"/>
               <a:t>Third</a:t>
             </a:r>
             <a:r>
-              <a:rPr lang="sl-SI" dirty="0"/>
+              <a:rPr lang="sl-SI" noProof="0" dirty="0"/>
               <a:t> </a:t>
             </a:r>
             <a:r>
-              <a:rPr lang="sl-SI" dirty="0" err="1"/>
+              <a:rPr lang="sl-SI" noProof="0" dirty="0" err="1"/>
               <a:t>level</a:t>
             </a:r>
-            <a:endParaRPr lang="sl-SI" dirty="0"/>
+            <a:endParaRPr lang="sl-SI" noProof="0" dirty="0"/>
           </a:p>
           <a:p>
             <a:pPr lvl="3"/>
             <a:r>
-              <a:rPr lang="sl-SI" dirty="0" err="1"/>
+              <a:rPr lang="sl-SI" noProof="0" dirty="0" err="1"/>
               <a:t>Fourth</a:t>
             </a:r>
             <a:r>
-              <a:rPr lang="sl-SI" dirty="0"/>
+              <a:rPr lang="sl-SI" noProof="0" dirty="0"/>
               <a:t> </a:t>
             </a:r>
             <a:r>
-              <a:rPr lang="sl-SI" dirty="0" err="1"/>
+              <a:rPr lang="sl-SI" noProof="0" dirty="0" err="1"/>
               <a:t>level</a:t>
             </a:r>
-            <a:endParaRPr lang="sl-SI" dirty="0"/>
+            <a:endParaRPr lang="sl-SI" noProof="0" dirty="0"/>
           </a:p>
           <a:p>
             <a:pPr lvl="4"/>
             <a:r>
-              <a:rPr lang="sl-SI" dirty="0" err="1"/>
+              <a:rPr lang="sl-SI" noProof="0" dirty="0" err="1"/>
               <a:t>Fifth</a:t>
             </a:r>
             <a:r>
-              <a:rPr lang="sl-SI" dirty="0"/>
+              <a:rPr lang="sl-SI" noProof="0" dirty="0"/>
               <a:t> </a:t>
             </a:r>
             <a:r>
-              <a:rPr lang="sl-SI" dirty="0" err="1"/>
+              <a:rPr lang="sl-SI" noProof="0" dirty="0" err="1"/>
               <a:t>level</a:t>
             </a:r>
-            <a:endParaRPr lang="sl-SI" dirty="0"/>
-          </a:p>
-        </p:txBody>
-      </p:sp>
-      <p:sp>
-        <p:nvSpPr>
-          <p:cNvPr id="8" name="Content Placeholder 6"/>
-          <p:cNvSpPr>
-            <a:spLocks noGrp="1"/>
-          </p:cNvSpPr>
-          <p:nvPr>
-            <p:ph sz="quarter" idx="14"/>
+            <a:endParaRPr lang="sl-SI" noProof="0" dirty="0"/>
+          </a:p>
+        </p:txBody>
+      </p:sp>
+    </p:spTree>
+    <p:extLst>
+      <p:ext uri="{BB962C8B-B14F-4D97-AF65-F5344CB8AC3E}">
+        <p14:creationId xmlns:p14="http://schemas.microsoft.com/office/powerpoint/2010/main" val="2513379561"/>
+      </p:ext>
+    </p:extLst>
+  </p:cSld>
+  <p:clrMapOvr>
+    <a:masterClrMapping/>
+  </p:clrMapOvr>
+</p:sldLayout>
+</file>
+
+<file path=ppt/slideLayouts/slideLayout18.xml><?xml version="1.0" encoding="utf-8"?>
+<p:sldLayout xmlns:a="http://schemas.openxmlformats.org/drawingml/2006/main" xmlns:r="http://schemas.openxmlformats.org/officeDocument/2006/relationships" xmlns:p="http://schemas.openxmlformats.org/presentationml/2006/main" preserve="1" userDrawn="1">
+  <p:cSld name="Custom Layout">
+    <p:spTree>
+      <p:nvGrpSpPr>
+        <p:cNvPr id="1" name=""/>
+        <p:cNvGrpSpPr/>
+        <p:nvPr/>
+      </p:nvGrpSpPr>
+      <p:grpSpPr>
+        <a:xfrm>
+          <a:off x="0" y="0"/>
+          <a:ext cx="0" cy="0"/>
+          <a:chOff x="0" y="0"/>
+          <a:chExt cx="0" cy="0"/>
+        </a:xfrm>
+      </p:grpSpPr>
+      <p:sp>
+        <p:nvSpPr>
+          <p:cNvPr id="2" name="Title 1"/>
+          <p:cNvSpPr>
+            <a:spLocks noGrp="1"/>
+          </p:cNvSpPr>
+          <p:nvPr>
+            <p:ph type="title"/>
+          </p:nvPr>
+        </p:nvSpPr>
+        <p:spPr/>
+        <p:txBody>
+          <a:bodyPr/>
+          <a:lstStyle/>
+          <a:p>
+            <a:r>
+              <a:rPr lang="sl-SI"/>
+              <a:t>Click to edit Master title style</a:t>
+            </a:r>
+          </a:p>
+        </p:txBody>
+      </p:sp>
+      <p:sp>
+        <p:nvSpPr>
+          <p:cNvPr id="3" name="Date Placeholder 2"/>
+          <p:cNvSpPr>
+            <a:spLocks noGrp="1"/>
+          </p:cNvSpPr>
+          <p:nvPr>
+            <p:ph type="dt" sz="half" idx="10"/>
+          </p:nvPr>
+        </p:nvSpPr>
+        <p:spPr/>
+        <p:txBody>
+          <a:bodyPr/>
+          <a:lstStyle/>
+          <a:p>
+            <a:fld id="{EBCD5785-8A43-4CC4-A705-D4AA7E8DB57F}" type="datetimeFigureOut">
+              <a:rPr lang="sl-SI" noProof="0" smtClean="0">
+                <a:solidFill>
+                  <a:prstClr val="black">
+                    <a:tint val="75000"/>
+                  </a:prstClr>
+                </a:solidFill>
+              </a:rPr>
+              <a:pPr/>
+              <a:t>25. 05. 2017</a:t>
+            </a:fld>
+            <a:endParaRPr lang="sl-SI" noProof="0">
+              <a:solidFill>
+                <a:prstClr val="black">
+                  <a:tint val="75000"/>
+                </a:prstClr>
+              </a:solidFill>
+            </a:endParaRPr>
+          </a:p>
+        </p:txBody>
+      </p:sp>
+      <p:sp>
+        <p:nvSpPr>
+          <p:cNvPr id="4" name="Footer Placeholder 3"/>
+          <p:cNvSpPr>
+            <a:spLocks noGrp="1"/>
+          </p:cNvSpPr>
+          <p:nvPr>
+            <p:ph type="ftr" sz="quarter" idx="11"/>
+          </p:nvPr>
+        </p:nvSpPr>
+        <p:spPr/>
+        <p:txBody>
+          <a:bodyPr/>
+          <a:lstStyle/>
+          <a:p>
+            <a:endParaRPr lang="sl-SI" noProof="0">
+              <a:solidFill>
+                <a:prstClr val="black">
+                  <a:tint val="75000"/>
+                </a:prstClr>
+              </a:solidFill>
+            </a:endParaRPr>
+          </a:p>
+        </p:txBody>
+      </p:sp>
+      <p:sp>
+        <p:nvSpPr>
+          <p:cNvPr id="5" name="Slide Number Placeholder 4"/>
+          <p:cNvSpPr>
+            <a:spLocks noGrp="1"/>
+          </p:cNvSpPr>
+          <p:nvPr>
+            <p:ph type="sldNum" sz="quarter" idx="12"/>
+          </p:nvPr>
+        </p:nvSpPr>
+        <p:spPr/>
+        <p:txBody>
+          <a:bodyPr/>
+          <a:lstStyle/>
+          <a:p>
+            <a:fld id="{FF75B4CE-5129-41CA-A75E-F2AE589D1F47}" type="slidenum">
+              <a:rPr lang="sl-SI" noProof="0" smtClean="0">
+                <a:solidFill>
+                  <a:prstClr val="black">
+                    <a:tint val="75000"/>
+                  </a:prstClr>
+                </a:solidFill>
+              </a:rPr>
+              <a:pPr/>
+              <a:t>‹#›</a:t>
+            </a:fld>
+            <a:endParaRPr lang="sl-SI" noProof="0">
+              <a:solidFill>
+                <a:prstClr val="black">
+                  <a:tint val="75000"/>
+                </a:prstClr>
+              </a:solidFill>
+            </a:endParaRPr>
+          </a:p>
+        </p:txBody>
+      </p:sp>
+      <p:sp>
+        <p:nvSpPr>
+          <p:cNvPr id="7" name="Content Placeholder 6"/>
+          <p:cNvSpPr>
+            <a:spLocks noGrp="1"/>
+          </p:cNvSpPr>
+          <p:nvPr>
+            <p:ph sz="quarter" idx="13"/>
           </p:nvPr>
         </p:nvSpPr>
         <p:spPr>
           <a:xfrm>
-            <a:off x="4648200" y="1524000"/>
+            <a:off x="457200" y="1524000"/>
             <a:ext cx="4038600" cy="4648200"/>
           </a:xfrm>
         </p:spPr>
@@ -1094,72 +4220,20 @@
           </a:p>
         </p:txBody>
       </p:sp>
-    </p:spTree>
-    <p:extLst>
-      <p:ext uri="{BB962C8B-B14F-4D97-AF65-F5344CB8AC3E}">
-        <p14:creationId xmlns:p14="http://schemas.microsoft.com/office/powerpoint/2010/main" val="2957704444"/>
-      </p:ext>
-    </p:extLst>
-  </p:cSld>
-  <p:clrMapOvr>
-    <a:masterClrMapping/>
-  </p:clrMapOvr>
-</p:sldLayout>
-</file>
-
-<file path=ppt/slideLayouts/slideLayout2.xml><?xml version="1.0" encoding="utf-8"?>
-<p:sldLayout xmlns:a="http://schemas.openxmlformats.org/drawingml/2006/main" xmlns:r="http://schemas.openxmlformats.org/officeDocument/2006/relationships" xmlns:p="http://schemas.openxmlformats.org/presentationml/2006/main" showMasterSp="0" userDrawn="1">
-  <p:cSld name="Blank">
-    <p:spTree>
-      <p:nvGrpSpPr>
-        <p:cNvPr id="1" name=""/>
-        <p:cNvGrpSpPr/>
-        <p:nvPr/>
-      </p:nvGrpSpPr>
-      <p:grpSpPr>
-        <a:xfrm>
-          <a:off x="0" y="0"/>
-          <a:ext cx="0" cy="0"/>
-          <a:chOff x="0" y="0"/>
-          <a:chExt cx="0" cy="0"/>
-        </a:xfrm>
-      </p:grpSpPr>
-      <p:sp>
-        <p:nvSpPr>
-          <p:cNvPr id="6" name="Title 5"/>
-          <p:cNvSpPr>
-            <a:spLocks noGrp="1"/>
-          </p:cNvSpPr>
-          <p:nvPr>
-            <p:ph type="title"/>
-          </p:nvPr>
-        </p:nvSpPr>
-        <p:spPr/>
-        <p:txBody>
-          <a:bodyPr/>
-          <a:lstStyle/>
-          <a:p>
-            <a:r>
-              <a:rPr lang="sl-SI" noProof="0"/>
-              <a:t>Click to edit Master title style</a:t>
-            </a:r>
-          </a:p>
-        </p:txBody>
-      </p:sp>
-      <p:sp>
-        <p:nvSpPr>
-          <p:cNvPr id="8" name="Content Placeholder 7"/>
-          <p:cNvSpPr>
-            <a:spLocks noGrp="1"/>
-          </p:cNvSpPr>
-          <p:nvPr>
-            <p:ph sz="quarter" idx="10"/>
+      <p:sp>
+        <p:nvSpPr>
+          <p:cNvPr id="8" name="Content Placeholder 6"/>
+          <p:cNvSpPr>
+            <a:spLocks noGrp="1"/>
+          </p:cNvSpPr>
+          <p:nvPr>
+            <p:ph sz="quarter" idx="14"/>
           </p:nvPr>
         </p:nvSpPr>
         <p:spPr>
           <a:xfrm>
-            <a:off x="457200" y="1600200"/>
-            <a:ext cx="8229600" cy="4876800"/>
+            <a:off x="4648200" y="1524000"/>
+            <a:ext cx="4038600" cy="4648200"/>
           </a:xfrm>
         </p:spPr>
         <p:txBody>
@@ -1186,113 +4260,2198 @@
           <a:p>
             <a:pPr lvl="0"/>
             <a:r>
-              <a:rPr lang="sl-SI" noProof="0" dirty="0" err="1"/>
+              <a:rPr lang="sl-SI" dirty="0" err="1"/>
               <a:t>Click</a:t>
             </a:r>
             <a:r>
-              <a:rPr lang="sl-SI" noProof="0" dirty="0"/>
+              <a:rPr lang="sl-SI" dirty="0"/>
               <a:t> to </a:t>
             </a:r>
             <a:r>
-              <a:rPr lang="sl-SI" noProof="0" dirty="0" err="1"/>
+              <a:rPr lang="sl-SI" dirty="0" err="1"/>
               <a:t>edit</a:t>
             </a:r>
             <a:r>
-              <a:rPr lang="sl-SI" noProof="0" dirty="0"/>
+              <a:rPr lang="sl-SI" dirty="0"/>
               <a:t> </a:t>
             </a:r>
             <a:r>
-              <a:rPr lang="sl-SI" noProof="0" dirty="0" err="1"/>
+              <a:rPr lang="sl-SI" dirty="0" err="1"/>
               <a:t>Master</a:t>
             </a:r>
             <a:r>
-              <a:rPr lang="sl-SI" noProof="0" dirty="0"/>
+              <a:rPr lang="sl-SI" dirty="0"/>
               <a:t> </a:t>
             </a:r>
             <a:r>
-              <a:rPr lang="sl-SI" noProof="0" dirty="0" err="1"/>
+              <a:rPr lang="sl-SI" dirty="0" err="1"/>
               <a:t>text</a:t>
             </a:r>
             <a:r>
-              <a:rPr lang="sl-SI" noProof="0" dirty="0"/>
+              <a:rPr lang="sl-SI" dirty="0"/>
               <a:t> </a:t>
             </a:r>
             <a:r>
-              <a:rPr lang="sl-SI" noProof="0" dirty="0" err="1"/>
+              <a:rPr lang="sl-SI" dirty="0" err="1"/>
               <a:t>styles</a:t>
             </a:r>
-            <a:endParaRPr lang="sl-SI" noProof="0" dirty="0"/>
+            <a:endParaRPr lang="sl-SI" dirty="0"/>
           </a:p>
           <a:p>
             <a:pPr lvl="1"/>
             <a:r>
-              <a:rPr lang="sl-SI" noProof="0" dirty="0" err="1"/>
+              <a:rPr lang="sl-SI" dirty="0" err="1"/>
               <a:t>Second</a:t>
             </a:r>
             <a:r>
-              <a:rPr lang="sl-SI" noProof="0" dirty="0"/>
+              <a:rPr lang="sl-SI" dirty="0"/>
               <a:t> </a:t>
             </a:r>
             <a:r>
-              <a:rPr lang="sl-SI" noProof="0" dirty="0" err="1"/>
+              <a:rPr lang="sl-SI" dirty="0" err="1"/>
               <a:t>level</a:t>
             </a:r>
-            <a:endParaRPr lang="sl-SI" noProof="0" dirty="0"/>
+            <a:endParaRPr lang="sl-SI" dirty="0"/>
           </a:p>
           <a:p>
             <a:pPr lvl="2"/>
             <a:r>
-              <a:rPr lang="sl-SI" noProof="0" dirty="0" err="1"/>
+              <a:rPr lang="sl-SI" dirty="0" err="1"/>
               <a:t>Third</a:t>
             </a:r>
             <a:r>
-              <a:rPr lang="sl-SI" noProof="0" dirty="0"/>
+              <a:rPr lang="sl-SI" dirty="0"/>
               <a:t> </a:t>
             </a:r>
             <a:r>
-              <a:rPr lang="sl-SI" noProof="0" dirty="0" err="1"/>
+              <a:rPr lang="sl-SI" dirty="0" err="1"/>
               <a:t>level</a:t>
             </a:r>
-            <a:endParaRPr lang="sl-SI" noProof="0" dirty="0"/>
+            <a:endParaRPr lang="sl-SI" dirty="0"/>
           </a:p>
           <a:p>
             <a:pPr lvl="3"/>
             <a:r>
-              <a:rPr lang="sl-SI" noProof="0" dirty="0" err="1"/>
+              <a:rPr lang="sl-SI" dirty="0" err="1"/>
               <a:t>Fourth</a:t>
             </a:r>
             <a:r>
-              <a:rPr lang="sl-SI" noProof="0" dirty="0"/>
+              <a:rPr lang="sl-SI" dirty="0"/>
               <a:t> </a:t>
             </a:r>
             <a:r>
-              <a:rPr lang="sl-SI" noProof="0" dirty="0" err="1"/>
+              <a:rPr lang="sl-SI" dirty="0" err="1"/>
               <a:t>level</a:t>
             </a:r>
-            <a:endParaRPr lang="sl-SI" noProof="0" dirty="0"/>
+            <a:endParaRPr lang="sl-SI" dirty="0"/>
           </a:p>
           <a:p>
             <a:pPr lvl="4"/>
             <a:r>
-              <a:rPr lang="sl-SI" noProof="0" dirty="0" err="1"/>
+              <a:rPr lang="sl-SI" dirty="0" err="1"/>
               <a:t>Fifth</a:t>
             </a:r>
             <a:r>
-              <a:rPr lang="sl-SI" noProof="0" dirty="0"/>
+              <a:rPr lang="sl-SI" dirty="0"/>
               <a:t> </a:t>
             </a:r>
             <a:r>
-              <a:rPr lang="sl-SI" noProof="0" dirty="0" err="1"/>
+              <a:rPr lang="sl-SI" dirty="0" err="1"/>
               <a:t>level</a:t>
             </a:r>
-            <a:endParaRPr lang="sl-SI" noProof="0" dirty="0"/>
+            <a:endParaRPr lang="sl-SI" dirty="0"/>
           </a:p>
         </p:txBody>
       </p:sp>
     </p:spTree>
     <p:extLst>
       <p:ext uri="{BB962C8B-B14F-4D97-AF65-F5344CB8AC3E}">
-        <p14:creationId xmlns:p14="http://schemas.microsoft.com/office/powerpoint/2010/main" val="2748509297"/>
+        <p14:creationId xmlns:p14="http://schemas.microsoft.com/office/powerpoint/2010/main" val="2957704444"/>
+      </p:ext>
+    </p:extLst>
+  </p:cSld>
+  <p:clrMapOvr>
+    <a:masterClrMapping/>
+  </p:clrMapOvr>
+</p:sldLayout>
+</file>
+
+<file path=ppt/slideLayouts/slideLayout2.xml><?xml version="1.0" encoding="utf-8"?>
+<p:sldLayout xmlns:a="http://schemas.openxmlformats.org/drawingml/2006/main" xmlns:r="http://schemas.openxmlformats.org/officeDocument/2006/relationships" xmlns:p="http://schemas.openxmlformats.org/presentationml/2006/main" type="obj" preserve="1">
+  <p:cSld name="Naslov in vsebina">
+    <p:spTree>
+      <p:nvGrpSpPr>
+        <p:cNvPr id="1" name=""/>
+        <p:cNvGrpSpPr/>
+        <p:nvPr/>
+      </p:nvGrpSpPr>
+      <p:grpSpPr>
+        <a:xfrm>
+          <a:off x="0" y="0"/>
+          <a:ext cx="0" cy="0"/>
+          <a:chOff x="0" y="0"/>
+          <a:chExt cx="0" cy="0"/>
+        </a:xfrm>
+      </p:grpSpPr>
+      <p:sp>
+        <p:nvSpPr>
+          <p:cNvPr id="2" name="Title 1"/>
+          <p:cNvSpPr>
+            <a:spLocks noGrp="1"/>
+          </p:cNvSpPr>
+          <p:nvPr>
+            <p:ph type="title"/>
+          </p:nvPr>
+        </p:nvSpPr>
+        <p:spPr/>
+        <p:txBody>
+          <a:bodyPr/>
+          <a:lstStyle/>
+          <a:p>
+            <a:r>
+              <a:rPr lang="sl-SI"/>
+              <a:t>Uredite slog naslova matrice</a:t>
+            </a:r>
+            <a:endParaRPr lang="en-US" dirty="0"/>
+          </a:p>
+        </p:txBody>
+      </p:sp>
+      <p:sp>
+        <p:nvSpPr>
+          <p:cNvPr id="3" name="Content Placeholder 2"/>
+          <p:cNvSpPr>
+            <a:spLocks noGrp="1"/>
+          </p:cNvSpPr>
+          <p:nvPr>
+            <p:ph idx="1"/>
+          </p:nvPr>
+        </p:nvSpPr>
+        <p:spPr/>
+        <p:txBody>
+          <a:bodyPr/>
+          <a:lstStyle/>
+          <a:p>
+            <a:pPr lvl="0"/>
+            <a:r>
+              <a:rPr lang="sl-SI"/>
+              <a:t>Uredite sloge besedila matrice</a:t>
+            </a:r>
+          </a:p>
+          <a:p>
+            <a:pPr lvl="1"/>
+            <a:r>
+              <a:rPr lang="sl-SI"/>
+              <a:t>Druga raven</a:t>
+            </a:r>
+          </a:p>
+          <a:p>
+            <a:pPr lvl="2"/>
+            <a:r>
+              <a:rPr lang="sl-SI"/>
+              <a:t>Tretja raven</a:t>
+            </a:r>
+          </a:p>
+          <a:p>
+            <a:pPr lvl="3"/>
+            <a:r>
+              <a:rPr lang="sl-SI"/>
+              <a:t>Četrta raven</a:t>
+            </a:r>
+          </a:p>
+          <a:p>
+            <a:pPr lvl="4"/>
+            <a:r>
+              <a:rPr lang="sl-SI"/>
+              <a:t>Peta raven</a:t>
+            </a:r>
+            <a:endParaRPr lang="en-US" dirty="0"/>
+          </a:p>
+        </p:txBody>
+      </p:sp>
+      <p:sp>
+        <p:nvSpPr>
+          <p:cNvPr id="4" name="Date Placeholder 3"/>
+          <p:cNvSpPr>
+            <a:spLocks noGrp="1"/>
+          </p:cNvSpPr>
+          <p:nvPr>
+            <p:ph type="dt" sz="half" idx="10"/>
+          </p:nvPr>
+        </p:nvSpPr>
+        <p:spPr/>
+        <p:txBody>
+          <a:bodyPr/>
+          <a:lstStyle/>
+          <a:p>
+            <a:fld id="{EBCD5785-8A43-4CC4-A705-D4AA7E8DB57F}" type="datetimeFigureOut">
+              <a:rPr lang="sl-SI" noProof="0" smtClean="0">
+                <a:solidFill>
+                  <a:prstClr val="black">
+                    <a:tint val="75000"/>
+                  </a:prstClr>
+                </a:solidFill>
+              </a:rPr>
+              <a:pPr/>
+              <a:t>25. 05. 2017</a:t>
+            </a:fld>
+            <a:endParaRPr lang="sl-SI" noProof="0">
+              <a:solidFill>
+                <a:prstClr val="black">
+                  <a:tint val="75000"/>
+                </a:prstClr>
+              </a:solidFill>
+            </a:endParaRPr>
+          </a:p>
+        </p:txBody>
+      </p:sp>
+      <p:sp>
+        <p:nvSpPr>
+          <p:cNvPr id="5" name="Footer Placeholder 4"/>
+          <p:cNvSpPr>
+            <a:spLocks noGrp="1"/>
+          </p:cNvSpPr>
+          <p:nvPr>
+            <p:ph type="ftr" sz="quarter" idx="11"/>
+          </p:nvPr>
+        </p:nvSpPr>
+        <p:spPr/>
+        <p:txBody>
+          <a:bodyPr/>
+          <a:lstStyle/>
+          <a:p>
+            <a:endParaRPr lang="sl-SI" noProof="0">
+              <a:solidFill>
+                <a:prstClr val="black">
+                  <a:tint val="75000"/>
+                </a:prstClr>
+              </a:solidFill>
+            </a:endParaRPr>
+          </a:p>
+        </p:txBody>
+      </p:sp>
+      <p:sp>
+        <p:nvSpPr>
+          <p:cNvPr id="6" name="Slide Number Placeholder 5"/>
+          <p:cNvSpPr>
+            <a:spLocks noGrp="1"/>
+          </p:cNvSpPr>
+          <p:nvPr>
+            <p:ph type="sldNum" sz="quarter" idx="12"/>
+          </p:nvPr>
+        </p:nvSpPr>
+        <p:spPr/>
+        <p:txBody>
+          <a:bodyPr/>
+          <a:lstStyle/>
+          <a:p>
+            <a:fld id="{FF75B4CE-5129-41CA-A75E-F2AE589D1F47}" type="slidenum">
+              <a:rPr lang="sl-SI" noProof="0" smtClean="0">
+                <a:solidFill>
+                  <a:prstClr val="black">
+                    <a:tint val="75000"/>
+                  </a:prstClr>
+                </a:solidFill>
+              </a:rPr>
+              <a:pPr/>
+              <a:t>‹#›</a:t>
+            </a:fld>
+            <a:endParaRPr lang="sl-SI" noProof="0">
+              <a:solidFill>
+                <a:prstClr val="black">
+                  <a:tint val="75000"/>
+                </a:prstClr>
+              </a:solidFill>
+            </a:endParaRPr>
+          </a:p>
+        </p:txBody>
+      </p:sp>
+    </p:spTree>
+    <p:extLst>
+      <p:ext uri="{BB962C8B-B14F-4D97-AF65-F5344CB8AC3E}">
+        <p14:creationId xmlns:p14="http://schemas.microsoft.com/office/powerpoint/2010/main" val="3064832143"/>
+      </p:ext>
+    </p:extLst>
+  </p:cSld>
+  <p:clrMapOvr>
+    <a:masterClrMapping/>
+  </p:clrMapOvr>
+</p:sldLayout>
+</file>
+
+<file path=ppt/slideLayouts/slideLayout3.xml><?xml version="1.0" encoding="utf-8"?>
+<p:sldLayout xmlns:a="http://schemas.openxmlformats.org/drawingml/2006/main" xmlns:r="http://schemas.openxmlformats.org/officeDocument/2006/relationships" xmlns:p="http://schemas.openxmlformats.org/presentationml/2006/main" type="secHead" preserve="1">
+  <p:cSld name="Glava odseka">
+    <p:spTree>
+      <p:nvGrpSpPr>
+        <p:cNvPr id="1" name=""/>
+        <p:cNvGrpSpPr/>
+        <p:nvPr/>
+      </p:nvGrpSpPr>
+      <p:grpSpPr>
+        <a:xfrm>
+          <a:off x="0" y="0"/>
+          <a:ext cx="0" cy="0"/>
+          <a:chOff x="0" y="0"/>
+          <a:chExt cx="0" cy="0"/>
+        </a:xfrm>
+      </p:grpSpPr>
+      <p:sp>
+        <p:nvSpPr>
+          <p:cNvPr id="2" name="Title 1"/>
+          <p:cNvSpPr>
+            <a:spLocks noGrp="1"/>
+          </p:cNvSpPr>
+          <p:nvPr>
+            <p:ph type="title"/>
+          </p:nvPr>
+        </p:nvSpPr>
+        <p:spPr>
+          <a:xfrm>
+            <a:off x="609598" y="2700868"/>
+            <a:ext cx="6347715" cy="1826581"/>
+          </a:xfrm>
+        </p:spPr>
+        <p:txBody>
+          <a:bodyPr anchor="b"/>
+          <a:lstStyle>
+            <a:lvl1pPr algn="l">
+              <a:defRPr sz="4000" b="0" cap="none"/>
+            </a:lvl1pPr>
+          </a:lstStyle>
+          <a:p>
+            <a:r>
+              <a:rPr lang="sl-SI"/>
+              <a:t>Uredite slog naslova matrice</a:t>
+            </a:r>
+            <a:endParaRPr lang="en-US" dirty="0"/>
+          </a:p>
+        </p:txBody>
+      </p:sp>
+      <p:sp>
+        <p:nvSpPr>
+          <p:cNvPr id="3" name="Text Placeholder 2"/>
+          <p:cNvSpPr>
+            <a:spLocks noGrp="1"/>
+          </p:cNvSpPr>
+          <p:nvPr>
+            <p:ph type="body" idx="1"/>
+          </p:nvPr>
+        </p:nvSpPr>
+        <p:spPr>
+          <a:xfrm>
+            <a:off x="609598" y="4527448"/>
+            <a:ext cx="6347715" cy="860400"/>
+          </a:xfrm>
+        </p:spPr>
+        <p:txBody>
+          <a:bodyPr anchor="t"/>
+          <a:lstStyle>
+            <a:lvl1pPr marL="0" indent="0" algn="l">
+              <a:buNone/>
+              <a:defRPr sz="2000">
+                <a:solidFill>
+                  <a:schemeClr val="tx1">
+                    <a:lumMod val="50000"/>
+                    <a:lumOff val="50000"/>
+                  </a:schemeClr>
+                </a:solidFill>
+              </a:defRPr>
+            </a:lvl1pPr>
+            <a:lvl2pPr marL="457200" indent="0">
+              <a:buNone/>
+              <a:defRPr sz="1800">
+                <a:solidFill>
+                  <a:schemeClr val="tx1">
+                    <a:tint val="75000"/>
+                  </a:schemeClr>
+                </a:solidFill>
+              </a:defRPr>
+            </a:lvl2pPr>
+            <a:lvl3pPr marL="914400" indent="0">
+              <a:buNone/>
+              <a:defRPr sz="1600">
+                <a:solidFill>
+                  <a:schemeClr val="tx1">
+                    <a:tint val="75000"/>
+                  </a:schemeClr>
+                </a:solidFill>
+              </a:defRPr>
+            </a:lvl3pPr>
+            <a:lvl4pPr marL="1371600" indent="0">
+              <a:buNone/>
+              <a:defRPr sz="1400">
+                <a:solidFill>
+                  <a:schemeClr val="tx1">
+                    <a:tint val="75000"/>
+                  </a:schemeClr>
+                </a:solidFill>
+              </a:defRPr>
+            </a:lvl4pPr>
+            <a:lvl5pPr marL="1828800" indent="0">
+              <a:buNone/>
+              <a:defRPr sz="1400">
+                <a:solidFill>
+                  <a:schemeClr val="tx1">
+                    <a:tint val="75000"/>
+                  </a:schemeClr>
+                </a:solidFill>
+              </a:defRPr>
+            </a:lvl5pPr>
+            <a:lvl6pPr marL="2286000" indent="0">
+              <a:buNone/>
+              <a:defRPr sz="1400">
+                <a:solidFill>
+                  <a:schemeClr val="tx1">
+                    <a:tint val="75000"/>
+                  </a:schemeClr>
+                </a:solidFill>
+              </a:defRPr>
+            </a:lvl6pPr>
+            <a:lvl7pPr marL="2743200" indent="0">
+              <a:buNone/>
+              <a:defRPr sz="1400">
+                <a:solidFill>
+                  <a:schemeClr val="tx1">
+                    <a:tint val="75000"/>
+                  </a:schemeClr>
+                </a:solidFill>
+              </a:defRPr>
+            </a:lvl7pPr>
+            <a:lvl8pPr marL="3200400" indent="0">
+              <a:buNone/>
+              <a:defRPr sz="1400">
+                <a:solidFill>
+                  <a:schemeClr val="tx1">
+                    <a:tint val="75000"/>
+                  </a:schemeClr>
+                </a:solidFill>
+              </a:defRPr>
+            </a:lvl8pPr>
+            <a:lvl9pPr marL="3657600" indent="0">
+              <a:buNone/>
+              <a:defRPr sz="1400">
+                <a:solidFill>
+                  <a:schemeClr val="tx1">
+                    <a:tint val="75000"/>
+                  </a:schemeClr>
+                </a:solidFill>
+              </a:defRPr>
+            </a:lvl9pPr>
+          </a:lstStyle>
+          <a:p>
+            <a:pPr lvl="0"/>
+            <a:r>
+              <a:rPr lang="sl-SI"/>
+              <a:t>Uredite sloge besedila matrice</a:t>
+            </a:r>
+          </a:p>
+        </p:txBody>
+      </p:sp>
+      <p:sp>
+        <p:nvSpPr>
+          <p:cNvPr id="4" name="Date Placeholder 3"/>
+          <p:cNvSpPr>
+            <a:spLocks noGrp="1"/>
+          </p:cNvSpPr>
+          <p:nvPr>
+            <p:ph type="dt" sz="half" idx="10"/>
+          </p:nvPr>
+        </p:nvSpPr>
+        <p:spPr/>
+        <p:txBody>
+          <a:bodyPr/>
+          <a:lstStyle/>
+          <a:p>
+            <a:fld id="{EBCD5785-8A43-4CC4-A705-D4AA7E8DB57F}" type="datetimeFigureOut">
+              <a:rPr lang="sl-SI" noProof="0" smtClean="0">
+                <a:solidFill>
+                  <a:prstClr val="black">
+                    <a:tint val="75000"/>
+                  </a:prstClr>
+                </a:solidFill>
+              </a:rPr>
+              <a:pPr/>
+              <a:t>25. 05. 2017</a:t>
+            </a:fld>
+            <a:endParaRPr lang="sl-SI" noProof="0">
+              <a:solidFill>
+                <a:prstClr val="black">
+                  <a:tint val="75000"/>
+                </a:prstClr>
+              </a:solidFill>
+            </a:endParaRPr>
+          </a:p>
+        </p:txBody>
+      </p:sp>
+      <p:sp>
+        <p:nvSpPr>
+          <p:cNvPr id="5" name="Footer Placeholder 4"/>
+          <p:cNvSpPr>
+            <a:spLocks noGrp="1"/>
+          </p:cNvSpPr>
+          <p:nvPr>
+            <p:ph type="ftr" sz="quarter" idx="11"/>
+          </p:nvPr>
+        </p:nvSpPr>
+        <p:spPr/>
+        <p:txBody>
+          <a:bodyPr/>
+          <a:lstStyle/>
+          <a:p>
+            <a:endParaRPr lang="sl-SI" noProof="0">
+              <a:solidFill>
+                <a:prstClr val="black">
+                  <a:tint val="75000"/>
+                </a:prstClr>
+              </a:solidFill>
+            </a:endParaRPr>
+          </a:p>
+        </p:txBody>
+      </p:sp>
+      <p:sp>
+        <p:nvSpPr>
+          <p:cNvPr id="6" name="Slide Number Placeholder 5"/>
+          <p:cNvSpPr>
+            <a:spLocks noGrp="1"/>
+          </p:cNvSpPr>
+          <p:nvPr>
+            <p:ph type="sldNum" sz="quarter" idx="12"/>
+          </p:nvPr>
+        </p:nvSpPr>
+        <p:spPr/>
+        <p:txBody>
+          <a:bodyPr/>
+          <a:lstStyle/>
+          <a:p>
+            <a:fld id="{FF75B4CE-5129-41CA-A75E-F2AE589D1F47}" type="slidenum">
+              <a:rPr lang="sl-SI" noProof="0" smtClean="0">
+                <a:solidFill>
+                  <a:prstClr val="black">
+                    <a:tint val="75000"/>
+                  </a:prstClr>
+                </a:solidFill>
+              </a:rPr>
+              <a:pPr/>
+              <a:t>‹#›</a:t>
+            </a:fld>
+            <a:endParaRPr lang="sl-SI" noProof="0">
+              <a:solidFill>
+                <a:prstClr val="black">
+                  <a:tint val="75000"/>
+                </a:prstClr>
+              </a:solidFill>
+            </a:endParaRPr>
+          </a:p>
+        </p:txBody>
+      </p:sp>
+    </p:spTree>
+    <p:extLst>
+      <p:ext uri="{BB962C8B-B14F-4D97-AF65-F5344CB8AC3E}">
+        <p14:creationId xmlns:p14="http://schemas.microsoft.com/office/powerpoint/2010/main" val="176445996"/>
+      </p:ext>
+    </p:extLst>
+  </p:cSld>
+  <p:clrMapOvr>
+    <a:masterClrMapping/>
+  </p:clrMapOvr>
+</p:sldLayout>
+</file>
+
+<file path=ppt/slideLayouts/slideLayout4.xml><?xml version="1.0" encoding="utf-8"?>
+<p:sldLayout xmlns:a="http://schemas.openxmlformats.org/drawingml/2006/main" xmlns:r="http://schemas.openxmlformats.org/officeDocument/2006/relationships" xmlns:p="http://schemas.openxmlformats.org/presentationml/2006/main" type="twoObj" preserve="1">
+  <p:cSld name="Dve vsebini">
+    <p:spTree>
+      <p:nvGrpSpPr>
+        <p:cNvPr id="1" name=""/>
+        <p:cNvGrpSpPr/>
+        <p:nvPr/>
+      </p:nvGrpSpPr>
+      <p:grpSpPr>
+        <a:xfrm>
+          <a:off x="0" y="0"/>
+          <a:ext cx="0" cy="0"/>
+          <a:chOff x="0" y="0"/>
+          <a:chExt cx="0" cy="0"/>
+        </a:xfrm>
+      </p:grpSpPr>
+      <p:sp>
+        <p:nvSpPr>
+          <p:cNvPr id="2" name="Title 1"/>
+          <p:cNvSpPr>
+            <a:spLocks noGrp="1"/>
+          </p:cNvSpPr>
+          <p:nvPr>
+            <p:ph type="title"/>
+          </p:nvPr>
+        </p:nvSpPr>
+        <p:spPr>
+          <a:xfrm>
+            <a:off x="609600" y="609600"/>
+            <a:ext cx="6347714" cy="1320800"/>
+          </a:xfrm>
+        </p:spPr>
+        <p:txBody>
+          <a:bodyPr/>
+          <a:lstStyle/>
+          <a:p>
+            <a:r>
+              <a:rPr lang="sl-SI"/>
+              <a:t>Uredite slog naslova matrice</a:t>
+            </a:r>
+            <a:endParaRPr lang="en-US" dirty="0"/>
+          </a:p>
+        </p:txBody>
+      </p:sp>
+      <p:sp>
+        <p:nvSpPr>
+          <p:cNvPr id="3" name="Content Placeholder 2"/>
+          <p:cNvSpPr>
+            <a:spLocks noGrp="1"/>
+          </p:cNvSpPr>
+          <p:nvPr>
+            <p:ph sz="half" idx="1"/>
+          </p:nvPr>
+        </p:nvSpPr>
+        <p:spPr>
+          <a:xfrm>
+            <a:off x="609600" y="2160589"/>
+            <a:ext cx="3088109" cy="3880772"/>
+          </a:xfrm>
+        </p:spPr>
+        <p:txBody>
+          <a:bodyPr>
+            <a:normAutofit/>
+          </a:bodyPr>
+          <a:lstStyle>
+            <a:lvl1pPr>
+              <a:defRPr sz="1800"/>
+            </a:lvl1pPr>
+            <a:lvl2pPr>
+              <a:defRPr sz="1600"/>
+            </a:lvl2pPr>
+            <a:lvl3pPr>
+              <a:defRPr sz="1400"/>
+            </a:lvl3pPr>
+            <a:lvl4pPr>
+              <a:defRPr sz="1200"/>
+            </a:lvl4pPr>
+            <a:lvl5pPr>
+              <a:defRPr sz="1200"/>
+            </a:lvl5pPr>
+            <a:lvl6pPr>
+              <a:defRPr sz="1200"/>
+            </a:lvl6pPr>
+            <a:lvl7pPr>
+              <a:defRPr sz="1200"/>
+            </a:lvl7pPr>
+            <a:lvl8pPr>
+              <a:defRPr sz="1200"/>
+            </a:lvl8pPr>
+            <a:lvl9pPr>
+              <a:defRPr sz="1200"/>
+            </a:lvl9pPr>
+          </a:lstStyle>
+          <a:p>
+            <a:pPr lvl="0"/>
+            <a:r>
+              <a:rPr lang="sl-SI"/>
+              <a:t>Uredite sloge besedila matrice</a:t>
+            </a:r>
+          </a:p>
+          <a:p>
+            <a:pPr lvl="1"/>
+            <a:r>
+              <a:rPr lang="sl-SI"/>
+              <a:t>Druga raven</a:t>
+            </a:r>
+          </a:p>
+          <a:p>
+            <a:pPr lvl="2"/>
+            <a:r>
+              <a:rPr lang="sl-SI"/>
+              <a:t>Tretja raven</a:t>
+            </a:r>
+          </a:p>
+          <a:p>
+            <a:pPr lvl="3"/>
+            <a:r>
+              <a:rPr lang="sl-SI"/>
+              <a:t>Četrta raven</a:t>
+            </a:r>
+          </a:p>
+          <a:p>
+            <a:pPr lvl="4"/>
+            <a:r>
+              <a:rPr lang="sl-SI"/>
+              <a:t>Peta raven</a:t>
+            </a:r>
+            <a:endParaRPr lang="en-US" dirty="0"/>
+          </a:p>
+        </p:txBody>
+      </p:sp>
+      <p:sp>
+        <p:nvSpPr>
+          <p:cNvPr id="4" name="Content Placeholder 3"/>
+          <p:cNvSpPr>
+            <a:spLocks noGrp="1"/>
+          </p:cNvSpPr>
+          <p:nvPr>
+            <p:ph sz="half" idx="2"/>
+          </p:nvPr>
+        </p:nvSpPr>
+        <p:spPr>
+          <a:xfrm>
+            <a:off x="3869204" y="2160590"/>
+            <a:ext cx="3088110" cy="3880773"/>
+          </a:xfrm>
+        </p:spPr>
+        <p:txBody>
+          <a:bodyPr>
+            <a:normAutofit/>
+          </a:bodyPr>
+          <a:lstStyle>
+            <a:lvl1pPr>
+              <a:defRPr sz="1800"/>
+            </a:lvl1pPr>
+            <a:lvl2pPr>
+              <a:defRPr sz="1600"/>
+            </a:lvl2pPr>
+            <a:lvl3pPr>
+              <a:defRPr sz="1400"/>
+            </a:lvl3pPr>
+            <a:lvl4pPr>
+              <a:defRPr sz="1200"/>
+            </a:lvl4pPr>
+            <a:lvl5pPr>
+              <a:defRPr sz="1200"/>
+            </a:lvl5pPr>
+            <a:lvl6pPr>
+              <a:defRPr sz="1200"/>
+            </a:lvl6pPr>
+            <a:lvl7pPr>
+              <a:defRPr sz="1200"/>
+            </a:lvl7pPr>
+            <a:lvl8pPr>
+              <a:defRPr sz="1200"/>
+            </a:lvl8pPr>
+            <a:lvl9pPr>
+              <a:defRPr sz="1200"/>
+            </a:lvl9pPr>
+          </a:lstStyle>
+          <a:p>
+            <a:pPr lvl="0"/>
+            <a:r>
+              <a:rPr lang="sl-SI"/>
+              <a:t>Uredite sloge besedila matrice</a:t>
+            </a:r>
+          </a:p>
+          <a:p>
+            <a:pPr lvl="1"/>
+            <a:r>
+              <a:rPr lang="sl-SI"/>
+              <a:t>Druga raven</a:t>
+            </a:r>
+          </a:p>
+          <a:p>
+            <a:pPr lvl="2"/>
+            <a:r>
+              <a:rPr lang="sl-SI"/>
+              <a:t>Tretja raven</a:t>
+            </a:r>
+          </a:p>
+          <a:p>
+            <a:pPr lvl="3"/>
+            <a:r>
+              <a:rPr lang="sl-SI"/>
+              <a:t>Četrta raven</a:t>
+            </a:r>
+          </a:p>
+          <a:p>
+            <a:pPr lvl="4"/>
+            <a:r>
+              <a:rPr lang="sl-SI"/>
+              <a:t>Peta raven</a:t>
+            </a:r>
+            <a:endParaRPr lang="en-US" dirty="0"/>
+          </a:p>
+        </p:txBody>
+      </p:sp>
+      <p:sp>
+        <p:nvSpPr>
+          <p:cNvPr id="5" name="Date Placeholder 4"/>
+          <p:cNvSpPr>
+            <a:spLocks noGrp="1"/>
+          </p:cNvSpPr>
+          <p:nvPr>
+            <p:ph type="dt" sz="half" idx="10"/>
+          </p:nvPr>
+        </p:nvSpPr>
+        <p:spPr/>
+        <p:txBody>
+          <a:bodyPr/>
+          <a:lstStyle/>
+          <a:p>
+            <a:fld id="{EBCD5785-8A43-4CC4-A705-D4AA7E8DB57F}" type="datetimeFigureOut">
+              <a:rPr lang="sl-SI" noProof="0" smtClean="0">
+                <a:solidFill>
+                  <a:prstClr val="black">
+                    <a:tint val="75000"/>
+                  </a:prstClr>
+                </a:solidFill>
+              </a:rPr>
+              <a:pPr/>
+              <a:t>25. 05. 2017</a:t>
+            </a:fld>
+            <a:endParaRPr lang="sl-SI" noProof="0">
+              <a:solidFill>
+                <a:prstClr val="black">
+                  <a:tint val="75000"/>
+                </a:prstClr>
+              </a:solidFill>
+            </a:endParaRPr>
+          </a:p>
+        </p:txBody>
+      </p:sp>
+      <p:sp>
+        <p:nvSpPr>
+          <p:cNvPr id="6" name="Footer Placeholder 5"/>
+          <p:cNvSpPr>
+            <a:spLocks noGrp="1"/>
+          </p:cNvSpPr>
+          <p:nvPr>
+            <p:ph type="ftr" sz="quarter" idx="11"/>
+          </p:nvPr>
+        </p:nvSpPr>
+        <p:spPr/>
+        <p:txBody>
+          <a:bodyPr/>
+          <a:lstStyle/>
+          <a:p>
+            <a:endParaRPr lang="sl-SI" noProof="0">
+              <a:solidFill>
+                <a:prstClr val="black">
+                  <a:tint val="75000"/>
+                </a:prstClr>
+              </a:solidFill>
+            </a:endParaRPr>
+          </a:p>
+        </p:txBody>
+      </p:sp>
+      <p:sp>
+        <p:nvSpPr>
+          <p:cNvPr id="7" name="Slide Number Placeholder 6"/>
+          <p:cNvSpPr>
+            <a:spLocks noGrp="1"/>
+          </p:cNvSpPr>
+          <p:nvPr>
+            <p:ph type="sldNum" sz="quarter" idx="12"/>
+          </p:nvPr>
+        </p:nvSpPr>
+        <p:spPr/>
+        <p:txBody>
+          <a:bodyPr/>
+          <a:lstStyle/>
+          <a:p>
+            <a:fld id="{FF75B4CE-5129-41CA-A75E-F2AE589D1F47}" type="slidenum">
+              <a:rPr lang="sl-SI" noProof="0" smtClean="0">
+                <a:solidFill>
+                  <a:prstClr val="black">
+                    <a:tint val="75000"/>
+                  </a:prstClr>
+                </a:solidFill>
+              </a:rPr>
+              <a:pPr/>
+              <a:t>‹#›</a:t>
+            </a:fld>
+            <a:endParaRPr lang="sl-SI" noProof="0">
+              <a:solidFill>
+                <a:prstClr val="black">
+                  <a:tint val="75000"/>
+                </a:prstClr>
+              </a:solidFill>
+            </a:endParaRPr>
+          </a:p>
+        </p:txBody>
+      </p:sp>
+    </p:spTree>
+    <p:extLst>
+      <p:ext uri="{BB962C8B-B14F-4D97-AF65-F5344CB8AC3E}">
+        <p14:creationId xmlns:p14="http://schemas.microsoft.com/office/powerpoint/2010/main" val="3055977912"/>
+      </p:ext>
+    </p:extLst>
+  </p:cSld>
+  <p:clrMapOvr>
+    <a:masterClrMapping/>
+  </p:clrMapOvr>
+</p:sldLayout>
+</file>
+
+<file path=ppt/slideLayouts/slideLayout5.xml><?xml version="1.0" encoding="utf-8"?>
+<p:sldLayout xmlns:a="http://schemas.openxmlformats.org/drawingml/2006/main" xmlns:r="http://schemas.openxmlformats.org/officeDocument/2006/relationships" xmlns:p="http://schemas.openxmlformats.org/presentationml/2006/main" type="twoTxTwoObj" preserve="1">
+  <p:cSld name="Primerjava">
+    <p:spTree>
+      <p:nvGrpSpPr>
+        <p:cNvPr id="1" name=""/>
+        <p:cNvGrpSpPr/>
+        <p:nvPr/>
+      </p:nvGrpSpPr>
+      <p:grpSpPr>
+        <a:xfrm>
+          <a:off x="0" y="0"/>
+          <a:ext cx="0" cy="0"/>
+          <a:chOff x="0" y="0"/>
+          <a:chExt cx="0" cy="0"/>
+        </a:xfrm>
+      </p:grpSpPr>
+      <p:sp>
+        <p:nvSpPr>
+          <p:cNvPr id="2" name="Title 1"/>
+          <p:cNvSpPr>
+            <a:spLocks noGrp="1"/>
+          </p:cNvSpPr>
+          <p:nvPr>
+            <p:ph type="title"/>
+          </p:nvPr>
+        </p:nvSpPr>
+        <p:spPr>
+          <a:xfrm>
+            <a:off x="609599" y="609600"/>
+            <a:ext cx="6347713" cy="1320800"/>
+          </a:xfrm>
+        </p:spPr>
+        <p:txBody>
+          <a:bodyPr/>
+          <a:lstStyle>
+            <a:lvl1pPr>
+              <a:defRPr/>
+            </a:lvl1pPr>
+          </a:lstStyle>
+          <a:p>
+            <a:r>
+              <a:rPr lang="sl-SI"/>
+              <a:t>Uredite slog naslova matrice</a:t>
+            </a:r>
+            <a:endParaRPr lang="en-US" dirty="0"/>
+          </a:p>
+        </p:txBody>
+      </p:sp>
+      <p:sp>
+        <p:nvSpPr>
+          <p:cNvPr id="3" name="Text Placeholder 2"/>
+          <p:cNvSpPr>
+            <a:spLocks noGrp="1"/>
+          </p:cNvSpPr>
+          <p:nvPr>
+            <p:ph type="body" idx="1"/>
+          </p:nvPr>
+        </p:nvSpPr>
+        <p:spPr>
+          <a:xfrm>
+            <a:off x="609599" y="2160983"/>
+            <a:ext cx="3090672" cy="576262"/>
+          </a:xfrm>
+        </p:spPr>
+        <p:txBody>
+          <a:bodyPr anchor="b">
+            <a:noAutofit/>
+          </a:bodyPr>
+          <a:lstStyle>
+            <a:lvl1pPr marL="0" indent="0">
+              <a:buNone/>
+              <a:defRPr sz="2400" b="0"/>
+            </a:lvl1pPr>
+            <a:lvl2pPr marL="457200" indent="0">
+              <a:buNone/>
+              <a:defRPr sz="2000" b="1"/>
+            </a:lvl2pPr>
+            <a:lvl3pPr marL="914400" indent="0">
+              <a:buNone/>
+              <a:defRPr sz="1800" b="1"/>
+            </a:lvl3pPr>
+            <a:lvl4pPr marL="1371600" indent="0">
+              <a:buNone/>
+              <a:defRPr sz="1600" b="1"/>
+            </a:lvl4pPr>
+            <a:lvl5pPr marL="1828800" indent="0">
+              <a:buNone/>
+              <a:defRPr sz="1600" b="1"/>
+            </a:lvl5pPr>
+            <a:lvl6pPr marL="2286000" indent="0">
+              <a:buNone/>
+              <a:defRPr sz="1600" b="1"/>
+            </a:lvl6pPr>
+            <a:lvl7pPr marL="2743200" indent="0">
+              <a:buNone/>
+              <a:defRPr sz="1600" b="1"/>
+            </a:lvl7pPr>
+            <a:lvl8pPr marL="3200400" indent="0">
+              <a:buNone/>
+              <a:defRPr sz="1600" b="1"/>
+            </a:lvl8pPr>
+            <a:lvl9pPr marL="3657600" indent="0">
+              <a:buNone/>
+              <a:defRPr sz="1600" b="1"/>
+            </a:lvl9pPr>
+          </a:lstStyle>
+          <a:p>
+            <a:pPr lvl="0"/>
+            <a:r>
+              <a:rPr lang="sl-SI"/>
+              <a:t>Uredite sloge besedila matrice</a:t>
+            </a:r>
+          </a:p>
+        </p:txBody>
+      </p:sp>
+      <p:sp>
+        <p:nvSpPr>
+          <p:cNvPr id="4" name="Content Placeholder 3"/>
+          <p:cNvSpPr>
+            <a:spLocks noGrp="1"/>
+          </p:cNvSpPr>
+          <p:nvPr>
+            <p:ph sz="half" idx="2"/>
+          </p:nvPr>
+        </p:nvSpPr>
+        <p:spPr>
+          <a:xfrm>
+            <a:off x="609599" y="2737246"/>
+            <a:ext cx="3090672" cy="3304117"/>
+          </a:xfrm>
+        </p:spPr>
+        <p:txBody>
+          <a:bodyPr>
+            <a:normAutofit/>
+          </a:bodyPr>
+          <a:lstStyle/>
+          <a:p>
+            <a:pPr lvl="0"/>
+            <a:r>
+              <a:rPr lang="sl-SI"/>
+              <a:t>Uredite sloge besedila matrice</a:t>
+            </a:r>
+          </a:p>
+          <a:p>
+            <a:pPr lvl="1"/>
+            <a:r>
+              <a:rPr lang="sl-SI"/>
+              <a:t>Druga raven</a:t>
+            </a:r>
+          </a:p>
+          <a:p>
+            <a:pPr lvl="2"/>
+            <a:r>
+              <a:rPr lang="sl-SI"/>
+              <a:t>Tretja raven</a:t>
+            </a:r>
+          </a:p>
+          <a:p>
+            <a:pPr lvl="3"/>
+            <a:r>
+              <a:rPr lang="sl-SI"/>
+              <a:t>Četrta raven</a:t>
+            </a:r>
+          </a:p>
+          <a:p>
+            <a:pPr lvl="4"/>
+            <a:r>
+              <a:rPr lang="sl-SI"/>
+              <a:t>Peta raven</a:t>
+            </a:r>
+            <a:endParaRPr lang="en-US" dirty="0"/>
+          </a:p>
+        </p:txBody>
+      </p:sp>
+      <p:sp>
+        <p:nvSpPr>
+          <p:cNvPr id="5" name="Text Placeholder 4"/>
+          <p:cNvSpPr>
+            <a:spLocks noGrp="1"/>
+          </p:cNvSpPr>
+          <p:nvPr>
+            <p:ph type="body" sz="quarter" idx="3"/>
+          </p:nvPr>
+        </p:nvSpPr>
+        <p:spPr>
+          <a:xfrm>
+            <a:off x="3866640" y="2160983"/>
+            <a:ext cx="3090672" cy="576262"/>
+          </a:xfrm>
+        </p:spPr>
+        <p:txBody>
+          <a:bodyPr anchor="b">
+            <a:noAutofit/>
+          </a:bodyPr>
+          <a:lstStyle>
+            <a:lvl1pPr marL="0" indent="0">
+              <a:buNone/>
+              <a:defRPr sz="2400" b="0"/>
+            </a:lvl1pPr>
+            <a:lvl2pPr marL="457200" indent="0">
+              <a:buNone/>
+              <a:defRPr sz="2000" b="1"/>
+            </a:lvl2pPr>
+            <a:lvl3pPr marL="914400" indent="0">
+              <a:buNone/>
+              <a:defRPr sz="1800" b="1"/>
+            </a:lvl3pPr>
+            <a:lvl4pPr marL="1371600" indent="0">
+              <a:buNone/>
+              <a:defRPr sz="1600" b="1"/>
+            </a:lvl4pPr>
+            <a:lvl5pPr marL="1828800" indent="0">
+              <a:buNone/>
+              <a:defRPr sz="1600" b="1"/>
+            </a:lvl5pPr>
+            <a:lvl6pPr marL="2286000" indent="0">
+              <a:buNone/>
+              <a:defRPr sz="1600" b="1"/>
+            </a:lvl6pPr>
+            <a:lvl7pPr marL="2743200" indent="0">
+              <a:buNone/>
+              <a:defRPr sz="1600" b="1"/>
+            </a:lvl7pPr>
+            <a:lvl8pPr marL="3200400" indent="0">
+              <a:buNone/>
+              <a:defRPr sz="1600" b="1"/>
+            </a:lvl8pPr>
+            <a:lvl9pPr marL="3657600" indent="0">
+              <a:buNone/>
+              <a:defRPr sz="1600" b="1"/>
+            </a:lvl9pPr>
+          </a:lstStyle>
+          <a:p>
+            <a:pPr lvl="0"/>
+            <a:r>
+              <a:rPr lang="sl-SI"/>
+              <a:t>Uredite sloge besedila matrice</a:t>
+            </a:r>
+          </a:p>
+        </p:txBody>
+      </p:sp>
+      <p:sp>
+        <p:nvSpPr>
+          <p:cNvPr id="6" name="Content Placeholder 5"/>
+          <p:cNvSpPr>
+            <a:spLocks noGrp="1"/>
+          </p:cNvSpPr>
+          <p:nvPr>
+            <p:ph sz="quarter" idx="4"/>
+          </p:nvPr>
+        </p:nvSpPr>
+        <p:spPr>
+          <a:xfrm>
+            <a:off x="3866640" y="2737246"/>
+            <a:ext cx="3090672" cy="3304117"/>
+          </a:xfrm>
+        </p:spPr>
+        <p:txBody>
+          <a:bodyPr>
+            <a:normAutofit/>
+          </a:bodyPr>
+          <a:lstStyle/>
+          <a:p>
+            <a:pPr lvl="0"/>
+            <a:r>
+              <a:rPr lang="sl-SI"/>
+              <a:t>Uredite sloge besedila matrice</a:t>
+            </a:r>
+          </a:p>
+          <a:p>
+            <a:pPr lvl="1"/>
+            <a:r>
+              <a:rPr lang="sl-SI"/>
+              <a:t>Druga raven</a:t>
+            </a:r>
+          </a:p>
+          <a:p>
+            <a:pPr lvl="2"/>
+            <a:r>
+              <a:rPr lang="sl-SI"/>
+              <a:t>Tretja raven</a:t>
+            </a:r>
+          </a:p>
+          <a:p>
+            <a:pPr lvl="3"/>
+            <a:r>
+              <a:rPr lang="sl-SI"/>
+              <a:t>Četrta raven</a:t>
+            </a:r>
+          </a:p>
+          <a:p>
+            <a:pPr lvl="4"/>
+            <a:r>
+              <a:rPr lang="sl-SI"/>
+              <a:t>Peta raven</a:t>
+            </a:r>
+            <a:endParaRPr lang="en-US" dirty="0"/>
+          </a:p>
+        </p:txBody>
+      </p:sp>
+      <p:sp>
+        <p:nvSpPr>
+          <p:cNvPr id="7" name="Date Placeholder 6"/>
+          <p:cNvSpPr>
+            <a:spLocks noGrp="1"/>
+          </p:cNvSpPr>
+          <p:nvPr>
+            <p:ph type="dt" sz="half" idx="10"/>
+          </p:nvPr>
+        </p:nvSpPr>
+        <p:spPr/>
+        <p:txBody>
+          <a:bodyPr/>
+          <a:lstStyle/>
+          <a:p>
+            <a:fld id="{EBCD5785-8A43-4CC4-A705-D4AA7E8DB57F}" type="datetimeFigureOut">
+              <a:rPr lang="sl-SI" noProof="0" smtClean="0">
+                <a:solidFill>
+                  <a:prstClr val="black">
+                    <a:tint val="75000"/>
+                  </a:prstClr>
+                </a:solidFill>
+              </a:rPr>
+              <a:pPr/>
+              <a:t>25. 05. 2017</a:t>
+            </a:fld>
+            <a:endParaRPr lang="sl-SI" noProof="0">
+              <a:solidFill>
+                <a:prstClr val="black">
+                  <a:tint val="75000"/>
+                </a:prstClr>
+              </a:solidFill>
+            </a:endParaRPr>
+          </a:p>
+        </p:txBody>
+      </p:sp>
+      <p:sp>
+        <p:nvSpPr>
+          <p:cNvPr id="8" name="Footer Placeholder 7"/>
+          <p:cNvSpPr>
+            <a:spLocks noGrp="1"/>
+          </p:cNvSpPr>
+          <p:nvPr>
+            <p:ph type="ftr" sz="quarter" idx="11"/>
+          </p:nvPr>
+        </p:nvSpPr>
+        <p:spPr/>
+        <p:txBody>
+          <a:bodyPr/>
+          <a:lstStyle/>
+          <a:p>
+            <a:endParaRPr lang="sl-SI" noProof="0">
+              <a:solidFill>
+                <a:prstClr val="black">
+                  <a:tint val="75000"/>
+                </a:prstClr>
+              </a:solidFill>
+            </a:endParaRPr>
+          </a:p>
+        </p:txBody>
+      </p:sp>
+      <p:sp>
+        <p:nvSpPr>
+          <p:cNvPr id="9" name="Slide Number Placeholder 8"/>
+          <p:cNvSpPr>
+            <a:spLocks noGrp="1"/>
+          </p:cNvSpPr>
+          <p:nvPr>
+            <p:ph type="sldNum" sz="quarter" idx="12"/>
+          </p:nvPr>
+        </p:nvSpPr>
+        <p:spPr/>
+        <p:txBody>
+          <a:bodyPr/>
+          <a:lstStyle/>
+          <a:p>
+            <a:fld id="{FF75B4CE-5129-41CA-A75E-F2AE589D1F47}" type="slidenum">
+              <a:rPr lang="sl-SI" noProof="0" smtClean="0">
+                <a:solidFill>
+                  <a:prstClr val="black">
+                    <a:tint val="75000"/>
+                  </a:prstClr>
+                </a:solidFill>
+              </a:rPr>
+              <a:pPr/>
+              <a:t>‹#›</a:t>
+            </a:fld>
+            <a:endParaRPr lang="sl-SI" noProof="0">
+              <a:solidFill>
+                <a:prstClr val="black">
+                  <a:tint val="75000"/>
+                </a:prstClr>
+              </a:solidFill>
+            </a:endParaRPr>
+          </a:p>
+        </p:txBody>
+      </p:sp>
+    </p:spTree>
+    <p:extLst>
+      <p:ext uri="{BB962C8B-B14F-4D97-AF65-F5344CB8AC3E}">
+        <p14:creationId xmlns:p14="http://schemas.microsoft.com/office/powerpoint/2010/main" val="544667788"/>
+      </p:ext>
+    </p:extLst>
+  </p:cSld>
+  <p:clrMapOvr>
+    <a:masterClrMapping/>
+  </p:clrMapOvr>
+</p:sldLayout>
+</file>
+
+<file path=ppt/slideLayouts/slideLayout6.xml><?xml version="1.0" encoding="utf-8"?>
+<p:sldLayout xmlns:a="http://schemas.openxmlformats.org/drawingml/2006/main" xmlns:r="http://schemas.openxmlformats.org/officeDocument/2006/relationships" xmlns:p="http://schemas.openxmlformats.org/presentationml/2006/main" type="titleOnly" preserve="1">
+  <p:cSld name="Samo naslov">
+    <p:spTree>
+      <p:nvGrpSpPr>
+        <p:cNvPr id="1" name=""/>
+        <p:cNvGrpSpPr/>
+        <p:nvPr/>
+      </p:nvGrpSpPr>
+      <p:grpSpPr>
+        <a:xfrm>
+          <a:off x="0" y="0"/>
+          <a:ext cx="0" cy="0"/>
+          <a:chOff x="0" y="0"/>
+          <a:chExt cx="0" cy="0"/>
+        </a:xfrm>
+      </p:grpSpPr>
+      <p:sp>
+        <p:nvSpPr>
+          <p:cNvPr id="2" name="Title 1"/>
+          <p:cNvSpPr>
+            <a:spLocks noGrp="1"/>
+          </p:cNvSpPr>
+          <p:nvPr>
+            <p:ph type="title"/>
+          </p:nvPr>
+        </p:nvSpPr>
+        <p:spPr>
+          <a:xfrm>
+            <a:off x="609599" y="609600"/>
+            <a:ext cx="6347714" cy="1320800"/>
+          </a:xfrm>
+        </p:spPr>
+        <p:txBody>
+          <a:bodyPr/>
+          <a:lstStyle/>
+          <a:p>
+            <a:r>
+              <a:rPr lang="sl-SI"/>
+              <a:t>Uredite slog naslova matrice</a:t>
+            </a:r>
+            <a:endParaRPr lang="en-US" dirty="0"/>
+          </a:p>
+        </p:txBody>
+      </p:sp>
+      <p:sp>
+        <p:nvSpPr>
+          <p:cNvPr id="3" name="Date Placeholder 2"/>
+          <p:cNvSpPr>
+            <a:spLocks noGrp="1"/>
+          </p:cNvSpPr>
+          <p:nvPr>
+            <p:ph type="dt" sz="half" idx="10"/>
+          </p:nvPr>
+        </p:nvSpPr>
+        <p:spPr/>
+        <p:txBody>
+          <a:bodyPr/>
+          <a:lstStyle/>
+          <a:p>
+            <a:fld id="{EBCD5785-8A43-4CC4-A705-D4AA7E8DB57F}" type="datetimeFigureOut">
+              <a:rPr lang="sl-SI" noProof="0" smtClean="0">
+                <a:solidFill>
+                  <a:prstClr val="black">
+                    <a:tint val="75000"/>
+                  </a:prstClr>
+                </a:solidFill>
+              </a:rPr>
+              <a:pPr/>
+              <a:t>25. 05. 2017</a:t>
+            </a:fld>
+            <a:endParaRPr lang="sl-SI" noProof="0">
+              <a:solidFill>
+                <a:prstClr val="black">
+                  <a:tint val="75000"/>
+                </a:prstClr>
+              </a:solidFill>
+            </a:endParaRPr>
+          </a:p>
+        </p:txBody>
+      </p:sp>
+      <p:sp>
+        <p:nvSpPr>
+          <p:cNvPr id="4" name="Footer Placeholder 3"/>
+          <p:cNvSpPr>
+            <a:spLocks noGrp="1"/>
+          </p:cNvSpPr>
+          <p:nvPr>
+            <p:ph type="ftr" sz="quarter" idx="11"/>
+          </p:nvPr>
+        </p:nvSpPr>
+        <p:spPr/>
+        <p:txBody>
+          <a:bodyPr/>
+          <a:lstStyle/>
+          <a:p>
+            <a:endParaRPr lang="sl-SI" noProof="0">
+              <a:solidFill>
+                <a:prstClr val="black">
+                  <a:tint val="75000"/>
+                </a:prstClr>
+              </a:solidFill>
+            </a:endParaRPr>
+          </a:p>
+        </p:txBody>
+      </p:sp>
+      <p:sp>
+        <p:nvSpPr>
+          <p:cNvPr id="5" name="Slide Number Placeholder 4"/>
+          <p:cNvSpPr>
+            <a:spLocks noGrp="1"/>
+          </p:cNvSpPr>
+          <p:nvPr>
+            <p:ph type="sldNum" sz="quarter" idx="12"/>
+          </p:nvPr>
+        </p:nvSpPr>
+        <p:spPr/>
+        <p:txBody>
+          <a:bodyPr/>
+          <a:lstStyle/>
+          <a:p>
+            <a:fld id="{FF75B4CE-5129-41CA-A75E-F2AE589D1F47}" type="slidenum">
+              <a:rPr lang="sl-SI" noProof="0" smtClean="0">
+                <a:solidFill>
+                  <a:prstClr val="black">
+                    <a:tint val="75000"/>
+                  </a:prstClr>
+                </a:solidFill>
+              </a:rPr>
+              <a:pPr/>
+              <a:t>‹#›</a:t>
+            </a:fld>
+            <a:endParaRPr lang="sl-SI" noProof="0">
+              <a:solidFill>
+                <a:prstClr val="black">
+                  <a:tint val="75000"/>
+                </a:prstClr>
+              </a:solidFill>
+            </a:endParaRPr>
+          </a:p>
+        </p:txBody>
+      </p:sp>
+    </p:spTree>
+    <p:extLst>
+      <p:ext uri="{BB962C8B-B14F-4D97-AF65-F5344CB8AC3E}">
+        <p14:creationId xmlns:p14="http://schemas.microsoft.com/office/powerpoint/2010/main" val="428447999"/>
+      </p:ext>
+    </p:extLst>
+  </p:cSld>
+  <p:clrMapOvr>
+    <a:masterClrMapping/>
+  </p:clrMapOvr>
+</p:sldLayout>
+</file>
+
+<file path=ppt/slideLayouts/slideLayout7.xml><?xml version="1.0" encoding="utf-8"?>
+<p:sldLayout xmlns:a="http://schemas.openxmlformats.org/drawingml/2006/main" xmlns:r="http://schemas.openxmlformats.org/officeDocument/2006/relationships" xmlns:p="http://schemas.openxmlformats.org/presentationml/2006/main" type="blank" preserve="1">
+  <p:cSld name="Prazen">
+    <p:spTree>
+      <p:nvGrpSpPr>
+        <p:cNvPr id="1" name=""/>
+        <p:cNvGrpSpPr/>
+        <p:nvPr/>
+      </p:nvGrpSpPr>
+      <p:grpSpPr>
+        <a:xfrm>
+          <a:off x="0" y="0"/>
+          <a:ext cx="0" cy="0"/>
+          <a:chOff x="0" y="0"/>
+          <a:chExt cx="0" cy="0"/>
+        </a:xfrm>
+      </p:grpSpPr>
+      <p:sp>
+        <p:nvSpPr>
+          <p:cNvPr id="2" name="Date Placeholder 1"/>
+          <p:cNvSpPr>
+            <a:spLocks noGrp="1"/>
+          </p:cNvSpPr>
+          <p:nvPr>
+            <p:ph type="dt" sz="half" idx="10"/>
+          </p:nvPr>
+        </p:nvSpPr>
+        <p:spPr/>
+        <p:txBody>
+          <a:bodyPr/>
+          <a:lstStyle/>
+          <a:p>
+            <a:fld id="{EBCD5785-8A43-4CC4-A705-D4AA7E8DB57F}" type="datetimeFigureOut">
+              <a:rPr lang="sl-SI" noProof="0" smtClean="0">
+                <a:solidFill>
+                  <a:prstClr val="black">
+                    <a:tint val="75000"/>
+                  </a:prstClr>
+                </a:solidFill>
+              </a:rPr>
+              <a:pPr/>
+              <a:t>25. 05. 2017</a:t>
+            </a:fld>
+            <a:endParaRPr lang="sl-SI" noProof="0">
+              <a:solidFill>
+                <a:prstClr val="black">
+                  <a:tint val="75000"/>
+                </a:prstClr>
+              </a:solidFill>
+            </a:endParaRPr>
+          </a:p>
+        </p:txBody>
+      </p:sp>
+      <p:sp>
+        <p:nvSpPr>
+          <p:cNvPr id="3" name="Footer Placeholder 2"/>
+          <p:cNvSpPr>
+            <a:spLocks noGrp="1"/>
+          </p:cNvSpPr>
+          <p:nvPr>
+            <p:ph type="ftr" sz="quarter" idx="11"/>
+          </p:nvPr>
+        </p:nvSpPr>
+        <p:spPr/>
+        <p:txBody>
+          <a:bodyPr/>
+          <a:lstStyle/>
+          <a:p>
+            <a:endParaRPr lang="sl-SI" noProof="0">
+              <a:solidFill>
+                <a:prstClr val="black">
+                  <a:tint val="75000"/>
+                </a:prstClr>
+              </a:solidFill>
+            </a:endParaRPr>
+          </a:p>
+        </p:txBody>
+      </p:sp>
+      <p:sp>
+        <p:nvSpPr>
+          <p:cNvPr id="4" name="Slide Number Placeholder 3"/>
+          <p:cNvSpPr>
+            <a:spLocks noGrp="1"/>
+          </p:cNvSpPr>
+          <p:nvPr>
+            <p:ph type="sldNum" sz="quarter" idx="12"/>
+          </p:nvPr>
+        </p:nvSpPr>
+        <p:spPr/>
+        <p:txBody>
+          <a:bodyPr/>
+          <a:lstStyle/>
+          <a:p>
+            <a:fld id="{FF75B4CE-5129-41CA-A75E-F2AE589D1F47}" type="slidenum">
+              <a:rPr lang="sl-SI" noProof="0" smtClean="0">
+                <a:solidFill>
+                  <a:prstClr val="black">
+                    <a:tint val="75000"/>
+                  </a:prstClr>
+                </a:solidFill>
+              </a:rPr>
+              <a:pPr/>
+              <a:t>‹#›</a:t>
+            </a:fld>
+            <a:endParaRPr lang="sl-SI" noProof="0">
+              <a:solidFill>
+                <a:prstClr val="black">
+                  <a:tint val="75000"/>
+                </a:prstClr>
+              </a:solidFill>
+            </a:endParaRPr>
+          </a:p>
+        </p:txBody>
+      </p:sp>
+    </p:spTree>
+    <p:extLst>
+      <p:ext uri="{BB962C8B-B14F-4D97-AF65-F5344CB8AC3E}">
+        <p14:creationId xmlns:p14="http://schemas.microsoft.com/office/powerpoint/2010/main" val="187484389"/>
+      </p:ext>
+    </p:extLst>
+  </p:cSld>
+  <p:clrMapOvr>
+    <a:masterClrMapping/>
+  </p:clrMapOvr>
+</p:sldLayout>
+</file>
+
+<file path=ppt/slideLayouts/slideLayout8.xml><?xml version="1.0" encoding="utf-8"?>
+<p:sldLayout xmlns:a="http://schemas.openxmlformats.org/drawingml/2006/main" xmlns:r="http://schemas.openxmlformats.org/officeDocument/2006/relationships" xmlns:p="http://schemas.openxmlformats.org/presentationml/2006/main" type="objTx" preserve="1">
+  <p:cSld name="Vsebina z naslovom">
+    <p:spTree>
+      <p:nvGrpSpPr>
+        <p:cNvPr id="1" name=""/>
+        <p:cNvGrpSpPr/>
+        <p:nvPr/>
+      </p:nvGrpSpPr>
+      <p:grpSpPr>
+        <a:xfrm>
+          <a:off x="0" y="0"/>
+          <a:ext cx="0" cy="0"/>
+          <a:chOff x="0" y="0"/>
+          <a:chExt cx="0" cy="0"/>
+        </a:xfrm>
+      </p:grpSpPr>
+      <p:sp>
+        <p:nvSpPr>
+          <p:cNvPr id="2" name="Title 1"/>
+          <p:cNvSpPr>
+            <a:spLocks noGrp="1"/>
+          </p:cNvSpPr>
+          <p:nvPr>
+            <p:ph type="title"/>
+          </p:nvPr>
+        </p:nvSpPr>
+        <p:spPr>
+          <a:xfrm>
+            <a:off x="609599" y="1498604"/>
+            <a:ext cx="2790182" cy="1278466"/>
+          </a:xfrm>
+        </p:spPr>
+        <p:txBody>
+          <a:bodyPr anchor="b">
+            <a:normAutofit/>
+          </a:bodyPr>
+          <a:lstStyle>
+            <a:lvl1pPr>
+              <a:defRPr sz="2000"/>
+            </a:lvl1pPr>
+          </a:lstStyle>
+          <a:p>
+            <a:r>
+              <a:rPr lang="sl-SI"/>
+              <a:t>Uredite slog naslova matrice</a:t>
+            </a:r>
+            <a:endParaRPr lang="en-US" dirty="0"/>
+          </a:p>
+        </p:txBody>
+      </p:sp>
+      <p:sp>
+        <p:nvSpPr>
+          <p:cNvPr id="3" name="Content Placeholder 2"/>
+          <p:cNvSpPr>
+            <a:spLocks noGrp="1"/>
+          </p:cNvSpPr>
+          <p:nvPr>
+            <p:ph idx="1"/>
+          </p:nvPr>
+        </p:nvSpPr>
+        <p:spPr>
+          <a:xfrm>
+            <a:off x="3571275" y="514925"/>
+            <a:ext cx="3386037" cy="5526437"/>
+          </a:xfrm>
+        </p:spPr>
+        <p:txBody>
+          <a:bodyPr>
+            <a:normAutofit/>
+          </a:bodyPr>
+          <a:lstStyle/>
+          <a:p>
+            <a:pPr lvl="0"/>
+            <a:r>
+              <a:rPr lang="sl-SI"/>
+              <a:t>Uredite sloge besedila matrice</a:t>
+            </a:r>
+          </a:p>
+          <a:p>
+            <a:pPr lvl="1"/>
+            <a:r>
+              <a:rPr lang="sl-SI"/>
+              <a:t>Druga raven</a:t>
+            </a:r>
+          </a:p>
+          <a:p>
+            <a:pPr lvl="2"/>
+            <a:r>
+              <a:rPr lang="sl-SI"/>
+              <a:t>Tretja raven</a:t>
+            </a:r>
+          </a:p>
+          <a:p>
+            <a:pPr lvl="3"/>
+            <a:r>
+              <a:rPr lang="sl-SI"/>
+              <a:t>Četrta raven</a:t>
+            </a:r>
+          </a:p>
+          <a:p>
+            <a:pPr lvl="4"/>
+            <a:r>
+              <a:rPr lang="sl-SI"/>
+              <a:t>Peta raven</a:t>
+            </a:r>
+            <a:endParaRPr lang="en-US" dirty="0"/>
+          </a:p>
+        </p:txBody>
+      </p:sp>
+      <p:sp>
+        <p:nvSpPr>
+          <p:cNvPr id="4" name="Text Placeholder 3"/>
+          <p:cNvSpPr>
+            <a:spLocks noGrp="1"/>
+          </p:cNvSpPr>
+          <p:nvPr>
+            <p:ph type="body" sz="half" idx="2"/>
+          </p:nvPr>
+        </p:nvSpPr>
+        <p:spPr>
+          <a:xfrm>
+            <a:off x="609599" y="2777069"/>
+            <a:ext cx="2790182" cy="2584449"/>
+          </a:xfrm>
+        </p:spPr>
+        <p:txBody>
+          <a:bodyPr>
+            <a:normAutofit/>
+          </a:bodyPr>
+          <a:lstStyle>
+            <a:lvl1pPr marL="0" indent="0">
+              <a:buNone/>
+              <a:defRPr sz="1400"/>
+            </a:lvl1pPr>
+            <a:lvl2pPr marL="342900" indent="0">
+              <a:buNone/>
+              <a:defRPr sz="1050"/>
+            </a:lvl2pPr>
+            <a:lvl3pPr marL="685800" indent="0">
+              <a:buNone/>
+              <a:defRPr sz="900"/>
+            </a:lvl3pPr>
+            <a:lvl4pPr marL="1028700" indent="0">
+              <a:buNone/>
+              <a:defRPr sz="750"/>
+            </a:lvl4pPr>
+            <a:lvl5pPr marL="1371600" indent="0">
+              <a:buNone/>
+              <a:defRPr sz="750"/>
+            </a:lvl5pPr>
+            <a:lvl6pPr marL="1714500" indent="0">
+              <a:buNone/>
+              <a:defRPr sz="750"/>
+            </a:lvl6pPr>
+            <a:lvl7pPr marL="2057400" indent="0">
+              <a:buNone/>
+              <a:defRPr sz="750"/>
+            </a:lvl7pPr>
+            <a:lvl8pPr marL="2400300" indent="0">
+              <a:buNone/>
+              <a:defRPr sz="750"/>
+            </a:lvl8pPr>
+            <a:lvl9pPr marL="2743200" indent="0">
+              <a:buNone/>
+              <a:defRPr sz="750"/>
+            </a:lvl9pPr>
+          </a:lstStyle>
+          <a:p>
+            <a:pPr lvl="0"/>
+            <a:r>
+              <a:rPr lang="sl-SI"/>
+              <a:t>Uredite sloge besedila matrice</a:t>
+            </a:r>
+          </a:p>
+        </p:txBody>
+      </p:sp>
+      <p:sp>
+        <p:nvSpPr>
+          <p:cNvPr id="5" name="Date Placeholder 4"/>
+          <p:cNvSpPr>
+            <a:spLocks noGrp="1"/>
+          </p:cNvSpPr>
+          <p:nvPr>
+            <p:ph type="dt" sz="half" idx="10"/>
+          </p:nvPr>
+        </p:nvSpPr>
+        <p:spPr/>
+        <p:txBody>
+          <a:bodyPr/>
+          <a:lstStyle/>
+          <a:p>
+            <a:fld id="{EBCD5785-8A43-4CC4-A705-D4AA7E8DB57F}" type="datetimeFigureOut">
+              <a:rPr lang="sl-SI" noProof="0" smtClean="0">
+                <a:solidFill>
+                  <a:prstClr val="black">
+                    <a:tint val="75000"/>
+                  </a:prstClr>
+                </a:solidFill>
+              </a:rPr>
+              <a:pPr/>
+              <a:t>25. 05. 2017</a:t>
+            </a:fld>
+            <a:endParaRPr lang="sl-SI" noProof="0">
+              <a:solidFill>
+                <a:prstClr val="black">
+                  <a:tint val="75000"/>
+                </a:prstClr>
+              </a:solidFill>
+            </a:endParaRPr>
+          </a:p>
+        </p:txBody>
+      </p:sp>
+      <p:sp>
+        <p:nvSpPr>
+          <p:cNvPr id="6" name="Footer Placeholder 5"/>
+          <p:cNvSpPr>
+            <a:spLocks noGrp="1"/>
+          </p:cNvSpPr>
+          <p:nvPr>
+            <p:ph type="ftr" sz="quarter" idx="11"/>
+          </p:nvPr>
+        </p:nvSpPr>
+        <p:spPr/>
+        <p:txBody>
+          <a:bodyPr/>
+          <a:lstStyle/>
+          <a:p>
+            <a:endParaRPr lang="sl-SI" noProof="0">
+              <a:solidFill>
+                <a:prstClr val="black">
+                  <a:tint val="75000"/>
+                </a:prstClr>
+              </a:solidFill>
+            </a:endParaRPr>
+          </a:p>
+        </p:txBody>
+      </p:sp>
+      <p:sp>
+        <p:nvSpPr>
+          <p:cNvPr id="7" name="Slide Number Placeholder 6"/>
+          <p:cNvSpPr>
+            <a:spLocks noGrp="1"/>
+          </p:cNvSpPr>
+          <p:nvPr>
+            <p:ph type="sldNum" sz="quarter" idx="12"/>
+          </p:nvPr>
+        </p:nvSpPr>
+        <p:spPr/>
+        <p:txBody>
+          <a:bodyPr/>
+          <a:lstStyle/>
+          <a:p>
+            <a:fld id="{FF75B4CE-5129-41CA-A75E-F2AE589D1F47}" type="slidenum">
+              <a:rPr lang="sl-SI" noProof="0" smtClean="0">
+                <a:solidFill>
+                  <a:prstClr val="black">
+                    <a:tint val="75000"/>
+                  </a:prstClr>
+                </a:solidFill>
+              </a:rPr>
+              <a:pPr/>
+              <a:t>‹#›</a:t>
+            </a:fld>
+            <a:endParaRPr lang="sl-SI" noProof="0">
+              <a:solidFill>
+                <a:prstClr val="black">
+                  <a:tint val="75000"/>
+                </a:prstClr>
+              </a:solidFill>
+            </a:endParaRPr>
+          </a:p>
+        </p:txBody>
+      </p:sp>
+    </p:spTree>
+    <p:extLst>
+      <p:ext uri="{BB962C8B-B14F-4D97-AF65-F5344CB8AC3E}">
+        <p14:creationId xmlns:p14="http://schemas.microsoft.com/office/powerpoint/2010/main" val="1304762754"/>
+      </p:ext>
+    </p:extLst>
+  </p:cSld>
+  <p:clrMapOvr>
+    <a:masterClrMapping/>
+  </p:clrMapOvr>
+</p:sldLayout>
+</file>
+
+<file path=ppt/slideLayouts/slideLayout9.xml><?xml version="1.0" encoding="utf-8"?>
+<p:sldLayout xmlns:a="http://schemas.openxmlformats.org/drawingml/2006/main" xmlns:r="http://schemas.openxmlformats.org/officeDocument/2006/relationships" xmlns:p="http://schemas.openxmlformats.org/presentationml/2006/main" type="picTx" preserve="1">
+  <p:cSld name="Naslov in slika">
+    <p:spTree>
+      <p:nvGrpSpPr>
+        <p:cNvPr id="1" name=""/>
+        <p:cNvGrpSpPr/>
+        <p:nvPr/>
+      </p:nvGrpSpPr>
+      <p:grpSpPr>
+        <a:xfrm>
+          <a:off x="0" y="0"/>
+          <a:ext cx="0" cy="0"/>
+          <a:chOff x="0" y="0"/>
+          <a:chExt cx="0" cy="0"/>
+        </a:xfrm>
+      </p:grpSpPr>
+      <p:sp>
+        <p:nvSpPr>
+          <p:cNvPr id="2" name="Title 1"/>
+          <p:cNvSpPr>
+            <a:spLocks noGrp="1"/>
+          </p:cNvSpPr>
+          <p:nvPr>
+            <p:ph type="title"/>
+          </p:nvPr>
+        </p:nvSpPr>
+        <p:spPr>
+          <a:xfrm>
+            <a:off x="609599" y="4800600"/>
+            <a:ext cx="6347714" cy="566738"/>
+          </a:xfrm>
+        </p:spPr>
+        <p:txBody>
+          <a:bodyPr anchor="b">
+            <a:normAutofit/>
+          </a:bodyPr>
+          <a:lstStyle>
+            <a:lvl1pPr algn="l">
+              <a:defRPr sz="2400" b="0"/>
+            </a:lvl1pPr>
+          </a:lstStyle>
+          <a:p>
+            <a:r>
+              <a:rPr lang="sl-SI"/>
+              <a:t>Uredite slog naslova matrice</a:t>
+            </a:r>
+            <a:endParaRPr lang="en-US" dirty="0"/>
+          </a:p>
+        </p:txBody>
+      </p:sp>
+      <p:sp>
+        <p:nvSpPr>
+          <p:cNvPr id="3" name="Picture Placeholder 2"/>
+          <p:cNvSpPr>
+            <a:spLocks noGrp="1" noChangeAspect="1"/>
+          </p:cNvSpPr>
+          <p:nvPr>
+            <p:ph type="pic" idx="1"/>
+          </p:nvPr>
+        </p:nvSpPr>
+        <p:spPr>
+          <a:xfrm>
+            <a:off x="609599" y="609600"/>
+            <a:ext cx="6347714" cy="3845718"/>
+          </a:xfrm>
+        </p:spPr>
+        <p:txBody>
+          <a:bodyPr anchor="t">
+            <a:normAutofit/>
+          </a:bodyPr>
+          <a:lstStyle>
+            <a:lvl1pPr marL="0" indent="0" algn="ctr">
+              <a:buNone/>
+              <a:defRPr sz="1600"/>
+            </a:lvl1pPr>
+            <a:lvl2pPr marL="457200" indent="0">
+              <a:buNone/>
+              <a:defRPr sz="1600"/>
+            </a:lvl2pPr>
+            <a:lvl3pPr marL="914400" indent="0">
+              <a:buNone/>
+              <a:defRPr sz="1600"/>
+            </a:lvl3pPr>
+            <a:lvl4pPr marL="1371600" indent="0">
+              <a:buNone/>
+              <a:defRPr sz="1600"/>
+            </a:lvl4pPr>
+            <a:lvl5pPr marL="1828800" indent="0">
+              <a:buNone/>
+              <a:defRPr sz="1600"/>
+            </a:lvl5pPr>
+            <a:lvl6pPr marL="2286000" indent="0">
+              <a:buNone/>
+              <a:defRPr sz="1600"/>
+            </a:lvl6pPr>
+            <a:lvl7pPr marL="2743200" indent="0">
+              <a:buNone/>
+              <a:defRPr sz="1600"/>
+            </a:lvl7pPr>
+            <a:lvl8pPr marL="3200400" indent="0">
+              <a:buNone/>
+              <a:defRPr sz="1600"/>
+            </a:lvl8pPr>
+            <a:lvl9pPr marL="3657600" indent="0">
+              <a:buNone/>
+              <a:defRPr sz="1600"/>
+            </a:lvl9pPr>
+          </a:lstStyle>
+          <a:p>
+            <a:r>
+              <a:rPr lang="sl-SI"/>
+              <a:t>Kliknite ikono, če želite dodati sliko</a:t>
+            </a:r>
+            <a:endParaRPr lang="en-US" dirty="0"/>
+          </a:p>
+        </p:txBody>
+      </p:sp>
+      <p:sp>
+        <p:nvSpPr>
+          <p:cNvPr id="4" name="Text Placeholder 3"/>
+          <p:cNvSpPr>
+            <a:spLocks noGrp="1"/>
+          </p:cNvSpPr>
+          <p:nvPr>
+            <p:ph type="body" sz="half" idx="2"/>
+          </p:nvPr>
+        </p:nvSpPr>
+        <p:spPr>
+          <a:xfrm>
+            <a:off x="609599" y="5367338"/>
+            <a:ext cx="6347714" cy="674024"/>
+          </a:xfrm>
+        </p:spPr>
+        <p:txBody>
+          <a:bodyPr>
+            <a:normAutofit/>
+          </a:bodyPr>
+          <a:lstStyle>
+            <a:lvl1pPr marL="0" indent="0">
+              <a:buNone/>
+              <a:defRPr sz="1200"/>
+            </a:lvl1pPr>
+            <a:lvl2pPr marL="457200" indent="0">
+              <a:buNone/>
+              <a:defRPr sz="1200"/>
+            </a:lvl2pPr>
+            <a:lvl3pPr marL="914400" indent="0">
+              <a:buNone/>
+              <a:defRPr sz="1000"/>
+            </a:lvl3pPr>
+            <a:lvl4pPr marL="1371600" indent="0">
+              <a:buNone/>
+              <a:defRPr sz="900"/>
+            </a:lvl4pPr>
+            <a:lvl5pPr marL="1828800" indent="0">
+              <a:buNone/>
+              <a:defRPr sz="900"/>
+            </a:lvl5pPr>
+            <a:lvl6pPr marL="2286000" indent="0">
+              <a:buNone/>
+              <a:defRPr sz="900"/>
+            </a:lvl6pPr>
+            <a:lvl7pPr marL="2743200" indent="0">
+              <a:buNone/>
+              <a:defRPr sz="900"/>
+            </a:lvl7pPr>
+            <a:lvl8pPr marL="3200400" indent="0">
+              <a:buNone/>
+              <a:defRPr sz="900"/>
+            </a:lvl8pPr>
+            <a:lvl9pPr marL="3657600" indent="0">
+              <a:buNone/>
+              <a:defRPr sz="900"/>
+            </a:lvl9pPr>
+          </a:lstStyle>
+          <a:p>
+            <a:pPr lvl="0"/>
+            <a:r>
+              <a:rPr lang="sl-SI"/>
+              <a:t>Uredite sloge besedila matrice</a:t>
+            </a:r>
+          </a:p>
+        </p:txBody>
+      </p:sp>
+      <p:sp>
+        <p:nvSpPr>
+          <p:cNvPr id="5" name="Date Placeholder 4"/>
+          <p:cNvSpPr>
+            <a:spLocks noGrp="1"/>
+          </p:cNvSpPr>
+          <p:nvPr>
+            <p:ph type="dt" sz="half" idx="10"/>
+          </p:nvPr>
+        </p:nvSpPr>
+        <p:spPr/>
+        <p:txBody>
+          <a:bodyPr/>
+          <a:lstStyle/>
+          <a:p>
+            <a:fld id="{EBCD5785-8A43-4CC4-A705-D4AA7E8DB57F}" type="datetimeFigureOut">
+              <a:rPr lang="sl-SI" noProof="0" smtClean="0">
+                <a:solidFill>
+                  <a:prstClr val="black">
+                    <a:tint val="75000"/>
+                  </a:prstClr>
+                </a:solidFill>
+              </a:rPr>
+              <a:pPr/>
+              <a:t>25. 05. 2017</a:t>
+            </a:fld>
+            <a:endParaRPr lang="sl-SI" noProof="0">
+              <a:solidFill>
+                <a:prstClr val="black">
+                  <a:tint val="75000"/>
+                </a:prstClr>
+              </a:solidFill>
+            </a:endParaRPr>
+          </a:p>
+        </p:txBody>
+      </p:sp>
+      <p:sp>
+        <p:nvSpPr>
+          <p:cNvPr id="6" name="Footer Placeholder 5"/>
+          <p:cNvSpPr>
+            <a:spLocks noGrp="1"/>
+          </p:cNvSpPr>
+          <p:nvPr>
+            <p:ph type="ftr" sz="quarter" idx="11"/>
+          </p:nvPr>
+        </p:nvSpPr>
+        <p:spPr/>
+        <p:txBody>
+          <a:bodyPr/>
+          <a:lstStyle/>
+          <a:p>
+            <a:endParaRPr lang="sl-SI" noProof="0">
+              <a:solidFill>
+                <a:prstClr val="black">
+                  <a:tint val="75000"/>
+                </a:prstClr>
+              </a:solidFill>
+            </a:endParaRPr>
+          </a:p>
+        </p:txBody>
+      </p:sp>
+      <p:sp>
+        <p:nvSpPr>
+          <p:cNvPr id="7" name="Slide Number Placeholder 6"/>
+          <p:cNvSpPr>
+            <a:spLocks noGrp="1"/>
+          </p:cNvSpPr>
+          <p:nvPr>
+            <p:ph type="sldNum" sz="quarter" idx="12"/>
+          </p:nvPr>
+        </p:nvSpPr>
+        <p:spPr/>
+        <p:txBody>
+          <a:bodyPr/>
+          <a:lstStyle/>
+          <a:p>
+            <a:fld id="{FF75B4CE-5129-41CA-A75E-F2AE589D1F47}" type="slidenum">
+              <a:rPr lang="sl-SI" noProof="0" smtClean="0">
+                <a:solidFill>
+                  <a:prstClr val="black">
+                    <a:tint val="75000"/>
+                  </a:prstClr>
+                </a:solidFill>
+              </a:rPr>
+              <a:pPr/>
+              <a:t>‹#›</a:t>
+            </a:fld>
+            <a:endParaRPr lang="sl-SI" noProof="0">
+              <a:solidFill>
+                <a:prstClr val="black">
+                  <a:tint val="75000"/>
+                </a:prstClr>
+              </a:solidFill>
+            </a:endParaRPr>
+          </a:p>
+        </p:txBody>
+      </p:sp>
+    </p:spTree>
+    <p:extLst>
+      <p:ext uri="{BB962C8B-B14F-4D97-AF65-F5344CB8AC3E}">
+        <p14:creationId xmlns:p14="http://schemas.microsoft.com/office/powerpoint/2010/main" val="1468885201"/>
       </p:ext>
     </p:extLst>
   </p:cSld>
@@ -1306,26 +6465,9 @@
 <p:sldMaster xmlns:a="http://schemas.openxmlformats.org/drawingml/2006/main" xmlns:r="http://schemas.openxmlformats.org/officeDocument/2006/relationships" xmlns:p="http://schemas.openxmlformats.org/presentationml/2006/main">
   <p:cSld>
     <p:bg>
-      <p:bgPr>
-        <a:gradFill flip="none" rotWithShape="1">
-          <a:gsLst>
-            <a:gs pos="33000">
-              <a:schemeClr val="bg1"/>
-            </a:gs>
-            <a:gs pos="67000">
-              <a:srgbClr val="E4E9EC"/>
-            </a:gs>
-            <a:gs pos="100000">
-              <a:srgbClr val="B2BAD2"/>
-            </a:gs>
-          </a:gsLst>
-          <a:path path="circle">
-            <a:fillToRect l="50000" t="50000" r="50000" b="50000"/>
-          </a:path>
-          <a:tileRect/>
-        </a:gradFill>
-        <a:effectLst/>
-      </p:bgPr>
+      <p:bgRef idx="1001">
+        <a:schemeClr val="bg1"/>
+      </p:bgRef>
     </p:bg>
     <p:spTree>
       <p:nvGrpSpPr>
@@ -1341,6 +6483,607 @@
           <a:chExt cx="0" cy="0"/>
         </a:xfrm>
       </p:grpSpPr>
+      <p:grpSp>
+        <p:nvGrpSpPr>
+          <p:cNvPr id="17" name="Group 16"/>
+          <p:cNvGrpSpPr/>
+          <p:nvPr/>
+        </p:nvGrpSpPr>
+        <p:grpSpPr>
+          <a:xfrm>
+            <a:off x="-8467" y="-8468"/>
+            <a:ext cx="9169805" cy="6874935"/>
+            <a:chOff x="-8467" y="-8468"/>
+            <a:chExt cx="9169805" cy="6874935"/>
+          </a:xfrm>
+        </p:grpSpPr>
+        <p:sp>
+          <p:nvSpPr>
+            <p:cNvPr id="7" name="Freeform 6"/>
+            <p:cNvSpPr/>
+            <p:nvPr/>
+          </p:nvSpPr>
+          <p:spPr>
+            <a:xfrm>
+              <a:off x="-8467" y="4013200"/>
+              <a:ext cx="457200" cy="2853267"/>
+            </a:xfrm>
+            <a:custGeom>
+              <a:avLst/>
+              <a:gdLst/>
+              <a:ahLst/>
+              <a:cxnLst/>
+              <a:rect l="l" t="t" r="r" b="b"/>
+              <a:pathLst>
+                <a:path w="457200" h="2853267">
+                  <a:moveTo>
+                    <a:pt x="0" y="0"/>
+                  </a:moveTo>
+                  <a:lnTo>
+                    <a:pt x="457200" y="2853267"/>
+                  </a:lnTo>
+                  <a:lnTo>
+                    <a:pt x="0" y="2844800"/>
+                  </a:lnTo>
+                  <a:cubicBezTo>
+                    <a:pt x="2822" y="1905000"/>
+                    <a:pt x="5645" y="965200"/>
+                    <a:pt x="0" y="0"/>
+                  </a:cubicBezTo>
+                  <a:close/>
+                </a:path>
+              </a:pathLst>
+            </a:custGeom>
+            <a:solidFill>
+              <a:schemeClr val="accent1">
+                <a:alpha val="85000"/>
+              </a:schemeClr>
+            </a:solidFill>
+            <a:ln>
+              <a:noFill/>
+            </a:ln>
+            <a:effectLst/>
+          </p:spPr>
+          <p:style>
+            <a:lnRef idx="1">
+              <a:schemeClr val="accent1"/>
+            </a:lnRef>
+            <a:fillRef idx="3">
+              <a:schemeClr val="accent1"/>
+            </a:fillRef>
+            <a:effectRef idx="2">
+              <a:schemeClr val="accent1"/>
+            </a:effectRef>
+            <a:fontRef idx="minor">
+              <a:schemeClr val="lt1"/>
+            </a:fontRef>
+          </p:style>
+        </p:sp>
+        <p:cxnSp>
+          <p:nvCxnSpPr>
+            <p:cNvPr id="8" name="Straight Connector 7"/>
+            <p:cNvCxnSpPr/>
+            <p:nvPr/>
+          </p:nvCxnSpPr>
+          <p:spPr>
+            <a:xfrm flipV="1">
+              <a:off x="5130830" y="4175605"/>
+              <a:ext cx="4022475" cy="2682396"/>
+            </a:xfrm>
+            <a:prstGeom prst="line">
+              <a:avLst/>
+            </a:prstGeom>
+            <a:ln w="9525">
+              <a:solidFill>
+                <a:schemeClr val="bg1">
+                  <a:lumMod val="85000"/>
+                </a:schemeClr>
+              </a:solidFill>
+            </a:ln>
+          </p:spPr>
+          <p:style>
+            <a:lnRef idx="2">
+              <a:schemeClr val="accent1"/>
+            </a:lnRef>
+            <a:fillRef idx="0">
+              <a:schemeClr val="accent1"/>
+            </a:fillRef>
+            <a:effectRef idx="1">
+              <a:schemeClr val="accent1"/>
+            </a:effectRef>
+            <a:fontRef idx="minor">
+              <a:schemeClr val="tx1"/>
+            </a:fontRef>
+          </p:style>
+        </p:cxnSp>
+        <p:cxnSp>
+          <p:nvCxnSpPr>
+            <p:cNvPr id="9" name="Straight Connector 8"/>
+            <p:cNvCxnSpPr/>
+            <p:nvPr/>
+          </p:nvCxnSpPr>
+          <p:spPr>
+            <a:xfrm>
+              <a:off x="7042707" y="0"/>
+              <a:ext cx="1219200" cy="6858000"/>
+            </a:xfrm>
+            <a:prstGeom prst="line">
+              <a:avLst/>
+            </a:prstGeom>
+            <a:ln w="9525">
+              <a:solidFill>
+                <a:schemeClr val="bg1">
+                  <a:lumMod val="75000"/>
+                </a:schemeClr>
+              </a:solidFill>
+            </a:ln>
+          </p:spPr>
+          <p:style>
+            <a:lnRef idx="2">
+              <a:schemeClr val="accent1"/>
+            </a:lnRef>
+            <a:fillRef idx="0">
+              <a:schemeClr val="accent1"/>
+            </a:fillRef>
+            <a:effectRef idx="1">
+              <a:schemeClr val="accent1"/>
+            </a:effectRef>
+            <a:fontRef idx="minor">
+              <a:schemeClr val="tx1"/>
+            </a:fontRef>
+          </p:style>
+        </p:cxnSp>
+        <p:sp>
+          <p:nvSpPr>
+            <p:cNvPr id="10" name="Freeform 9"/>
+            <p:cNvSpPr/>
+            <p:nvPr/>
+          </p:nvSpPr>
+          <p:spPr>
+            <a:xfrm>
+              <a:off x="6891896" y="1"/>
+              <a:ext cx="2269442" cy="6866466"/>
+            </a:xfrm>
+            <a:custGeom>
+              <a:avLst/>
+              <a:gdLst/>
+              <a:ahLst/>
+              <a:cxnLst/>
+              <a:rect l="l" t="t" r="r" b="b"/>
+              <a:pathLst>
+                <a:path w="2269442" h="6866466">
+                  <a:moveTo>
+                    <a:pt x="2023534" y="0"/>
+                  </a:moveTo>
+                  <a:lnTo>
+                    <a:pt x="0" y="6858000"/>
+                  </a:lnTo>
+                  <a:lnTo>
+                    <a:pt x="2269067" y="6866466"/>
+                  </a:lnTo>
+                  <a:cubicBezTo>
+                    <a:pt x="2271889" y="4580466"/>
+                    <a:pt x="2257778" y="2294466"/>
+                    <a:pt x="2260600" y="8466"/>
+                  </a:cubicBezTo>
+                  <a:lnTo>
+                    <a:pt x="2023534" y="0"/>
+                  </a:lnTo>
+                  <a:close/>
+                </a:path>
+              </a:pathLst>
+            </a:custGeom>
+            <a:solidFill>
+              <a:schemeClr val="accent1">
+                <a:alpha val="30000"/>
+              </a:schemeClr>
+            </a:solidFill>
+            <a:ln>
+              <a:noFill/>
+            </a:ln>
+            <a:effectLst/>
+          </p:spPr>
+          <p:style>
+            <a:lnRef idx="1">
+              <a:schemeClr val="accent1"/>
+            </a:lnRef>
+            <a:fillRef idx="3">
+              <a:schemeClr val="accent1"/>
+            </a:fillRef>
+            <a:effectRef idx="2">
+              <a:schemeClr val="accent1"/>
+            </a:effectRef>
+            <a:fontRef idx="minor">
+              <a:schemeClr val="lt1"/>
+            </a:fontRef>
+          </p:style>
+        </p:sp>
+        <p:sp>
+          <p:nvSpPr>
+            <p:cNvPr id="11" name="Freeform 10"/>
+            <p:cNvSpPr/>
+            <p:nvPr/>
+          </p:nvSpPr>
+          <p:spPr>
+            <a:xfrm>
+              <a:off x="7205158" y="-8467"/>
+              <a:ext cx="1948147" cy="6866467"/>
+            </a:xfrm>
+            <a:custGeom>
+              <a:avLst/>
+              <a:gdLst/>
+              <a:ahLst/>
+              <a:cxnLst/>
+              <a:rect l="l" t="t" r="r" b="b"/>
+              <a:pathLst>
+                <a:path w="1948147" h="6866467">
+                  <a:moveTo>
+                    <a:pt x="0" y="0"/>
+                  </a:moveTo>
+                  <a:lnTo>
+                    <a:pt x="1202267" y="6866467"/>
+                  </a:lnTo>
+                  <a:lnTo>
+                    <a:pt x="1947333" y="6866467"/>
+                  </a:lnTo>
+                  <a:cubicBezTo>
+                    <a:pt x="1944511" y="4577645"/>
+                    <a:pt x="1950155" y="2288822"/>
+                    <a:pt x="1947333" y="0"/>
+                  </a:cubicBezTo>
+                  <a:lnTo>
+                    <a:pt x="0" y="0"/>
+                  </a:lnTo>
+                  <a:close/>
+                </a:path>
+              </a:pathLst>
+            </a:custGeom>
+            <a:solidFill>
+              <a:schemeClr val="accent1">
+                <a:alpha val="20000"/>
+              </a:schemeClr>
+            </a:solidFill>
+            <a:ln>
+              <a:noFill/>
+            </a:ln>
+            <a:effectLst/>
+          </p:spPr>
+          <p:style>
+            <a:lnRef idx="1">
+              <a:schemeClr val="accent1"/>
+            </a:lnRef>
+            <a:fillRef idx="3">
+              <a:schemeClr val="accent1"/>
+            </a:fillRef>
+            <a:effectRef idx="2">
+              <a:schemeClr val="accent1"/>
+            </a:effectRef>
+            <a:fontRef idx="minor">
+              <a:schemeClr val="lt1"/>
+            </a:fontRef>
+          </p:style>
+        </p:sp>
+        <p:sp>
+          <p:nvSpPr>
+            <p:cNvPr id="12" name="Freeform 11"/>
+            <p:cNvSpPr/>
+            <p:nvPr/>
+          </p:nvSpPr>
+          <p:spPr>
+            <a:xfrm>
+              <a:off x="6637896" y="3920066"/>
+              <a:ext cx="2513565" cy="2937933"/>
+            </a:xfrm>
+            <a:custGeom>
+              <a:avLst/>
+              <a:gdLst/>
+              <a:ahLst/>
+              <a:cxnLst/>
+              <a:rect l="l" t="t" r="r" b="b"/>
+              <a:pathLst>
+                <a:path w="3259667" h="3810000">
+                  <a:moveTo>
+                    <a:pt x="0" y="3810000"/>
+                  </a:moveTo>
+                  <a:lnTo>
+                    <a:pt x="3251200" y="0"/>
+                  </a:lnTo>
+                  <a:cubicBezTo>
+                    <a:pt x="3254022" y="1270000"/>
+                    <a:pt x="3256845" y="2540000"/>
+                    <a:pt x="3259667" y="3810000"/>
+                  </a:cubicBezTo>
+                  <a:lnTo>
+                    <a:pt x="0" y="3810000"/>
+                  </a:lnTo>
+                  <a:close/>
+                </a:path>
+              </a:pathLst>
+            </a:custGeom>
+            <a:solidFill>
+              <a:schemeClr val="accent2">
+                <a:alpha val="72000"/>
+              </a:schemeClr>
+            </a:solidFill>
+            <a:ln>
+              <a:noFill/>
+            </a:ln>
+            <a:effectLst/>
+          </p:spPr>
+          <p:style>
+            <a:lnRef idx="1">
+              <a:schemeClr val="accent1"/>
+            </a:lnRef>
+            <a:fillRef idx="3">
+              <a:schemeClr val="accent1"/>
+            </a:fillRef>
+            <a:effectRef idx="2">
+              <a:schemeClr val="accent1"/>
+            </a:effectRef>
+            <a:fontRef idx="minor">
+              <a:schemeClr val="lt1"/>
+            </a:fontRef>
+          </p:style>
+        </p:sp>
+        <p:sp>
+          <p:nvSpPr>
+            <p:cNvPr id="13" name="Freeform 12"/>
+            <p:cNvSpPr/>
+            <p:nvPr/>
+          </p:nvSpPr>
+          <p:spPr>
+            <a:xfrm>
+              <a:off x="7010429" y="-8467"/>
+              <a:ext cx="2142876" cy="6866467"/>
+            </a:xfrm>
+            <a:custGeom>
+              <a:avLst/>
+              <a:gdLst/>
+              <a:ahLst/>
+              <a:cxnLst/>
+              <a:rect l="l" t="t" r="r" b="b"/>
+              <a:pathLst>
+                <a:path w="2853267" h="6866467">
+                  <a:moveTo>
+                    <a:pt x="0" y="0"/>
+                  </a:moveTo>
+                  <a:lnTo>
+                    <a:pt x="2472267" y="6866467"/>
+                  </a:lnTo>
+                  <a:lnTo>
+                    <a:pt x="2853267" y="6858000"/>
+                  </a:lnTo>
+                  <a:lnTo>
+                    <a:pt x="2853267" y="0"/>
+                  </a:lnTo>
+                  <a:lnTo>
+                    <a:pt x="0" y="0"/>
+                  </a:lnTo>
+                  <a:close/>
+                </a:path>
+              </a:pathLst>
+            </a:custGeom>
+            <a:solidFill>
+              <a:schemeClr val="accent2">
+                <a:lumMod val="75000"/>
+                <a:alpha val="70000"/>
+              </a:schemeClr>
+            </a:solidFill>
+            <a:ln>
+              <a:noFill/>
+            </a:ln>
+            <a:effectLst/>
+          </p:spPr>
+          <p:style>
+            <a:lnRef idx="1">
+              <a:schemeClr val="accent1"/>
+            </a:lnRef>
+            <a:fillRef idx="3">
+              <a:schemeClr val="accent1"/>
+            </a:fillRef>
+            <a:effectRef idx="2">
+              <a:schemeClr val="accent1"/>
+            </a:effectRef>
+            <a:fontRef idx="minor">
+              <a:schemeClr val="lt1"/>
+            </a:fontRef>
+          </p:style>
+        </p:sp>
+        <p:sp>
+          <p:nvSpPr>
+            <p:cNvPr id="14" name="Freeform 13"/>
+            <p:cNvSpPr/>
+            <p:nvPr/>
+          </p:nvSpPr>
+          <p:spPr>
+            <a:xfrm>
+              <a:off x="8295776" y="-8467"/>
+              <a:ext cx="857530" cy="6866467"/>
+            </a:xfrm>
+            <a:custGeom>
+              <a:avLst/>
+              <a:gdLst/>
+              <a:ahLst/>
+              <a:cxnLst/>
+              <a:rect l="l" t="t" r="r" b="b"/>
+              <a:pathLst>
+                <a:path w="1286933" h="6866467">
+                  <a:moveTo>
+                    <a:pt x="1016000" y="0"/>
+                  </a:moveTo>
+                  <a:lnTo>
+                    <a:pt x="0" y="6866467"/>
+                  </a:lnTo>
+                  <a:lnTo>
+                    <a:pt x="1286933" y="6866467"/>
+                  </a:lnTo>
+                  <a:cubicBezTo>
+                    <a:pt x="1284111" y="4577645"/>
+                    <a:pt x="1281288" y="2288822"/>
+                    <a:pt x="1278466" y="0"/>
+                  </a:cubicBezTo>
+                  <a:lnTo>
+                    <a:pt x="1016000" y="0"/>
+                  </a:lnTo>
+                  <a:close/>
+                </a:path>
+              </a:pathLst>
+            </a:custGeom>
+            <a:solidFill>
+              <a:schemeClr val="accent1">
+                <a:lumMod val="60000"/>
+                <a:lumOff val="40000"/>
+                <a:alpha val="70000"/>
+              </a:schemeClr>
+            </a:solidFill>
+            <a:ln>
+              <a:noFill/>
+            </a:ln>
+            <a:effectLst/>
+          </p:spPr>
+          <p:style>
+            <a:lnRef idx="1">
+              <a:schemeClr val="accent1"/>
+            </a:lnRef>
+            <a:fillRef idx="3">
+              <a:schemeClr val="accent1"/>
+            </a:fillRef>
+            <a:effectRef idx="2">
+              <a:schemeClr val="accent1"/>
+            </a:effectRef>
+            <a:fontRef idx="minor">
+              <a:schemeClr val="lt1"/>
+            </a:fontRef>
+          </p:style>
+        </p:sp>
+        <p:sp>
+          <p:nvSpPr>
+            <p:cNvPr id="15" name="Freeform 14"/>
+            <p:cNvSpPr/>
+            <p:nvPr/>
+          </p:nvSpPr>
+          <p:spPr>
+            <a:xfrm>
+              <a:off x="8077231" y="-8468"/>
+              <a:ext cx="1066770" cy="6866467"/>
+            </a:xfrm>
+            <a:custGeom>
+              <a:avLst/>
+              <a:gdLst/>
+              <a:ahLst/>
+              <a:cxnLst/>
+              <a:rect l="l" t="t" r="r" b="b"/>
+              <a:pathLst>
+                <a:path w="1270244" h="6866467">
+                  <a:moveTo>
+                    <a:pt x="0" y="0"/>
+                  </a:moveTo>
+                  <a:lnTo>
+                    <a:pt x="1117600" y="6866467"/>
+                  </a:lnTo>
+                  <a:lnTo>
+                    <a:pt x="1270000" y="6866467"/>
+                  </a:lnTo>
+                  <a:cubicBezTo>
+                    <a:pt x="1272822" y="4574822"/>
+                    <a:pt x="1250245" y="2291645"/>
+                    <a:pt x="1253067" y="0"/>
+                  </a:cubicBezTo>
+                  <a:lnTo>
+                    <a:pt x="0" y="0"/>
+                  </a:lnTo>
+                  <a:close/>
+                </a:path>
+              </a:pathLst>
+            </a:custGeom>
+            <a:solidFill>
+              <a:schemeClr val="accent1">
+                <a:alpha val="65000"/>
+              </a:schemeClr>
+            </a:solidFill>
+            <a:ln>
+              <a:noFill/>
+            </a:ln>
+            <a:effectLst/>
+          </p:spPr>
+          <p:style>
+            <a:lnRef idx="1">
+              <a:schemeClr val="accent1"/>
+            </a:lnRef>
+            <a:fillRef idx="3">
+              <a:schemeClr val="accent1"/>
+            </a:fillRef>
+            <a:effectRef idx="2">
+              <a:schemeClr val="accent1"/>
+            </a:effectRef>
+            <a:fontRef idx="minor">
+              <a:schemeClr val="lt1"/>
+            </a:fontRef>
+          </p:style>
+        </p:sp>
+        <p:sp>
+          <p:nvSpPr>
+            <p:cNvPr id="16" name="Freeform 15"/>
+            <p:cNvSpPr/>
+            <p:nvPr/>
+          </p:nvSpPr>
+          <p:spPr>
+            <a:xfrm>
+              <a:off x="8060297" y="4893733"/>
+              <a:ext cx="1094086" cy="1964267"/>
+            </a:xfrm>
+            <a:custGeom>
+              <a:avLst/>
+              <a:gdLst/>
+              <a:ahLst/>
+              <a:cxnLst/>
+              <a:rect l="l" t="t" r="r" b="b"/>
+              <a:pathLst>
+                <a:path w="1820333" h="3268133">
+                  <a:moveTo>
+                    <a:pt x="0" y="3268133"/>
+                  </a:moveTo>
+                  <a:lnTo>
+                    <a:pt x="1811866" y="0"/>
+                  </a:lnTo>
+                  <a:cubicBezTo>
+                    <a:pt x="1814688" y="1086555"/>
+                    <a:pt x="1817511" y="2173111"/>
+                    <a:pt x="1820333" y="3259666"/>
+                  </a:cubicBezTo>
+                  <a:lnTo>
+                    <a:pt x="0" y="3268133"/>
+                  </a:lnTo>
+                  <a:close/>
+                </a:path>
+              </a:pathLst>
+            </a:custGeom>
+            <a:solidFill>
+              <a:schemeClr val="accent1">
+                <a:alpha val="80000"/>
+              </a:schemeClr>
+            </a:solidFill>
+            <a:ln>
+              <a:noFill/>
+            </a:ln>
+            <a:effectLst/>
+          </p:spPr>
+          <p:style>
+            <a:lnRef idx="1">
+              <a:schemeClr val="accent1"/>
+            </a:lnRef>
+            <a:fillRef idx="3">
+              <a:schemeClr val="accent1"/>
+            </a:fillRef>
+            <a:effectRef idx="2">
+              <a:schemeClr val="accent1"/>
+            </a:effectRef>
+            <a:fontRef idx="minor">
+              <a:schemeClr val="lt1"/>
+            </a:fontRef>
+          </p:style>
+        </p:sp>
+      </p:grpSp>
       <p:sp>
         <p:nvSpPr>
           <p:cNvPr id="2" name="Title Placeholder 1"/>
@@ -1353,23 +7096,24 @@
         </p:nvSpPr>
         <p:spPr>
           <a:xfrm>
-            <a:off x="457200" y="274638"/>
-            <a:ext cx="8229600" cy="1143000"/>
+            <a:off x="609599" y="609600"/>
+            <a:ext cx="6347713" cy="1320800"/>
           </a:xfrm>
           <a:prstGeom prst="rect">
             <a:avLst/>
           </a:prstGeom>
         </p:spPr>
         <p:txBody>
-          <a:bodyPr vert="horz" lIns="91440" tIns="45720" rIns="91440" bIns="45720" rtlCol="0" anchor="ctr">
+          <a:bodyPr vert="horz" lIns="91440" tIns="45720" rIns="91440" bIns="45720" rtlCol="0" anchor="t">
             <a:normAutofit/>
           </a:bodyPr>
           <a:lstStyle/>
           <a:p>
             <a:r>
-              <a:rPr lang="sl-SI" noProof="0"/>
-              <a:t>Click to edit Master title style</a:t>
-            </a:r>
+              <a:rPr lang="sl-SI"/>
+              <a:t>Uredite slog naslova matrice</a:t>
+            </a:r>
+            <a:endParaRPr lang="en-US" dirty="0"/>
           </a:p>
         </p:txBody>
       </p:sp>
@@ -1385,8 +7129,8 @@
         </p:nvSpPr>
         <p:spPr>
           <a:xfrm>
-            <a:off x="457200" y="1600200"/>
-            <a:ext cx="8229600" cy="4525963"/>
+            <a:off x="609599" y="2160590"/>
+            <a:ext cx="6347714" cy="3880773"/>
           </a:xfrm>
           <a:prstGeom prst="rect">
             <a:avLst/>
@@ -1400,37 +7144,38 @@
           <a:p>
             <a:pPr lvl="0"/>
             <a:r>
-              <a:rPr lang="sl-SI" noProof="0"/>
-              <a:t>Click to edit Master text styles</a:t>
+              <a:rPr lang="sl-SI"/>
+              <a:t>Uredite sloge besedila matrice</a:t>
             </a:r>
           </a:p>
           <a:p>
             <a:pPr lvl="1"/>
             <a:r>
-              <a:rPr lang="sl-SI" noProof="0"/>
-              <a:t>Second level</a:t>
+              <a:rPr lang="sl-SI"/>
+              <a:t>Druga raven</a:t>
             </a:r>
           </a:p>
           <a:p>
             <a:pPr lvl="2"/>
             <a:r>
-              <a:rPr lang="sl-SI" noProof="0"/>
-              <a:t>Third level</a:t>
+              <a:rPr lang="sl-SI"/>
+              <a:t>Tretja raven</a:t>
             </a:r>
           </a:p>
           <a:p>
             <a:pPr lvl="3"/>
             <a:r>
-              <a:rPr lang="sl-SI" noProof="0"/>
-              <a:t>Fourth level</a:t>
+              <a:rPr lang="sl-SI"/>
+              <a:t>Četrta raven</a:t>
             </a:r>
           </a:p>
           <a:p>
             <a:pPr lvl="4"/>
             <a:r>
-              <a:rPr lang="sl-SI" noProof="0"/>
-              <a:t>Fifth level</a:t>
-            </a:r>
+              <a:rPr lang="sl-SI"/>
+              <a:t>Peta raven</a:t>
+            </a:r>
+            <a:endParaRPr lang="en-US" dirty="0"/>
           </a:p>
         </p:txBody>
       </p:sp>
@@ -1446,8 +7191,8 @@
         </p:nvSpPr>
         <p:spPr>
           <a:xfrm>
-            <a:off x="457200" y="6356350"/>
-            <a:ext cx="2133600" cy="365125"/>
+            <a:off x="5405258" y="6041363"/>
+            <a:ext cx="684132" cy="365125"/>
           </a:xfrm>
           <a:prstGeom prst="rect">
             <a:avLst/>
@@ -1456,8 +7201,8 @@
         <p:txBody>
           <a:bodyPr vert="horz" lIns="91440" tIns="45720" rIns="91440" bIns="45720" rtlCol="0" anchor="ctr"/>
           <a:lstStyle>
-            <a:lvl1pPr algn="l">
-              <a:defRPr sz="1200">
+            <a:lvl1pPr algn="r">
+              <a:defRPr sz="900">
                 <a:solidFill>
                   <a:schemeClr val="tx1">
                     <a:tint val="75000"/>
@@ -1500,8 +7245,8 @@
         </p:nvSpPr>
         <p:spPr>
           <a:xfrm>
-            <a:off x="3124200" y="6356350"/>
-            <a:ext cx="2895600" cy="365125"/>
+            <a:off x="609599" y="6041363"/>
+            <a:ext cx="4622973" cy="365125"/>
           </a:xfrm>
           <a:prstGeom prst="rect">
             <a:avLst/>
@@ -1510,8 +7255,8 @@
         <p:txBody>
           <a:bodyPr vert="horz" lIns="91440" tIns="45720" rIns="91440" bIns="45720" rtlCol="0" anchor="ctr"/>
           <a:lstStyle>
-            <a:lvl1pPr algn="ctr">
-              <a:defRPr sz="1200">
+            <a:lvl1pPr algn="l">
+              <a:defRPr sz="900">
                 <a:solidFill>
                   <a:schemeClr val="tx1">
                     <a:tint val="75000"/>
@@ -1543,8 +7288,8 @@
         </p:nvSpPr>
         <p:spPr>
           <a:xfrm>
-            <a:off x="6553200" y="6356350"/>
-            <a:ext cx="2133600" cy="365125"/>
+            <a:off x="6444676" y="6041363"/>
+            <a:ext cx="512638" cy="365125"/>
           </a:xfrm>
           <a:prstGeom prst="rect">
             <a:avLst/>
@@ -1554,11 +7299,9 @@
           <a:bodyPr vert="horz" lIns="91440" tIns="45720" rIns="91440" bIns="45720" rtlCol="0" anchor="ctr"/>
           <a:lstStyle>
             <a:lvl1pPr algn="r">
-              <a:defRPr sz="1200">
-                <a:solidFill>
-                  <a:schemeClr val="tx1">
-                    <a:tint val="75000"/>
-                  </a:schemeClr>
+              <a:defRPr sz="900">
+                <a:solidFill>
+                  <a:schemeClr val="accent1"/>
                 </a:solidFill>
               </a:defRPr>
             </a:lvl1pPr>
@@ -1588,162 +7331,324 @@
     </p:spTree>
     <p:extLst>
       <p:ext uri="{BB962C8B-B14F-4D97-AF65-F5344CB8AC3E}">
-        <p14:creationId xmlns:p14="http://schemas.microsoft.com/office/powerpoint/2010/main" val="25429672"/>
+        <p14:creationId xmlns:p14="http://schemas.microsoft.com/office/powerpoint/2010/main" val="3978914409"/>
       </p:ext>
     </p:extLst>
   </p:cSld>
   <p:clrMap bg1="lt1" tx1="dk1" bg2="lt2" tx2="dk2" accent1="accent1" accent2="accent2" accent3="accent3" accent4="accent4" accent5="accent5" accent6="accent6" hlink="hlink" folHlink="folHlink"/>
   <p:sldLayoutIdLst>
-    <p:sldLayoutId id="2147483651" r:id="rId1"/>
-    <p:sldLayoutId id="2147483655" r:id="rId2"/>
+    <p:sldLayoutId id="2147483675" r:id="rId1"/>
+    <p:sldLayoutId id="2147483676" r:id="rId2"/>
+    <p:sldLayoutId id="2147483677" r:id="rId3"/>
+    <p:sldLayoutId id="2147483678" r:id="rId4"/>
+    <p:sldLayoutId id="2147483679" r:id="rId5"/>
+    <p:sldLayoutId id="2147483680" r:id="rId6"/>
+    <p:sldLayoutId id="2147483681" r:id="rId7"/>
+    <p:sldLayoutId id="2147483682" r:id="rId8"/>
+    <p:sldLayoutId id="2147483683" r:id="rId9"/>
+    <p:sldLayoutId id="2147483684" r:id="rId10"/>
+    <p:sldLayoutId id="2147483685" r:id="rId11"/>
+    <p:sldLayoutId id="2147483686" r:id="rId12"/>
+    <p:sldLayoutId id="2147483687" r:id="rId13"/>
+    <p:sldLayoutId id="2147483688" r:id="rId14"/>
+    <p:sldLayoutId id="2147483689" r:id="rId15"/>
+    <p:sldLayoutId id="2147483690" r:id="rId16"/>
+    <p:sldLayoutId id="2147483691" r:id="rId17"/>
+    <p:sldLayoutId id="2147483651" r:id="rId18"/>
   </p:sldLayoutIdLst>
   <p:txStyles>
     <p:titleStyle>
-      <a:lvl1pPr algn="ctr" defTabSz="914400" rtl="0" eaLnBrk="1" latinLnBrk="0" hangingPunct="1">
+      <a:lvl1pPr algn="l" defTabSz="457200" rtl="0" eaLnBrk="1" latinLnBrk="0" hangingPunct="1">
         <a:spcBef>
           <a:spcPct val="0"/>
         </a:spcBef>
         <a:buNone/>
-        <a:defRPr sz="4400" kern="1200">
+        <a:defRPr sz="3600" kern="1200">
           <a:solidFill>
-            <a:schemeClr val="tx1"/>
+            <a:schemeClr val="accent1"/>
           </a:solidFill>
           <a:latin typeface="+mj-lt"/>
           <a:ea typeface="+mj-ea"/>
           <a:cs typeface="+mj-cs"/>
         </a:defRPr>
       </a:lvl1pPr>
+      <a:lvl2pPr eaLnBrk="1" hangingPunct="1">
+        <a:defRPr>
+          <a:solidFill>
+            <a:schemeClr val="tx2"/>
+          </a:solidFill>
+        </a:defRPr>
+      </a:lvl2pPr>
+      <a:lvl3pPr eaLnBrk="1" hangingPunct="1">
+        <a:defRPr>
+          <a:solidFill>
+            <a:schemeClr val="tx2"/>
+          </a:solidFill>
+        </a:defRPr>
+      </a:lvl3pPr>
+      <a:lvl4pPr eaLnBrk="1" hangingPunct="1">
+        <a:defRPr>
+          <a:solidFill>
+            <a:schemeClr val="tx2"/>
+          </a:solidFill>
+        </a:defRPr>
+      </a:lvl4pPr>
+      <a:lvl5pPr eaLnBrk="1" hangingPunct="1">
+        <a:defRPr>
+          <a:solidFill>
+            <a:schemeClr val="tx2"/>
+          </a:solidFill>
+        </a:defRPr>
+      </a:lvl5pPr>
+      <a:lvl6pPr eaLnBrk="1" hangingPunct="1">
+        <a:defRPr>
+          <a:solidFill>
+            <a:schemeClr val="tx2"/>
+          </a:solidFill>
+        </a:defRPr>
+      </a:lvl6pPr>
+      <a:lvl7pPr eaLnBrk="1" hangingPunct="1">
+        <a:defRPr>
+          <a:solidFill>
+            <a:schemeClr val="tx2"/>
+          </a:solidFill>
+        </a:defRPr>
+      </a:lvl7pPr>
+      <a:lvl8pPr eaLnBrk="1" hangingPunct="1">
+        <a:defRPr>
+          <a:solidFill>
+            <a:schemeClr val="tx2"/>
+          </a:solidFill>
+        </a:defRPr>
+      </a:lvl8pPr>
+      <a:lvl9pPr eaLnBrk="1" hangingPunct="1">
+        <a:defRPr>
+          <a:solidFill>
+            <a:schemeClr val="tx2"/>
+          </a:solidFill>
+        </a:defRPr>
+      </a:lvl9pPr>
     </p:titleStyle>
     <p:bodyStyle>
-      <a:lvl1pPr marL="342900" indent="-342900" algn="l" defTabSz="914400" rtl="0" eaLnBrk="1" latinLnBrk="0" hangingPunct="1">
+      <a:lvl1pPr marL="342900" indent="-342900" algn="l" defTabSz="457200" rtl="0" eaLnBrk="1" latinLnBrk="0" hangingPunct="1">
         <a:spcBef>
-          <a:spcPct val="20000"/>
+          <a:spcPts val="1000"/>
         </a:spcBef>
-        <a:buFont typeface="Arial" pitchFamily="34" charset="0"/>
-        <a:buChar char="•"/>
-        <a:defRPr sz="3200" kern="1200">
+        <a:spcAft>
+          <a:spcPts val="0"/>
+        </a:spcAft>
+        <a:buClr>
+          <a:schemeClr val="accent1"/>
+        </a:buClr>
+        <a:buSzPct val="80000"/>
+        <a:buFont typeface="Wingdings 3" charset="2"/>
+        <a:buChar char=""/>
+        <a:defRPr sz="1800" kern="1200">
           <a:solidFill>
-            <a:schemeClr val="tx1"/>
+            <a:schemeClr val="tx1">
+              <a:lumMod val="75000"/>
+              <a:lumOff val="25000"/>
+            </a:schemeClr>
           </a:solidFill>
           <a:latin typeface="+mn-lt"/>
           <a:ea typeface="+mn-ea"/>
           <a:cs typeface="+mn-cs"/>
         </a:defRPr>
       </a:lvl1pPr>
-      <a:lvl2pPr marL="742950" indent="-285750" algn="l" defTabSz="914400" rtl="0" eaLnBrk="1" latinLnBrk="0" hangingPunct="1">
+      <a:lvl2pPr marL="742950" indent="-285750" algn="l" defTabSz="457200" rtl="0" eaLnBrk="1" latinLnBrk="0" hangingPunct="1">
         <a:spcBef>
-          <a:spcPct val="20000"/>
+          <a:spcPts val="1000"/>
         </a:spcBef>
-        <a:buFont typeface="Arial" pitchFamily="34" charset="0"/>
-        <a:buChar char="–"/>
-        <a:defRPr sz="2800" kern="1200">
+        <a:spcAft>
+          <a:spcPts val="0"/>
+        </a:spcAft>
+        <a:buClr>
+          <a:schemeClr val="accent1"/>
+        </a:buClr>
+        <a:buSzPct val="80000"/>
+        <a:buFont typeface="Wingdings 3" charset="2"/>
+        <a:buChar char=""/>
+        <a:defRPr sz="1600" kern="1200">
           <a:solidFill>
-            <a:schemeClr val="tx1"/>
+            <a:schemeClr val="tx1">
+              <a:lumMod val="75000"/>
+              <a:lumOff val="25000"/>
+            </a:schemeClr>
           </a:solidFill>
           <a:latin typeface="+mn-lt"/>
           <a:ea typeface="+mn-ea"/>
           <a:cs typeface="+mn-cs"/>
         </a:defRPr>
       </a:lvl2pPr>
-      <a:lvl3pPr marL="1143000" indent="-228600" algn="l" defTabSz="914400" rtl="0" eaLnBrk="1" latinLnBrk="0" hangingPunct="1">
+      <a:lvl3pPr marL="1143000" indent="-228600" algn="l" defTabSz="457200" rtl="0" eaLnBrk="1" latinLnBrk="0" hangingPunct="1">
         <a:spcBef>
-          <a:spcPct val="20000"/>
+          <a:spcPts val="1000"/>
         </a:spcBef>
-        <a:buFont typeface="Arial" pitchFamily="34" charset="0"/>
-        <a:buChar char="•"/>
-        <a:defRPr sz="2400" kern="1200">
+        <a:spcAft>
+          <a:spcPts val="0"/>
+        </a:spcAft>
+        <a:buClr>
+          <a:schemeClr val="accent1"/>
+        </a:buClr>
+        <a:buSzPct val="80000"/>
+        <a:buFont typeface="Wingdings 3" charset="2"/>
+        <a:buChar char=""/>
+        <a:defRPr sz="1400" kern="1200">
           <a:solidFill>
-            <a:schemeClr val="tx1"/>
+            <a:schemeClr val="tx1">
+              <a:lumMod val="75000"/>
+              <a:lumOff val="25000"/>
+            </a:schemeClr>
           </a:solidFill>
           <a:latin typeface="+mn-lt"/>
           <a:ea typeface="+mn-ea"/>
           <a:cs typeface="+mn-cs"/>
         </a:defRPr>
       </a:lvl3pPr>
-      <a:lvl4pPr marL="1600200" indent="-228600" algn="l" defTabSz="914400" rtl="0" eaLnBrk="1" latinLnBrk="0" hangingPunct="1">
+      <a:lvl4pPr marL="1600200" indent="-228600" algn="l" defTabSz="457200" rtl="0" eaLnBrk="1" latinLnBrk="0" hangingPunct="1">
         <a:spcBef>
-          <a:spcPct val="20000"/>
+          <a:spcPts val="1000"/>
         </a:spcBef>
-        <a:buFont typeface="Arial" pitchFamily="34" charset="0"/>
-        <a:buChar char="–"/>
-        <a:defRPr sz="2000" kern="1200">
+        <a:spcAft>
+          <a:spcPts val="0"/>
+        </a:spcAft>
+        <a:buClr>
+          <a:schemeClr val="accent1"/>
+        </a:buClr>
+        <a:buSzPct val="80000"/>
+        <a:buFont typeface="Wingdings 3" charset="2"/>
+        <a:buChar char=""/>
+        <a:defRPr sz="1200" kern="1200">
           <a:solidFill>
-            <a:schemeClr val="tx1"/>
+            <a:schemeClr val="tx1">
+              <a:lumMod val="75000"/>
+              <a:lumOff val="25000"/>
+            </a:schemeClr>
           </a:solidFill>
           <a:latin typeface="+mn-lt"/>
           <a:ea typeface="+mn-ea"/>
           <a:cs typeface="+mn-cs"/>
         </a:defRPr>
       </a:lvl4pPr>
-      <a:lvl5pPr marL="2057400" indent="-228600" algn="l" defTabSz="914400" rtl="0" eaLnBrk="1" latinLnBrk="0" hangingPunct="1">
+      <a:lvl5pPr marL="2057400" indent="-228600" algn="l" defTabSz="457200" rtl="0" eaLnBrk="1" latinLnBrk="0" hangingPunct="1">
         <a:spcBef>
-          <a:spcPct val="20000"/>
+          <a:spcPts val="1000"/>
         </a:spcBef>
-        <a:buFont typeface="Arial" pitchFamily="34" charset="0"/>
-        <a:buChar char="»"/>
-        <a:defRPr sz="2000" kern="1200">
+        <a:spcAft>
+          <a:spcPts val="0"/>
+        </a:spcAft>
+        <a:buClr>
+          <a:schemeClr val="accent1"/>
+        </a:buClr>
+        <a:buSzPct val="80000"/>
+        <a:buFont typeface="Wingdings 3" charset="2"/>
+        <a:buChar char=""/>
+        <a:defRPr sz="1200" kern="1200">
           <a:solidFill>
-            <a:schemeClr val="tx1"/>
+            <a:schemeClr val="tx1">
+              <a:lumMod val="75000"/>
+              <a:lumOff val="25000"/>
+            </a:schemeClr>
           </a:solidFill>
           <a:latin typeface="+mn-lt"/>
           <a:ea typeface="+mn-ea"/>
           <a:cs typeface="+mn-cs"/>
         </a:defRPr>
       </a:lvl5pPr>
-      <a:lvl6pPr marL="2514600" indent="-228600" algn="l" defTabSz="914400" rtl="0" eaLnBrk="1" latinLnBrk="0" hangingPunct="1">
+      <a:lvl6pPr marL="2514600" indent="-228600" algn="l" defTabSz="457200" rtl="0" eaLnBrk="1" latinLnBrk="0" hangingPunct="1">
         <a:spcBef>
-          <a:spcPct val="20000"/>
+          <a:spcPts val="1000"/>
         </a:spcBef>
-        <a:buFont typeface="Arial" pitchFamily="34" charset="0"/>
-        <a:buChar char="•"/>
-        <a:defRPr sz="2000" kern="1200">
+        <a:spcAft>
+          <a:spcPts val="0"/>
+        </a:spcAft>
+        <a:buClr>
+          <a:schemeClr val="accent1"/>
+        </a:buClr>
+        <a:buSzPct val="80000"/>
+        <a:buFont typeface="Wingdings 3" charset="2"/>
+        <a:buChar char=""/>
+        <a:defRPr sz="1200" kern="1200">
           <a:solidFill>
-            <a:schemeClr val="tx1"/>
+            <a:schemeClr val="tx1">
+              <a:lumMod val="75000"/>
+              <a:lumOff val="25000"/>
+            </a:schemeClr>
           </a:solidFill>
           <a:latin typeface="+mn-lt"/>
           <a:ea typeface="+mn-ea"/>
           <a:cs typeface="+mn-cs"/>
         </a:defRPr>
       </a:lvl6pPr>
-      <a:lvl7pPr marL="2971800" indent="-228600" algn="l" defTabSz="914400" rtl="0" eaLnBrk="1" latinLnBrk="0" hangingPunct="1">
+      <a:lvl7pPr marL="2971800" indent="-228600" algn="l" defTabSz="457200" rtl="0" eaLnBrk="1" latinLnBrk="0" hangingPunct="1">
         <a:spcBef>
-          <a:spcPct val="20000"/>
+          <a:spcPts val="1000"/>
         </a:spcBef>
-        <a:buFont typeface="Arial" pitchFamily="34" charset="0"/>
-        <a:buChar char="•"/>
-        <a:defRPr sz="2000" kern="1200">
+        <a:spcAft>
+          <a:spcPts val="0"/>
+        </a:spcAft>
+        <a:buClr>
+          <a:schemeClr val="accent1"/>
+        </a:buClr>
+        <a:buSzPct val="80000"/>
+        <a:buFont typeface="Wingdings 3" charset="2"/>
+        <a:buChar char=""/>
+        <a:defRPr sz="1200" kern="1200">
           <a:solidFill>
-            <a:schemeClr val="tx1"/>
+            <a:schemeClr val="tx1">
+              <a:lumMod val="75000"/>
+              <a:lumOff val="25000"/>
+            </a:schemeClr>
           </a:solidFill>
           <a:latin typeface="+mn-lt"/>
           <a:ea typeface="+mn-ea"/>
           <a:cs typeface="+mn-cs"/>
         </a:defRPr>
       </a:lvl7pPr>
-      <a:lvl8pPr marL="3429000" indent="-228600" algn="l" defTabSz="914400" rtl="0" eaLnBrk="1" latinLnBrk="0" hangingPunct="1">
+      <a:lvl8pPr marL="3429000" indent="-228600" algn="l" defTabSz="457200" rtl="0" eaLnBrk="1" latinLnBrk="0" hangingPunct="1">
         <a:spcBef>
-          <a:spcPct val="20000"/>
+          <a:spcPts val="1000"/>
         </a:spcBef>
-        <a:buFont typeface="Arial" pitchFamily="34" charset="0"/>
-        <a:buChar char="•"/>
-        <a:defRPr sz="2000" kern="1200">
+        <a:spcAft>
+          <a:spcPts val="0"/>
+        </a:spcAft>
+        <a:buClr>
+          <a:schemeClr val="accent1"/>
+        </a:buClr>
+        <a:buSzPct val="80000"/>
+        <a:buFont typeface="Wingdings 3" charset="2"/>
+        <a:buChar char=""/>
+        <a:defRPr sz="1200" kern="1200">
           <a:solidFill>
-            <a:schemeClr val="tx1"/>
+            <a:schemeClr val="tx1">
+              <a:lumMod val="75000"/>
+              <a:lumOff val="25000"/>
+            </a:schemeClr>
           </a:solidFill>
           <a:latin typeface="+mn-lt"/>
           <a:ea typeface="+mn-ea"/>
           <a:cs typeface="+mn-cs"/>
         </a:defRPr>
       </a:lvl8pPr>
-      <a:lvl9pPr marL="3886200" indent="-228600" algn="l" defTabSz="914400" rtl="0" eaLnBrk="1" latinLnBrk="0" hangingPunct="1">
+      <a:lvl9pPr marL="3886200" indent="-228600" algn="l" defTabSz="457200" rtl="0" eaLnBrk="1" latinLnBrk="0" hangingPunct="1">
         <a:spcBef>
-          <a:spcPct val="20000"/>
+          <a:spcPts val="1000"/>
         </a:spcBef>
-        <a:buFont typeface="Arial" pitchFamily="34" charset="0"/>
-        <a:buChar char="•"/>
-        <a:defRPr sz="2000" kern="1200">
+        <a:spcAft>
+          <a:spcPts val="0"/>
+        </a:spcAft>
+        <a:buClr>
+          <a:schemeClr val="accent1"/>
+        </a:buClr>
+        <a:buSzPct val="80000"/>
+        <a:buFont typeface="Wingdings 3" charset="2"/>
+        <a:buChar char=""/>
+        <a:defRPr sz="1200" kern="1200">
           <a:solidFill>
-            <a:schemeClr val="tx1"/>
+            <a:schemeClr val="tx1">
+              <a:lumMod val="75000"/>
+              <a:lumOff val="25000"/>
+            </a:schemeClr>
           </a:solidFill>
           <a:latin typeface="+mn-lt"/>
           <a:ea typeface="+mn-ea"/>
@@ -1755,7 +7660,7 @@
       <a:defPPr>
         <a:defRPr lang="en-US"/>
       </a:defPPr>
-      <a:lvl1pPr marL="0" algn="l" defTabSz="914400" rtl="0" eaLnBrk="1" latinLnBrk="0" hangingPunct="1">
+      <a:lvl1pPr marL="0" algn="l" defTabSz="457200" rtl="0" eaLnBrk="1" latinLnBrk="0" hangingPunct="1">
         <a:defRPr sz="1800" kern="1200">
           <a:solidFill>
             <a:schemeClr val="tx1"/>
@@ -1765,7 +7670,7 @@
           <a:cs typeface="+mn-cs"/>
         </a:defRPr>
       </a:lvl1pPr>
-      <a:lvl2pPr marL="457200" algn="l" defTabSz="914400" rtl="0" eaLnBrk="1" latinLnBrk="0" hangingPunct="1">
+      <a:lvl2pPr marL="457200" algn="l" defTabSz="457200" rtl="0" eaLnBrk="1" latinLnBrk="0" hangingPunct="1">
         <a:defRPr sz="1800" kern="1200">
           <a:solidFill>
             <a:schemeClr val="tx1"/>
@@ -1775,7 +7680,7 @@
           <a:cs typeface="+mn-cs"/>
         </a:defRPr>
       </a:lvl2pPr>
-      <a:lvl3pPr marL="914400" algn="l" defTabSz="914400" rtl="0" eaLnBrk="1" latinLnBrk="0" hangingPunct="1">
+      <a:lvl3pPr marL="914400" algn="l" defTabSz="457200" rtl="0" eaLnBrk="1" latinLnBrk="0" hangingPunct="1">
         <a:defRPr sz="1800" kern="1200">
           <a:solidFill>
             <a:schemeClr val="tx1"/>
@@ -1785,7 +7690,7 @@
           <a:cs typeface="+mn-cs"/>
         </a:defRPr>
       </a:lvl3pPr>
-      <a:lvl4pPr marL="1371600" algn="l" defTabSz="914400" rtl="0" eaLnBrk="1" latinLnBrk="0" hangingPunct="1">
+      <a:lvl4pPr marL="1371600" algn="l" defTabSz="457200" rtl="0" eaLnBrk="1" latinLnBrk="0" hangingPunct="1">
         <a:defRPr sz="1800" kern="1200">
           <a:solidFill>
             <a:schemeClr val="tx1"/>
@@ -1795,7 +7700,7 @@
           <a:cs typeface="+mn-cs"/>
         </a:defRPr>
       </a:lvl4pPr>
-      <a:lvl5pPr marL="1828800" algn="l" defTabSz="914400" rtl="0" eaLnBrk="1" latinLnBrk="0" hangingPunct="1">
+      <a:lvl5pPr marL="1828800" algn="l" defTabSz="457200" rtl="0" eaLnBrk="1" latinLnBrk="0" hangingPunct="1">
         <a:defRPr sz="1800" kern="1200">
           <a:solidFill>
             <a:schemeClr val="tx1"/>
@@ -1805,7 +7710,7 @@
           <a:cs typeface="+mn-cs"/>
         </a:defRPr>
       </a:lvl5pPr>
-      <a:lvl6pPr marL="2286000" algn="l" defTabSz="914400" rtl="0" eaLnBrk="1" latinLnBrk="0" hangingPunct="1">
+      <a:lvl6pPr marL="2286000" algn="l" defTabSz="457200" rtl="0" eaLnBrk="1" latinLnBrk="0" hangingPunct="1">
         <a:defRPr sz="1800" kern="1200">
           <a:solidFill>
             <a:schemeClr val="tx1"/>
@@ -1815,7 +7720,7 @@
           <a:cs typeface="+mn-cs"/>
         </a:defRPr>
       </a:lvl6pPr>
-      <a:lvl7pPr marL="2743200" algn="l" defTabSz="914400" rtl="0" eaLnBrk="1" latinLnBrk="0" hangingPunct="1">
+      <a:lvl7pPr marL="2743200" algn="l" defTabSz="457200" rtl="0" eaLnBrk="1" latinLnBrk="0" hangingPunct="1">
         <a:defRPr sz="1800" kern="1200">
           <a:solidFill>
             <a:schemeClr val="tx1"/>
@@ -1825,7 +7730,7 @@
           <a:cs typeface="+mn-cs"/>
         </a:defRPr>
       </a:lvl7pPr>
-      <a:lvl8pPr marL="3200400" algn="l" defTabSz="914400" rtl="0" eaLnBrk="1" latinLnBrk="0" hangingPunct="1">
+      <a:lvl8pPr marL="3200400" algn="l" defTabSz="457200" rtl="0" eaLnBrk="1" latinLnBrk="0" hangingPunct="1">
         <a:defRPr sz="1800" kern="1200">
           <a:solidFill>
             <a:schemeClr val="tx1"/>
@@ -1835,7 +7740,7 @@
           <a:cs typeface="+mn-cs"/>
         </a:defRPr>
       </a:lvl8pPr>
-      <a:lvl9pPr marL="3657600" algn="l" defTabSz="914400" rtl="0" eaLnBrk="1" latinLnBrk="0" hangingPunct="1">
+      <a:lvl9pPr marL="3657600" algn="l" defTabSz="457200" rtl="0" eaLnBrk="1" latinLnBrk="0" hangingPunct="1">
         <a:defRPr sz="1800" kern="1200">
           <a:solidFill>
             <a:schemeClr val="tx1"/>
@@ -2151,7 +8056,7 @@
           <a:p>
             <a:r>
               <a:rPr lang="sl-SI" sz="2400" dirty="0"/>
-              <a:t>Datum: 25.6.2017</a:t>
+              <a:t>Datum: 25.52017</a:t>
             </a:r>
           </a:p>
           <a:p>
@@ -2222,7 +8127,13 @@
       </p:grpSpPr>
       <p:sp>
         <p:nvSpPr>
-          <p:cNvPr id="2" name="Naslov 1"/>
+          <p:cNvPr id="2" name="Naslov 1">
+            <a:extLst>
+              <a:ext uri="{FF2B5EF4-FFF2-40B4-BE49-F238E27FC236}">
+                <a16:creationId xmlns:a16="http://schemas.microsoft.com/office/drawing/2014/main" id="{AB040A30-32F4-40BE-A2A2-36601979B176}"/>
+              </a:ext>
+            </a:extLst>
+          </p:cNvPr>
           <p:cNvSpPr>
             <a:spLocks noGrp="1"/>
           </p:cNvSpPr>
@@ -2230,57 +8141,59 @@
             <p:ph type="title"/>
           </p:nvPr>
         </p:nvSpPr>
-        <p:spPr>
-          <a:xfrm>
-            <a:off x="457200" y="274638"/>
-            <a:ext cx="8229600" cy="1858962"/>
-          </a:xfrm>
-        </p:spPr>
-        <p:txBody>
-          <a:bodyPr anchor="t">
-            <a:noAutofit/>
-          </a:bodyPr>
-          <a:lstStyle/>
-          <a:p>
-            <a:r>
-              <a:rPr lang="sl-SI" sz="4000" dirty="0"/>
-              <a:t>Osnovni koncepti razvoja rešitev na osnovi izbrane tehnologije, platforme, knjižnice</a:t>
-            </a:r>
-            <a:br>
-              <a:rPr lang="sl-SI" dirty="0"/>
-            </a:br>
-            <a:endParaRPr lang="sl-SI" dirty="0"/>
-          </a:p>
-        </p:txBody>
-      </p:sp>
-      <p:sp>
-        <p:nvSpPr>
-          <p:cNvPr id="3" name="Označba mesta vsebine 2"/>
-          <p:cNvSpPr>
-            <a:spLocks noGrp="1"/>
-          </p:cNvSpPr>
-          <p:nvPr>
-            <p:ph sz="quarter" idx="10"/>
-          </p:nvPr>
-        </p:nvSpPr>
-        <p:spPr>
-          <a:xfrm>
-            <a:off x="457200" y="2133600"/>
-            <a:ext cx="8229600" cy="4343400"/>
-          </a:xfrm>
-        </p:spPr>
+        <p:spPr/>
         <p:txBody>
           <a:bodyPr/>
           <a:lstStyle/>
           <a:p>
+            <a:r>
+              <a:rPr lang="sl-SI" dirty="0" err="1"/>
+              <a:t>Dynamic</a:t>
+            </a:r>
+            <a:r>
+              <a:rPr lang="sl-SI" dirty="0"/>
+              <a:t> </a:t>
+            </a:r>
+            <a:r>
+              <a:rPr lang="sl-SI" dirty="0" err="1"/>
+              <a:t>properties</a:t>
+            </a:r>
             <a:endParaRPr lang="sl-SI" dirty="0"/>
+          </a:p>
+        </p:txBody>
+      </p:sp>
+      <p:sp>
+        <p:nvSpPr>
+          <p:cNvPr id="3" name="Označba mesta vsebine 2">
+            <a:extLst>
+              <a:ext uri="{FF2B5EF4-FFF2-40B4-BE49-F238E27FC236}">
+                <a16:creationId xmlns:a16="http://schemas.microsoft.com/office/drawing/2014/main" id="{550D9E04-48F1-433F-BBD2-74353EBE46D1}"/>
+              </a:ext>
+            </a:extLst>
+          </p:cNvPr>
+          <p:cNvSpPr>
+            <a:spLocks noGrp="1"/>
+          </p:cNvSpPr>
+          <p:nvPr>
+            <p:ph sz="quarter" idx="10"/>
+          </p:nvPr>
+        </p:nvSpPr>
+        <p:spPr/>
+        <p:txBody>
+          <a:bodyPr/>
+          <a:lstStyle/>
+          <a:p>
+            <a:r>
+              <a:rPr lang="sl-SI" dirty="0"/>
+              <a:t>Uporabno za npr. naključno obarvanje paragrafov.</a:t>
+            </a:r>
           </a:p>
         </p:txBody>
       </p:sp>
     </p:spTree>
     <p:extLst>
       <p:ext uri="{BB962C8B-B14F-4D97-AF65-F5344CB8AC3E}">
-        <p14:creationId xmlns:p14="http://schemas.microsoft.com/office/powerpoint/2010/main" val="3368673424"/>
+        <p14:creationId xmlns:p14="http://schemas.microsoft.com/office/powerpoint/2010/main" val="1954409690"/>
       </p:ext>
     </p:extLst>
   </p:cSld>
@@ -2309,36 +8222,18 @@
       </p:grpSpPr>
       <p:sp>
         <p:nvSpPr>
-          <p:cNvPr id="2" name="Naslov 1"/>
+          <p:cNvPr id="2" name="Naslov 1">
+            <a:extLst>
+              <a:ext uri="{FF2B5EF4-FFF2-40B4-BE49-F238E27FC236}">
+                <a16:creationId xmlns:a16="http://schemas.microsoft.com/office/drawing/2014/main" id="{2BBF1944-B66D-4D6D-9D04-F06C7B096CC0}"/>
+              </a:ext>
+            </a:extLst>
+          </p:cNvPr>
           <p:cNvSpPr>
             <a:spLocks noGrp="1"/>
           </p:cNvSpPr>
           <p:nvPr>
             <p:ph type="title"/>
-          </p:nvPr>
-        </p:nvSpPr>
-        <p:spPr/>
-        <p:txBody>
-          <a:bodyPr>
-            <a:normAutofit/>
-          </a:bodyPr>
-          <a:lstStyle/>
-          <a:p>
-            <a:r>
-              <a:rPr lang="sl-SI" dirty="0"/>
-              <a:t>Primer preproste rešitve</a:t>
-            </a:r>
-          </a:p>
-        </p:txBody>
-      </p:sp>
-      <p:sp>
-        <p:nvSpPr>
-          <p:cNvPr id="3" name="Označba mesta vsebine 2"/>
-          <p:cNvSpPr>
-            <a:spLocks noGrp="1"/>
-          </p:cNvSpPr>
-          <p:nvPr>
-            <p:ph sz="quarter" idx="10"/>
           </p:nvPr>
         </p:nvSpPr>
         <p:spPr/>
@@ -2346,14 +8241,78 @@
           <a:bodyPr/>
           <a:lstStyle/>
           <a:p>
-            <a:endParaRPr lang="sl-SI"/>
+            <a:r>
+              <a:rPr lang="sl-SI" dirty="0"/>
+              <a:t>Enter </a:t>
+            </a:r>
+            <a:r>
+              <a:rPr lang="sl-SI" dirty="0" err="1"/>
+              <a:t>and</a:t>
+            </a:r>
+            <a:r>
+              <a:rPr lang="sl-SI" dirty="0"/>
+              <a:t> </a:t>
+            </a:r>
+            <a:r>
+              <a:rPr lang="sl-SI" dirty="0" err="1"/>
+              <a:t>exit</a:t>
+            </a:r>
+            <a:endParaRPr lang="sl-SI" dirty="0"/>
+          </a:p>
+        </p:txBody>
+      </p:sp>
+      <p:sp>
+        <p:nvSpPr>
+          <p:cNvPr id="3" name="Označba mesta vsebine 2">
+            <a:extLst>
+              <a:ext uri="{FF2B5EF4-FFF2-40B4-BE49-F238E27FC236}">
+                <a16:creationId xmlns:a16="http://schemas.microsoft.com/office/drawing/2014/main" id="{D2286DE3-F9AB-4A13-B513-E2935F3657CA}"/>
+              </a:ext>
+            </a:extLst>
+          </p:cNvPr>
+          <p:cNvSpPr>
+            <a:spLocks noGrp="1"/>
+          </p:cNvSpPr>
+          <p:nvPr>
+            <p:ph sz="quarter" idx="10"/>
+          </p:nvPr>
+        </p:nvSpPr>
+        <p:spPr/>
+        <p:txBody>
+          <a:bodyPr/>
+          <a:lstStyle/>
+          <a:p>
+            <a:r>
+              <a:rPr lang="sl-SI" dirty="0"/>
+              <a:t>D3 omogoča transformacijo dokumentov temelječih na podatkih, kar vključuje ustvarjanje in odstranjevanje elementov.</a:t>
+            </a:r>
+          </a:p>
+          <a:p>
+            <a:r>
+              <a:rPr lang="sl-SI" dirty="0"/>
+              <a:t>Omogoča spremembo obstoječega dokumenta kot odziv na interakcijo z uporabnikom</a:t>
+            </a:r>
+          </a:p>
+          <a:p>
+            <a:r>
+              <a:rPr lang="sl-SI" dirty="0"/>
+              <a:t>Z uporabo enter in </a:t>
+            </a:r>
+            <a:r>
+              <a:rPr lang="sl-SI" dirty="0" err="1"/>
+              <a:t>exit</a:t>
+            </a:r>
+            <a:r>
+              <a:rPr lang="sl-SI" dirty="0"/>
+              <a:t> lahko ustvarimo nova vozlišča za dohodne podatke in odstranimo izhodna vozlišča, ki niso več potrebna.</a:t>
+            </a:r>
           </a:p>
         </p:txBody>
       </p:sp>
     </p:spTree>
     <p:extLst>
       <p:ext uri="{BB962C8B-B14F-4D97-AF65-F5344CB8AC3E}">
-        <p14:creationId xmlns:p14="http://schemas.microsoft.com/office/powerpoint/2010/main" val="2141330733"/>
+        <p14:creationId xmlns:p14="http://schemas.microsoft.com/office/powerpoint/2010/main" val="3501654987"/>
       </p:ext>
     </p:extLst>
   </p:cSld>
@@ -2382,6 +8341,236 @@
       </p:grpSpPr>
       <p:sp>
         <p:nvSpPr>
+          <p:cNvPr id="2" name="Naslov 1">
+            <a:extLst>
+              <a:ext uri="{FF2B5EF4-FFF2-40B4-BE49-F238E27FC236}">
+                <a16:creationId xmlns:a16="http://schemas.microsoft.com/office/drawing/2014/main" id="{C56DE03B-AC48-42D0-A768-733CE9E3C195}"/>
+              </a:ext>
+            </a:extLst>
+          </p:cNvPr>
+          <p:cNvSpPr>
+            <a:spLocks noGrp="1"/>
+          </p:cNvSpPr>
+          <p:nvPr>
+            <p:ph type="title"/>
+          </p:nvPr>
+        </p:nvSpPr>
+        <p:spPr/>
+        <p:txBody>
+          <a:bodyPr/>
+          <a:lstStyle/>
+          <a:p>
+            <a:r>
+              <a:rPr lang="sl-SI" dirty="0" err="1"/>
+              <a:t>Transformation</a:t>
+            </a:r>
+            <a:r>
+              <a:rPr lang="sl-SI" dirty="0"/>
+              <a:t>, not </a:t>
+            </a:r>
+            <a:r>
+              <a:rPr lang="sl-SI" dirty="0" err="1"/>
+              <a:t>representation</a:t>
+            </a:r>
+            <a:endParaRPr lang="sl-SI" dirty="0"/>
+          </a:p>
+        </p:txBody>
+      </p:sp>
+      <p:sp>
+        <p:nvSpPr>
+          <p:cNvPr id="3" name="Označba mesta vsebine 2">
+            <a:extLst>
+              <a:ext uri="{FF2B5EF4-FFF2-40B4-BE49-F238E27FC236}">
+                <a16:creationId xmlns:a16="http://schemas.microsoft.com/office/drawing/2014/main" id="{3649054B-56A3-4BA8-BA42-5D09C520A771}"/>
+              </a:ext>
+            </a:extLst>
+          </p:cNvPr>
+          <p:cNvSpPr>
+            <a:spLocks noGrp="1"/>
+          </p:cNvSpPr>
+          <p:nvPr>
+            <p:ph sz="quarter" idx="10"/>
+          </p:nvPr>
+        </p:nvSpPr>
+        <p:spPr>
+          <a:xfrm>
+            <a:off x="457200" y="1676400"/>
+            <a:ext cx="8229600" cy="4876800"/>
+          </a:xfrm>
+        </p:spPr>
+        <p:txBody>
+          <a:bodyPr/>
+          <a:lstStyle/>
+          <a:p>
+            <a:r>
+              <a:rPr lang="sl-SI" dirty="0"/>
+              <a:t>Ne uvaja nove vizualne predstavitve podatkov.</a:t>
+            </a:r>
+          </a:p>
+          <a:p>
+            <a:r>
+              <a:rPr lang="sl-SI" dirty="0"/>
+              <a:t>D3 besednjak izhaja iz spletnih standardov: HTML, SVG in CSS.</a:t>
+            </a:r>
+          </a:p>
+          <a:p>
+            <a:r>
+              <a:rPr lang="sl-SI" dirty="0"/>
+              <a:t>Npr. ustvarimo SVG elemente in jih uredimo s stili</a:t>
+            </a:r>
+          </a:p>
+          <a:p>
+            <a:endParaRPr lang="sl-SI" dirty="0"/>
+          </a:p>
+        </p:txBody>
+      </p:sp>
+    </p:spTree>
+    <p:extLst>
+      <p:ext uri="{BB962C8B-B14F-4D97-AF65-F5344CB8AC3E}">
+        <p14:creationId xmlns:p14="http://schemas.microsoft.com/office/powerpoint/2010/main" val="2781567909"/>
+      </p:ext>
+    </p:extLst>
+  </p:cSld>
+  <p:clrMapOvr>
+    <a:masterClrMapping/>
+  </p:clrMapOvr>
+</p:sld>
+</file>
+
+<file path=ppt/slides/slide13.xml><?xml version="1.0" encoding="utf-8"?>
+<p:sld xmlns:a="http://schemas.openxmlformats.org/drawingml/2006/main" xmlns:r="http://schemas.openxmlformats.org/officeDocument/2006/relationships" xmlns:p="http://schemas.openxmlformats.org/presentationml/2006/main">
+  <p:cSld>
+    <p:spTree>
+      <p:nvGrpSpPr>
+        <p:cNvPr id="1" name=""/>
+        <p:cNvGrpSpPr/>
+        <p:nvPr/>
+      </p:nvGrpSpPr>
+      <p:grpSpPr>
+        <a:xfrm>
+          <a:off x="0" y="0"/>
+          <a:ext cx="0" cy="0"/>
+          <a:chOff x="0" y="0"/>
+          <a:chExt cx="0" cy="0"/>
+        </a:xfrm>
+      </p:grpSpPr>
+      <p:sp>
+        <p:nvSpPr>
+          <p:cNvPr id="2" name="Naslov 1">
+            <a:extLst>
+              <a:ext uri="{FF2B5EF4-FFF2-40B4-BE49-F238E27FC236}">
+                <a16:creationId xmlns:a16="http://schemas.microsoft.com/office/drawing/2014/main" id="{44DF3BA6-7D6B-4420-9AF4-5B62BAD13EA8}"/>
+              </a:ext>
+            </a:extLst>
+          </p:cNvPr>
+          <p:cNvSpPr>
+            <a:spLocks noGrp="1"/>
+          </p:cNvSpPr>
+          <p:nvPr>
+            <p:ph type="title"/>
+          </p:nvPr>
+        </p:nvSpPr>
+        <p:spPr/>
+        <p:txBody>
+          <a:bodyPr/>
+          <a:lstStyle/>
+          <a:p>
+            <a:r>
+              <a:rPr lang="sl-SI" dirty="0" err="1"/>
+              <a:t>Transitions</a:t>
+            </a:r>
+            <a:endParaRPr lang="sl-SI" dirty="0"/>
+          </a:p>
+        </p:txBody>
+      </p:sp>
+      <p:sp>
+        <p:nvSpPr>
+          <p:cNvPr id="3" name="Označba mesta vsebine 2">
+            <a:extLst>
+              <a:ext uri="{FF2B5EF4-FFF2-40B4-BE49-F238E27FC236}">
+                <a16:creationId xmlns:a16="http://schemas.microsoft.com/office/drawing/2014/main" id="{BFC3E35F-E5E4-429D-A2E7-97BC4D078F37}"/>
+              </a:ext>
+            </a:extLst>
+          </p:cNvPr>
+          <p:cNvSpPr>
+            <a:spLocks noGrp="1"/>
+          </p:cNvSpPr>
+          <p:nvPr>
+            <p:ph sz="quarter" idx="10"/>
+          </p:nvPr>
+        </p:nvSpPr>
+        <p:spPr/>
+        <p:txBody>
+          <a:bodyPr/>
+          <a:lstStyle/>
+          <a:p>
+            <a:r>
+              <a:rPr lang="sl-SI" dirty="0"/>
+              <a:t>D3 omogoča tudi implementacijo animiranih prehodov.</a:t>
+            </a:r>
+          </a:p>
+          <a:p>
+            <a:r>
+              <a:rPr lang="sl-SI" dirty="0"/>
+              <a:t>D3 </a:t>
+            </a:r>
+            <a:r>
+              <a:rPr lang="sl-SI" dirty="0" err="1"/>
+              <a:t>interpolatorji</a:t>
+            </a:r>
+            <a:r>
+              <a:rPr lang="sl-SI" dirty="0"/>
+              <a:t> podpirajo tako števila kot števila vgrajena v nize (velikosti pisave, podatki o poti)</a:t>
+            </a:r>
+          </a:p>
+          <a:p>
+            <a:r>
+              <a:rPr lang="sl-SI" dirty="0"/>
+              <a:t>Lahko pa tudi razširimo D3 </a:t>
+            </a:r>
+            <a:r>
+              <a:rPr lang="sl-SI" dirty="0" err="1"/>
+              <a:t>interpolator</a:t>
+            </a:r>
+            <a:r>
+              <a:rPr lang="sl-SI" dirty="0"/>
+              <a:t> za podporo kompleksnim lastnostim in podatkovnim strukturam. </a:t>
+            </a:r>
+          </a:p>
+        </p:txBody>
+      </p:sp>
+    </p:spTree>
+    <p:extLst>
+      <p:ext uri="{BB962C8B-B14F-4D97-AF65-F5344CB8AC3E}">
+        <p14:creationId xmlns:p14="http://schemas.microsoft.com/office/powerpoint/2010/main" val="3699071032"/>
+      </p:ext>
+    </p:extLst>
+  </p:cSld>
+  <p:clrMapOvr>
+    <a:masterClrMapping/>
+  </p:clrMapOvr>
+</p:sld>
+</file>
+
+<file path=ppt/slides/slide14.xml><?xml version="1.0" encoding="utf-8"?>
+<p:sld xmlns:a="http://schemas.openxmlformats.org/drawingml/2006/main" xmlns:r="http://schemas.openxmlformats.org/officeDocument/2006/relationships" xmlns:p="http://schemas.openxmlformats.org/presentationml/2006/main">
+  <p:cSld>
+    <p:spTree>
+      <p:nvGrpSpPr>
+        <p:cNvPr id="1" name=""/>
+        <p:cNvGrpSpPr/>
+        <p:nvPr/>
+      </p:nvGrpSpPr>
+      <p:grpSpPr>
+        <a:xfrm>
+          <a:off x="0" y="0"/>
+          <a:ext cx="0" cy="0"/>
+          <a:chOff x="0" y="0"/>
+          <a:chExt cx="0" cy="0"/>
+        </a:xfrm>
+      </p:grpSpPr>
+      <p:sp>
+        <p:nvSpPr>
           <p:cNvPr id="2" name="Naslov 1"/>
           <p:cNvSpPr>
             <a:spLocks noGrp="1"/>
@@ -2399,6 +8588,79 @@
           <a:p>
             <a:r>
               <a:rPr lang="sl-SI" dirty="0"/>
+              <a:t>Primer preproste rešitve</a:t>
+            </a:r>
+          </a:p>
+        </p:txBody>
+      </p:sp>
+      <p:sp>
+        <p:nvSpPr>
+          <p:cNvPr id="3" name="Označba mesta vsebine 2"/>
+          <p:cNvSpPr>
+            <a:spLocks noGrp="1"/>
+          </p:cNvSpPr>
+          <p:nvPr>
+            <p:ph sz="quarter" idx="10"/>
+          </p:nvPr>
+        </p:nvSpPr>
+        <p:spPr/>
+        <p:txBody>
+          <a:bodyPr/>
+          <a:lstStyle/>
+          <a:p>
+            <a:endParaRPr lang="sl-SI"/>
+          </a:p>
+        </p:txBody>
+      </p:sp>
+    </p:spTree>
+    <p:extLst>
+      <p:ext uri="{BB962C8B-B14F-4D97-AF65-F5344CB8AC3E}">
+        <p14:creationId xmlns:p14="http://schemas.microsoft.com/office/powerpoint/2010/main" val="2141330733"/>
+      </p:ext>
+    </p:extLst>
+  </p:cSld>
+  <p:clrMapOvr>
+    <a:masterClrMapping/>
+  </p:clrMapOvr>
+</p:sld>
+</file>
+
+<file path=ppt/slides/slide15.xml><?xml version="1.0" encoding="utf-8"?>
+<p:sld xmlns:a="http://schemas.openxmlformats.org/drawingml/2006/main" xmlns:r="http://schemas.openxmlformats.org/officeDocument/2006/relationships" xmlns:p="http://schemas.openxmlformats.org/presentationml/2006/main">
+  <p:cSld>
+    <p:spTree>
+      <p:nvGrpSpPr>
+        <p:cNvPr id="1" name=""/>
+        <p:cNvGrpSpPr/>
+        <p:nvPr/>
+      </p:nvGrpSpPr>
+      <p:grpSpPr>
+        <a:xfrm>
+          <a:off x="0" y="0"/>
+          <a:ext cx="0" cy="0"/>
+          <a:chOff x="0" y="0"/>
+          <a:chExt cx="0" cy="0"/>
+        </a:xfrm>
+      </p:grpSpPr>
+      <p:sp>
+        <p:nvSpPr>
+          <p:cNvPr id="2" name="Naslov 1"/>
+          <p:cNvSpPr>
+            <a:spLocks noGrp="1"/>
+          </p:cNvSpPr>
+          <p:nvPr>
+            <p:ph type="title"/>
+          </p:nvPr>
+        </p:nvSpPr>
+        <p:spPr/>
+        <p:txBody>
+          <a:bodyPr>
+            <a:normAutofit/>
+          </a:bodyPr>
+          <a:lstStyle/>
+          <a:p>
+            <a:r>
+              <a:rPr lang="sl-SI" dirty="0"/>
               <a:t>Primeri kompleksnejših rešitev</a:t>
             </a:r>
           </a:p>
@@ -2427,6 +8689,128 @@
     <p:extLst>
       <p:ext uri="{BB962C8B-B14F-4D97-AF65-F5344CB8AC3E}">
         <p14:creationId xmlns:p14="http://schemas.microsoft.com/office/powerpoint/2010/main" val="4180085405"/>
+      </p:ext>
+    </p:extLst>
+  </p:cSld>
+  <p:clrMapOvr>
+    <a:masterClrMapping/>
+  </p:clrMapOvr>
+</p:sld>
+</file>
+
+<file path=ppt/slides/slide16.xml><?xml version="1.0" encoding="utf-8"?>
+<p:sld xmlns:a="http://schemas.openxmlformats.org/drawingml/2006/main" xmlns:r="http://schemas.openxmlformats.org/officeDocument/2006/relationships" xmlns:p="http://schemas.openxmlformats.org/presentationml/2006/main">
+  <p:cSld>
+    <p:spTree>
+      <p:nvGrpSpPr>
+        <p:cNvPr id="1" name=""/>
+        <p:cNvGrpSpPr/>
+        <p:nvPr/>
+      </p:nvGrpSpPr>
+      <p:grpSpPr>
+        <a:xfrm>
+          <a:off x="0" y="0"/>
+          <a:ext cx="0" cy="0"/>
+          <a:chOff x="0" y="0"/>
+          <a:chExt cx="0" cy="0"/>
+        </a:xfrm>
+      </p:grpSpPr>
+      <p:sp>
+        <p:nvSpPr>
+          <p:cNvPr id="2" name="Naslov 1">
+            <a:extLst>
+              <a:ext uri="{FF2B5EF4-FFF2-40B4-BE49-F238E27FC236}">
+                <a16:creationId xmlns:a16="http://schemas.microsoft.com/office/drawing/2014/main" id="{0FDFA350-2602-4B8F-875B-793B6F1F854A}"/>
+              </a:ext>
+            </a:extLst>
+          </p:cNvPr>
+          <p:cNvSpPr>
+            <a:spLocks noGrp="1"/>
+          </p:cNvSpPr>
+          <p:nvPr>
+            <p:ph type="title"/>
+          </p:nvPr>
+        </p:nvSpPr>
+        <p:spPr/>
+        <p:txBody>
+          <a:bodyPr/>
+          <a:lstStyle/>
+          <a:p>
+            <a:r>
+              <a:rPr lang="sl-SI" dirty="0"/>
+              <a:t>Viri in literatura</a:t>
+            </a:r>
+          </a:p>
+        </p:txBody>
+      </p:sp>
+      <p:sp>
+        <p:nvSpPr>
+          <p:cNvPr id="3" name="Označba mesta vsebine 2">
+            <a:extLst>
+              <a:ext uri="{FF2B5EF4-FFF2-40B4-BE49-F238E27FC236}">
+                <a16:creationId xmlns:a16="http://schemas.microsoft.com/office/drawing/2014/main" id="{136C5433-E99E-4033-90A1-A8B7AE19D025}"/>
+              </a:ext>
+            </a:extLst>
+          </p:cNvPr>
+          <p:cNvSpPr>
+            <a:spLocks noGrp="1"/>
+          </p:cNvSpPr>
+          <p:nvPr>
+            <p:ph sz="quarter" idx="10"/>
+          </p:nvPr>
+        </p:nvSpPr>
+        <p:spPr/>
+        <p:txBody>
+          <a:bodyPr/>
+          <a:lstStyle/>
+          <a:p>
+            <a:r>
+              <a:rPr lang="sl-SI" dirty="0">
+                <a:hlinkClick r:id="rId2"/>
+              </a:rPr>
+              <a:t>https://d3js.org/</a:t>
+            </a:r>
+            <a:endParaRPr lang="sl-SI" dirty="0"/>
+          </a:p>
+          <a:p>
+            <a:r>
+              <a:rPr lang="sl-SI" dirty="0">
+                <a:hlinkClick r:id="rId3"/>
+              </a:rPr>
+              <a:t>https://github.com/d3/d3/blob/master/API.md</a:t>
+            </a:r>
+            <a:endParaRPr lang="sl-SI" dirty="0"/>
+          </a:p>
+          <a:p>
+            <a:r>
+              <a:rPr lang="sl-SI" dirty="0">
+                <a:hlinkClick r:id="rId4"/>
+              </a:rPr>
+              <a:t>https://github.com/d3/d3/wiki</a:t>
+            </a:r>
+            <a:endParaRPr lang="sl-SI" dirty="0"/>
+          </a:p>
+          <a:p>
+            <a:r>
+              <a:rPr lang="sl-SI" dirty="0">
+                <a:hlinkClick r:id="rId5"/>
+              </a:rPr>
+              <a:t>https://www.npmjs.com/package/d3</a:t>
+            </a:r>
+            <a:endParaRPr lang="sl-SI" dirty="0"/>
+          </a:p>
+          <a:p>
+            <a:pPr marL="0" indent="0">
+              <a:buNone/>
+            </a:pPr>
+            <a:endParaRPr lang="sl-SI" dirty="0"/>
+          </a:p>
+        </p:txBody>
+      </p:sp>
+    </p:spTree>
+    <p:extLst>
+      <p:ext uri="{BB962C8B-B14F-4D97-AF65-F5344CB8AC3E}">
+        <p14:creationId xmlns:p14="http://schemas.microsoft.com/office/powerpoint/2010/main" val="3682727358"/>
       </p:ext>
     </p:extLst>
   </p:cSld>
@@ -2470,7 +8854,7 @@
           <a:p>
             <a:r>
               <a:rPr lang="sl-SI" dirty="0"/>
-              <a:t>Vsebina predstavitve</a:t>
+              <a:t>Kaj je D3?</a:t>
             </a:r>
           </a:p>
         </p:txBody>
@@ -2487,56 +8871,17 @@
         </p:nvSpPr>
         <p:spPr>
           <a:xfrm>
-            <a:off x="457200" y="1600200"/>
-            <a:ext cx="8229600" cy="5029200"/>
+            <a:off x="381000" y="1270000"/>
+            <a:ext cx="8229600" cy="4876800"/>
           </a:xfrm>
         </p:spPr>
         <p:txBody>
-          <a:bodyPr>
-            <a:normAutofit/>
-          </a:bodyPr>
+          <a:bodyPr/>
           <a:lstStyle/>
           <a:p>
             <a:r>
-              <a:rPr lang="sl-SI" dirty="0"/>
-              <a:t>Kaj potrebujemo za razvoj</a:t>
-            </a:r>
-          </a:p>
-          <a:p>
-            <a:pPr lvl="1"/>
-            <a:r>
-              <a:rPr lang="sl-SI" dirty="0"/>
-              <a:t>Katera orodja in knjižnice potrebujemo za razvoj</a:t>
-            </a:r>
-          </a:p>
-          <a:p>
-            <a:pPr lvl="1"/>
-            <a:r>
-              <a:rPr lang="sl-SI" dirty="0"/>
-              <a:t>Kjer in kako dobimo vse potrebno za razvoj</a:t>
-            </a:r>
-          </a:p>
-          <a:p>
-            <a:r>
-              <a:rPr lang="sl-SI" dirty="0"/>
-              <a:t>Osnovni koncepti razvoja rešitev na osnovi izbrane tehnologije, platforme, knjižnice</a:t>
-            </a:r>
-          </a:p>
-          <a:p>
-            <a:r>
-              <a:rPr lang="sl-SI" dirty="0"/>
-              <a:t>Primer preproste rešitve</a:t>
-            </a:r>
-          </a:p>
-          <a:p>
-            <a:pPr lvl="1"/>
-            <a:r>
-              <a:rPr lang="sl-SI" dirty="0"/>
-              <a:t>Če je možno, se predstavi izdelava preproste rešitve (tipa „</a:t>
-            </a:r>
-            <a:r>
               <a:rPr lang="sl-SI" dirty="0" err="1"/>
-              <a:t>Hello</a:t>
+              <a:t>JavaScript</a:t>
             </a:r>
             <a:r>
               <a:rPr lang="sl-SI" dirty="0"/>
@@ -2544,32 +8889,89 @@
             </a:r>
             <a:r>
               <a:rPr lang="sl-SI" dirty="0" err="1"/>
-              <a:t>world</a:t>
+              <a:t>knjižnjica</a:t>
             </a:r>
             <a:r>
               <a:rPr lang="sl-SI" dirty="0"/>
-              <a:t>“)</a:t>
+              <a:t> namenjena obdelavi dokumentov, ki temeljijo na podatkih.</a:t>
             </a:r>
           </a:p>
           <a:p>
             <a:r>
               <a:rPr lang="sl-SI" dirty="0"/>
-              <a:t>Primeri kompleksnejših rešitev</a:t>
+              <a:t>Ponuja veliko možnosti vizualizacije podatkov</a:t>
+            </a:r>
+          </a:p>
+          <a:p>
+            <a:r>
+              <a:rPr lang="sl-SI" dirty="0"/>
+              <a:t>Prikaz temelji na uporabi:</a:t>
             </a:r>
           </a:p>
           <a:p>
             <a:pPr lvl="1"/>
             <a:r>
               <a:rPr lang="sl-SI" dirty="0"/>
-              <a:t>Poskusite najti primere rešitev v uporabi, ki bodo ponazorili zmožnosti knjižnice in uporabe v praksi</a:t>
-            </a:r>
+              <a:t>HTML</a:t>
+            </a:r>
+          </a:p>
+          <a:p>
+            <a:pPr lvl="1"/>
+            <a:r>
+              <a:rPr lang="sl-SI" dirty="0"/>
+              <a:t>SVG</a:t>
+            </a:r>
+          </a:p>
+          <a:p>
+            <a:pPr lvl="1"/>
+            <a:r>
+              <a:rPr lang="sl-SI" dirty="0"/>
+              <a:t>CSS</a:t>
+            </a:r>
+          </a:p>
+          <a:p>
+            <a:endParaRPr lang="sl-SI" dirty="0"/>
+          </a:p>
+          <a:p>
+            <a:pPr marL="0" indent="0" algn="ctr">
+              <a:buNone/>
+            </a:pPr>
+            <a:r>
+              <a:rPr lang="sl-SI" i="1" dirty="0">
+                <a:solidFill>
+                  <a:srgbClr val="FF0000"/>
+                </a:solidFill>
+              </a:rPr>
+              <a:t>Ni magično orodje, ki riše in oblikuje grafe, zemljevide. </a:t>
+            </a:r>
+            <a:r>
+              <a:rPr lang="sl-SI" i="1" dirty="0">
+                <a:solidFill>
+                  <a:srgbClr val="FF0000"/>
+                </a:solidFill>
+                <a:sym typeface="Wingdings" panose="05000000000000000000" pitchFamily="2" charset="2"/>
+              </a:rPr>
+              <a:t></a:t>
+            </a:r>
+            <a:endParaRPr lang="sl-SI" i="1" dirty="0">
+              <a:solidFill>
+                <a:srgbClr val="FF0000"/>
+              </a:solidFill>
+            </a:endParaRPr>
+          </a:p>
+          <a:p>
+            <a:endParaRPr lang="sl-SI" dirty="0"/>
+          </a:p>
+          <a:p>
+            <a:pPr lvl="1"/>
+            <a:endParaRPr lang="sl-SI" dirty="0"/>
           </a:p>
         </p:txBody>
       </p:sp>
     </p:spTree>
     <p:extLst>
       <p:ext uri="{BB962C8B-B14F-4D97-AF65-F5344CB8AC3E}">
-        <p14:creationId xmlns:p14="http://schemas.microsoft.com/office/powerpoint/2010/main" val="2033183935"/>
+        <p14:creationId xmlns:p14="http://schemas.microsoft.com/office/powerpoint/2010/main" val="1349444118"/>
       </p:ext>
     </p:extLst>
   </p:cSld>
@@ -2609,13 +9011,13 @@
         <p:spPr/>
         <p:txBody>
           <a:bodyPr>
-            <a:normAutofit fontScale="90000"/>
+            <a:normAutofit/>
           </a:bodyPr>
           <a:lstStyle/>
           <a:p>
             <a:r>
               <a:rPr lang="sl-SI" dirty="0"/>
-              <a:t>Uvodna predstavitev tehnologije, platforme, knjižnice</a:t>
+              <a:t>Glavne funkcionalnosti, zmožnosti</a:t>
             </a:r>
           </a:p>
         </p:txBody>
@@ -2630,34 +9032,54 @@
             <p:ph sz="quarter" idx="10"/>
           </p:nvPr>
         </p:nvSpPr>
-        <p:spPr/>
+        <p:spPr>
+          <a:xfrm>
+            <a:off x="457200" y="1981200"/>
+            <a:ext cx="8229600" cy="4876800"/>
+          </a:xfrm>
+        </p:spPr>
         <p:txBody>
           <a:bodyPr/>
           <a:lstStyle/>
           <a:p>
             <a:r>
               <a:rPr lang="sl-SI" dirty="0"/>
-              <a:t>Glavni namen uporabe, </a:t>
+              <a:t>Namenjen predvsem interaktivni vizualizaciji podatkov</a:t>
             </a:r>
           </a:p>
           <a:p>
             <a:r>
               <a:rPr lang="sl-SI" dirty="0"/>
-              <a:t>Glavne funkcionalnosti, zmožnosti</a:t>
+              <a:t>Izjemno hiter</a:t>
             </a:r>
           </a:p>
           <a:p>
             <a:r>
               <a:rPr lang="sl-SI" dirty="0"/>
-              <a:t>Področja uporabe</a:t>
-            </a:r>
+              <a:t>Podpira velike nabore podatkov</a:t>
+            </a:r>
+          </a:p>
+          <a:p>
+            <a:r>
+              <a:rPr lang="sl-SI" dirty="0"/>
+              <a:t>Podpira dinamično vedenje za interakcijo in animacijo</a:t>
+            </a:r>
+          </a:p>
+          <a:p>
+            <a:r>
+              <a:rPr lang="sl-SI" dirty="0"/>
+              <a:t>Omogoča ponovno uporabo kode</a:t>
+            </a:r>
+          </a:p>
+          <a:p>
+            <a:endParaRPr lang="sl-SI" dirty="0"/>
           </a:p>
         </p:txBody>
       </p:sp>
     </p:spTree>
     <p:extLst>
       <p:ext uri="{BB962C8B-B14F-4D97-AF65-F5344CB8AC3E}">
-        <p14:creationId xmlns:p14="http://schemas.microsoft.com/office/powerpoint/2010/main" val="748879619"/>
+        <p14:creationId xmlns:p14="http://schemas.microsoft.com/office/powerpoint/2010/main" val="1370123313"/>
       </p:ext>
     </p:extLst>
   </p:cSld>
@@ -2696,87 +9118,47 @@
         </p:nvSpPr>
         <p:spPr/>
         <p:txBody>
+          <a:bodyPr>
+            <a:normAutofit/>
+          </a:bodyPr>
+          <a:lstStyle/>
+          <a:p>
+            <a:r>
+              <a:rPr lang="sl-SI" dirty="0"/>
+              <a:t>Področja uporabe</a:t>
+            </a:r>
+          </a:p>
+        </p:txBody>
+      </p:sp>
+      <p:sp>
+        <p:nvSpPr>
+          <p:cNvPr id="3" name="Označba mesta vsebine 2"/>
+          <p:cNvSpPr>
+            <a:spLocks noGrp="1"/>
+          </p:cNvSpPr>
+          <p:nvPr>
+            <p:ph sz="quarter" idx="10"/>
+          </p:nvPr>
+        </p:nvSpPr>
+        <p:spPr/>
+        <p:txBody>
           <a:bodyPr/>
           <a:lstStyle/>
           <a:p>
             <a:r>
               <a:rPr lang="sl-SI" dirty="0"/>
-              <a:t>Glavni nameni uporabe</a:t>
-            </a:r>
-          </a:p>
-        </p:txBody>
-      </p:sp>
-      <p:sp>
-        <p:nvSpPr>
-          <p:cNvPr id="3" name="Označba mesta vsebine 2"/>
-          <p:cNvSpPr>
-            <a:spLocks noGrp="1"/>
-          </p:cNvSpPr>
-          <p:nvPr>
-            <p:ph sz="quarter" idx="10"/>
-          </p:nvPr>
-        </p:nvSpPr>
-        <p:spPr/>
-        <p:txBody>
-          <a:bodyPr/>
-          <a:lstStyle/>
-          <a:p>
-            <a:r>
-              <a:rPr lang="sl-SI" dirty="0" err="1"/>
-              <a:t>JavaScript</a:t>
-            </a:r>
-            <a:r>
-              <a:rPr lang="sl-SI" dirty="0"/>
-              <a:t> </a:t>
-            </a:r>
-            <a:r>
-              <a:rPr lang="sl-SI" dirty="0" err="1"/>
-              <a:t>knjižnjica</a:t>
-            </a:r>
-            <a:r>
-              <a:rPr lang="sl-SI" dirty="0"/>
-              <a:t> namenjena manipulaciji dokumentov katerih osnova so podatki</a:t>
-            </a:r>
-          </a:p>
-          <a:p>
-            <a:r>
-              <a:rPr lang="sl-SI" dirty="0"/>
-              <a:t>Ponuja veliko možnosti vizualizacije podatkov</a:t>
-            </a:r>
-          </a:p>
-          <a:p>
-            <a:r>
-              <a:rPr lang="sl-SI" dirty="0"/>
-              <a:t>Prikaz temelji na uporabi:</a:t>
-            </a:r>
-          </a:p>
-          <a:p>
-            <a:pPr lvl="1"/>
-            <a:r>
-              <a:rPr lang="sl-SI" dirty="0"/>
-              <a:t>HTML</a:t>
-            </a:r>
-          </a:p>
-          <a:p>
-            <a:pPr lvl="1"/>
-            <a:r>
-              <a:rPr lang="sl-SI" dirty="0"/>
-              <a:t>SVG</a:t>
-            </a:r>
-          </a:p>
-          <a:p>
-            <a:pPr lvl="1"/>
-            <a:r>
-              <a:rPr lang="sl-SI" dirty="0"/>
-              <a:t>CSS</a:t>
-            </a:r>
+              <a:t>Kjerkoli na spletni strani, kjer imamo interakcijo s podatki. </a:t>
+            </a:r>
+          </a:p>
+          <a:p>
+            <a:endParaRPr lang="sl-SI" dirty="0"/>
           </a:p>
         </p:txBody>
       </p:sp>
     </p:spTree>
     <p:extLst>
       <p:ext uri="{BB962C8B-B14F-4D97-AF65-F5344CB8AC3E}">
-        <p14:creationId xmlns:p14="http://schemas.microsoft.com/office/powerpoint/2010/main" val="1349444118"/>
+        <p14:creationId xmlns:p14="http://schemas.microsoft.com/office/powerpoint/2010/main" val="4253571898"/>
       </p:ext>
     </p:extLst>
   </p:cSld>
@@ -2821,9 +9203,10 @@
           <a:lstStyle/>
           <a:p>
             <a:r>
-              <a:rPr lang="sl-SI" dirty="0"/>
-              <a:t>Glavne funkcionalnosti, zmožnosti</a:t>
-            </a:r>
+              <a:rPr lang="pl-PL" dirty="0"/>
+              <a:t>Katera orodja in knjižnice potrebujemo za razvoj</a:t>
+            </a:r>
+            <a:endParaRPr lang="sl-SI" dirty="0"/>
           </a:p>
         </p:txBody>
       </p:sp>
@@ -2837,19 +9220,79 @@
             <p:ph sz="quarter" idx="10"/>
           </p:nvPr>
         </p:nvSpPr>
-        <p:spPr/>
+        <p:spPr>
+          <a:xfrm>
+            <a:off x="457200" y="1981200"/>
+            <a:ext cx="8229600" cy="4876800"/>
+          </a:xfrm>
+        </p:spPr>
         <p:txBody>
           <a:bodyPr/>
           <a:lstStyle/>
           <a:p>
-            <a:endParaRPr lang="sl-SI"/>
+            <a:r>
+              <a:rPr lang="sl-SI" dirty="0"/>
+              <a:t>Urejevalnik teksta ali IDE</a:t>
+            </a:r>
+          </a:p>
+          <a:p>
+            <a:r>
+              <a:rPr lang="sl-SI" dirty="0"/>
+              <a:t>Node.js</a:t>
+            </a:r>
+          </a:p>
+          <a:p>
+            <a:r>
+              <a:rPr lang="sl-SI" dirty="0" err="1"/>
+              <a:t>Knjižnjica</a:t>
+            </a:r>
+            <a:r>
+              <a:rPr lang="sl-SI" dirty="0"/>
+              <a:t> D3</a:t>
+            </a:r>
+          </a:p>
+          <a:p>
+            <a:r>
+              <a:rPr lang="sl-SI" dirty="0"/>
+              <a:t>Ustrezni brskalnik:</a:t>
+            </a:r>
+          </a:p>
+          <a:p>
+            <a:pPr lvl="1"/>
+            <a:r>
+              <a:rPr lang="sl-SI" dirty="0" err="1"/>
+              <a:t>Chrome</a:t>
+            </a:r>
+            <a:r>
+              <a:rPr lang="sl-SI" dirty="0"/>
+              <a:t>, Opera, Safari, Firefox, IE9+, Android, </a:t>
+            </a:r>
+            <a:r>
+              <a:rPr lang="sl-SI" dirty="0" err="1"/>
+              <a:t>iOS</a:t>
+            </a:r>
+            <a:endParaRPr lang="sl-SI" dirty="0"/>
+          </a:p>
+          <a:p>
+            <a:pPr lvl="1"/>
+            <a:r>
+              <a:rPr lang="sl-SI" dirty="0"/>
+              <a:t>Ne podpira IE8 in starejših verzij </a:t>
+            </a:r>
+            <a:r>
+              <a:rPr lang="sl-SI" dirty="0">
+                <a:sym typeface="Wingdings" panose="05000000000000000000" pitchFamily="2" charset="2"/>
+              </a:rPr>
+              <a:t></a:t>
+            </a:r>
+            <a:endParaRPr lang="sl-SI" dirty="0"/>
           </a:p>
         </p:txBody>
       </p:sp>
     </p:spTree>
     <p:extLst>
       <p:ext uri="{BB962C8B-B14F-4D97-AF65-F5344CB8AC3E}">
-        <p14:creationId xmlns:p14="http://schemas.microsoft.com/office/powerpoint/2010/main" val="1370123313"/>
+        <p14:creationId xmlns:p14="http://schemas.microsoft.com/office/powerpoint/2010/main" val="36178534"/>
       </p:ext>
     </p:extLst>
   </p:cSld>
@@ -2894,9 +9337,10 @@
           <a:lstStyle/>
           <a:p>
             <a:r>
-              <a:rPr lang="sl-SI" dirty="0"/>
-              <a:t>Področja uporabe</a:t>
-            </a:r>
+              <a:rPr lang="pl-PL" dirty="0"/>
+              <a:t>Kje in kako dobimo vse potrebno za razvoj</a:t>
+            </a:r>
+            <a:endParaRPr lang="sl-SI" dirty="0"/>
           </a:p>
         </p:txBody>
       </p:sp>
@@ -2910,19 +9354,169 @@
             <p:ph sz="quarter" idx="10"/>
           </p:nvPr>
         </p:nvSpPr>
-        <p:spPr/>
+        <p:spPr>
+          <a:xfrm>
+            <a:off x="381000" y="1899920"/>
+            <a:ext cx="8229600" cy="4876800"/>
+          </a:xfrm>
+        </p:spPr>
         <p:txBody>
           <a:bodyPr/>
           <a:lstStyle/>
           <a:p>
-            <a:endParaRPr lang="sl-SI"/>
+            <a:r>
+              <a:rPr lang="sl-SI" dirty="0"/>
+              <a:t>Uporabimo ukaz </a:t>
+            </a:r>
+            <a:r>
+              <a:rPr lang="sl-SI" dirty="0" err="1"/>
+              <a:t>npm</a:t>
+            </a:r>
+            <a:r>
+              <a:rPr lang="sl-SI" dirty="0"/>
+              <a:t> </a:t>
+            </a:r>
+            <a:r>
+              <a:rPr lang="sl-SI" dirty="0" err="1"/>
+              <a:t>install</a:t>
+            </a:r>
+            <a:r>
+              <a:rPr lang="sl-SI" dirty="0"/>
+              <a:t> d3 ali pa si prenesemo zadnjo verzijo</a:t>
+            </a:r>
+          </a:p>
+          <a:p>
+            <a:r>
+              <a:rPr lang="sl-SI" dirty="0"/>
+              <a:t>Z ukazi vključimo </a:t>
+            </a:r>
+            <a:r>
+              <a:rPr lang="sl-SI" dirty="0" err="1"/>
+              <a:t>knjižnjico</a:t>
+            </a:r>
+            <a:r>
+              <a:rPr lang="sl-SI" dirty="0"/>
+              <a:t> v projekt:</a:t>
+            </a:r>
+          </a:p>
+          <a:p>
+            <a:pPr lvl="1"/>
+            <a:r>
+              <a:rPr lang="sl-SI" dirty="0"/>
+              <a:t>var d3 = </a:t>
+            </a:r>
+            <a:r>
+              <a:rPr lang="sl-SI" dirty="0" err="1"/>
+              <a:t>require</a:t>
+            </a:r>
+            <a:r>
+              <a:rPr lang="sl-SI" dirty="0"/>
+              <a:t>(‚d3‘)</a:t>
+            </a:r>
+          </a:p>
+          <a:p>
+            <a:r>
+              <a:rPr lang="sl-SI" dirty="0"/>
+              <a:t>Če želimo uporabiti DOM, moramo </a:t>
+            </a:r>
+            <a:r>
+              <a:rPr lang="sl-SI" dirty="0" err="1"/>
+              <a:t>vljučiti</a:t>
+            </a:r>
+            <a:r>
+              <a:rPr lang="sl-SI" dirty="0"/>
+              <a:t> </a:t>
+            </a:r>
+            <a:r>
+              <a:rPr lang="sl-SI" dirty="0" err="1"/>
+              <a:t>lahtno</a:t>
+            </a:r>
+            <a:r>
+              <a:rPr lang="sl-SI" dirty="0"/>
+              <a:t> implementacijo, </a:t>
+            </a:r>
+            <a:r>
+              <a:rPr lang="sl-SI" dirty="0" err="1"/>
+              <a:t>priporočjivo</a:t>
+            </a:r>
+            <a:r>
+              <a:rPr lang="sl-SI" dirty="0"/>
+              <a:t> je JSDOM:</a:t>
+            </a:r>
+          </a:p>
+          <a:p>
+            <a:pPr lvl="1"/>
+            <a:r>
+              <a:rPr lang="sl-SI" dirty="0"/>
+              <a:t>var </a:t>
+            </a:r>
+            <a:r>
+              <a:rPr lang="sl-SI" dirty="0" err="1"/>
+              <a:t>jsdom</a:t>
+            </a:r>
+            <a:r>
+              <a:rPr lang="sl-SI" dirty="0"/>
+              <a:t> = </a:t>
+            </a:r>
+            <a:r>
+              <a:rPr lang="sl-SI" dirty="0" err="1"/>
+              <a:t>require</a:t>
+            </a:r>
+            <a:r>
+              <a:rPr lang="sl-SI" dirty="0"/>
+              <a:t>(‚</a:t>
+            </a:r>
+            <a:r>
+              <a:rPr lang="sl-SI" dirty="0" err="1"/>
+              <a:t>jsdom</a:t>
+            </a:r>
+            <a:r>
+              <a:rPr lang="sl-SI" dirty="0"/>
+              <a:t>‘);</a:t>
+            </a:r>
+          </a:p>
+          <a:p>
+            <a:pPr lvl="1"/>
+            <a:r>
+              <a:rPr lang="sl-SI" dirty="0"/>
+              <a:t>var </a:t>
+            </a:r>
+            <a:r>
+              <a:rPr lang="sl-SI" dirty="0" err="1"/>
+              <a:t>document</a:t>
+            </a:r>
+            <a:r>
+              <a:rPr lang="sl-SI" dirty="0"/>
+              <a:t> = </a:t>
+            </a:r>
+            <a:r>
+              <a:rPr lang="sl-SI" dirty="0" err="1"/>
+              <a:t>jsdom.jsdom</a:t>
+            </a:r>
+            <a:r>
+              <a:rPr lang="sl-SI" dirty="0"/>
+              <a:t>();</a:t>
+            </a:r>
+          </a:p>
+          <a:p>
+            <a:pPr lvl="1"/>
+            <a:endParaRPr lang="sl-SI" dirty="0"/>
+          </a:p>
+          <a:p>
+            <a:pPr marL="457200" lvl="1" indent="0">
+              <a:buNone/>
+            </a:pPr>
+            <a:endParaRPr lang="sl-SI" dirty="0"/>
+          </a:p>
+          <a:p>
+            <a:endParaRPr lang="sl-SI" dirty="0"/>
           </a:p>
         </p:txBody>
       </p:sp>
     </p:spTree>
     <p:extLst>
       <p:ext uri="{BB962C8B-B14F-4D97-AF65-F5344CB8AC3E}">
-        <p14:creationId xmlns:p14="http://schemas.microsoft.com/office/powerpoint/2010/main" val="4253571898"/>
+        <p14:creationId xmlns:p14="http://schemas.microsoft.com/office/powerpoint/2010/main" val="902829336"/>
       </p:ext>
     </p:extLst>
   </p:cSld>
@@ -2959,42 +9553,64 @@
             <p:ph type="title"/>
           </p:nvPr>
         </p:nvSpPr>
-        <p:spPr/>
+        <p:spPr>
+          <a:xfrm>
+            <a:off x="457200" y="274638"/>
+            <a:ext cx="8229600" cy="944562"/>
+          </a:xfrm>
+        </p:spPr>
+        <p:txBody>
+          <a:bodyPr anchor="t">
+            <a:noAutofit/>
+          </a:bodyPr>
+          <a:lstStyle/>
+          <a:p>
+            <a:r>
+              <a:rPr lang="sl-SI" sz="4000" dirty="0"/>
+              <a:t>Kaj nam D3 omogoča?</a:t>
+            </a:r>
+            <a:br>
+              <a:rPr lang="sl-SI" dirty="0"/>
+            </a:br>
+            <a:endParaRPr lang="sl-SI" dirty="0"/>
+          </a:p>
+        </p:txBody>
+      </p:sp>
+      <p:sp>
+        <p:nvSpPr>
+          <p:cNvPr id="3" name="Označba mesta vsebine 2"/>
+          <p:cNvSpPr>
+            <a:spLocks noGrp="1"/>
+          </p:cNvSpPr>
+          <p:nvPr>
+            <p:ph sz="quarter" idx="10"/>
+          </p:nvPr>
+        </p:nvSpPr>
+        <p:spPr>
+          <a:xfrm>
+            <a:off x="457200" y="1219200"/>
+            <a:ext cx="8229600" cy="5257800"/>
+          </a:xfrm>
+        </p:spPr>
         <p:txBody>
           <a:bodyPr/>
           <a:lstStyle/>
           <a:p>
             <a:r>
               <a:rPr lang="sl-SI" dirty="0"/>
-              <a:t>Kaj potrebujemo za razvoj</a:t>
-            </a:r>
-          </a:p>
-        </p:txBody>
-      </p:sp>
-      <p:sp>
-        <p:nvSpPr>
-          <p:cNvPr id="3" name="Označba mesta vsebine 2"/>
-          <p:cNvSpPr>
-            <a:spLocks noGrp="1"/>
-          </p:cNvSpPr>
-          <p:nvPr>
-            <p:ph sz="quarter" idx="10"/>
-          </p:nvPr>
-        </p:nvSpPr>
-        <p:spPr/>
-        <p:txBody>
-          <a:bodyPr/>
-          <a:lstStyle/>
+              <a:t>Omogoča povezavo poljubnih podatke z DOM-om ter dodajanja, na podlagi podatkov, transformacij v dokumentu.</a:t>
+            </a:r>
+          </a:p>
           <a:p>
             <a:r>
               <a:rPr lang="sl-SI" dirty="0"/>
-              <a:t>Katera orodja in knjižnice potrebujemo za razvoj</a:t>
+              <a:t>PRIMER: D3 uporabimo za ustvarjanje HTML tabele števil</a:t>
             </a:r>
           </a:p>
           <a:p>
             <a:r>
               <a:rPr lang="sl-SI" dirty="0"/>
-              <a:t>Kjer in kako dobimo vse potrebno za razvoj</a:t>
+              <a:t>PRIMER 2: iste podatke uporabimo za prikaz SVG stolpčnega diagrama z gladkimi prehodi</a:t>
             </a:r>
           </a:p>
           <a:p>
@@ -3005,7 +9621,7 @@
     </p:spTree>
     <p:extLst>
       <p:ext uri="{BB962C8B-B14F-4D97-AF65-F5344CB8AC3E}">
-        <p14:creationId xmlns:p14="http://schemas.microsoft.com/office/powerpoint/2010/main" val="1865022892"/>
+        <p14:creationId xmlns:p14="http://schemas.microsoft.com/office/powerpoint/2010/main" val="3368673424"/>
       </p:ext>
     </p:extLst>
   </p:cSld>
@@ -3034,37 +9650,18 @@
       </p:grpSpPr>
       <p:sp>
         <p:nvSpPr>
-          <p:cNvPr id="2" name="Naslov 1"/>
+          <p:cNvPr id="2" name="Naslov 1">
+            <a:extLst>
+              <a:ext uri="{FF2B5EF4-FFF2-40B4-BE49-F238E27FC236}">
+                <a16:creationId xmlns:a16="http://schemas.microsoft.com/office/drawing/2014/main" id="{D929C971-6807-4026-AE8F-D4191B670C7E}"/>
+              </a:ext>
+            </a:extLst>
+          </p:cNvPr>
           <p:cNvSpPr>
             <a:spLocks noGrp="1"/>
           </p:cNvSpPr>
           <p:nvPr>
             <p:ph type="title"/>
-          </p:nvPr>
-        </p:nvSpPr>
-        <p:spPr/>
-        <p:txBody>
-          <a:bodyPr>
-            <a:normAutofit fontScale="90000"/>
-          </a:bodyPr>
-          <a:lstStyle/>
-          <a:p>
-            <a:r>
-              <a:rPr lang="pl-PL" dirty="0"/>
-              <a:t>Katera orodja in knjižnice potrebujemo za razvoj</a:t>
-            </a:r>
-            <a:endParaRPr lang="sl-SI" dirty="0"/>
-          </a:p>
-        </p:txBody>
-      </p:sp>
-      <p:sp>
-        <p:nvSpPr>
-          <p:cNvPr id="3" name="Označba mesta vsebine 2"/>
-          <p:cNvSpPr>
-            <a:spLocks noGrp="1"/>
-          </p:cNvSpPr>
-          <p:nvPr>
-            <p:ph sz="quarter" idx="10"/>
           </p:nvPr>
         </p:nvSpPr>
         <p:spPr/>
@@ -3072,14 +9669,138 @@
           <a:bodyPr/>
           <a:lstStyle/>
           <a:p>
-            <a:endParaRPr lang="sl-SI"/>
-          </a:p>
-        </p:txBody>
-      </p:sp>
+            <a:r>
+              <a:rPr lang="sl-SI" dirty="0" err="1"/>
+              <a:t>Selections</a:t>
+            </a:r>
+            <a:r>
+              <a:rPr lang="sl-SI" dirty="0"/>
+              <a:t> (1/2)</a:t>
+            </a:r>
+          </a:p>
+        </p:txBody>
+      </p:sp>
+      <p:sp>
+        <p:nvSpPr>
+          <p:cNvPr id="3" name="Označba mesta vsebine 2">
+            <a:extLst>
+              <a:ext uri="{FF2B5EF4-FFF2-40B4-BE49-F238E27FC236}">
+                <a16:creationId xmlns:a16="http://schemas.microsoft.com/office/drawing/2014/main" id="{6F60F0F6-D88A-4CCB-A44D-42D274CDD46B}"/>
+              </a:ext>
+            </a:extLst>
+          </p:cNvPr>
+          <p:cNvSpPr>
+            <a:spLocks noGrp="1"/>
+          </p:cNvSpPr>
+          <p:nvPr>
+            <p:ph sz="quarter" idx="10"/>
+          </p:nvPr>
+        </p:nvSpPr>
+        <p:spPr>
+          <a:xfrm>
+            <a:off x="381000" y="1447800"/>
+            <a:ext cx="8229600" cy="4876800"/>
+          </a:xfrm>
+        </p:spPr>
+        <p:txBody>
+          <a:bodyPr/>
+          <a:lstStyle/>
+          <a:p>
+            <a:r>
+              <a:rPr lang="sl-SI" dirty="0"/>
+              <a:t>Deluje na poljubnih nizih vozlišč</a:t>
+            </a:r>
+          </a:p>
+          <a:p>
+            <a:r>
+              <a:rPr lang="sl-SI" dirty="0"/>
+              <a:t>PRIMER:</a:t>
+            </a:r>
+          </a:p>
+          <a:p>
+            <a:endParaRPr lang="sl-SI" dirty="0"/>
+          </a:p>
+          <a:p>
+            <a:endParaRPr lang="sl-SI" dirty="0"/>
+          </a:p>
+          <a:p>
+            <a:endParaRPr lang="sl-SI" dirty="0"/>
+          </a:p>
+          <a:p>
+            <a:endParaRPr lang="sl-SI" dirty="0"/>
+          </a:p>
+          <a:p>
+            <a:r>
+              <a:rPr lang="sl-SI" dirty="0"/>
+              <a:t>Uporaba izbire:</a:t>
+            </a:r>
+          </a:p>
+        </p:txBody>
+      </p:sp>
+      <p:pic>
+        <p:nvPicPr>
+          <p:cNvPr id="4" name="Slika 3">
+            <a:extLst>
+              <a:ext uri="{FF2B5EF4-FFF2-40B4-BE49-F238E27FC236}">
+                <a16:creationId xmlns:a16="http://schemas.microsoft.com/office/drawing/2014/main" id="{58F4EA37-DD95-4907-B7CB-DB709A45596C}"/>
+              </a:ext>
+            </a:extLst>
+          </p:cNvPr>
+          <p:cNvPicPr>
+            <a:picLocks noChangeAspect="1"/>
+          </p:cNvPicPr>
+          <p:nvPr/>
+        </p:nvPicPr>
+        <p:blipFill>
+          <a:blip r:embed="rId2"/>
+          <a:stretch>
+            <a:fillRect/>
+          </a:stretch>
+        </p:blipFill>
+        <p:spPr>
+          <a:xfrm>
+            <a:off x="609599" y="2590800"/>
+            <a:ext cx="7422777" cy="1752600"/>
+          </a:xfrm>
+          <a:prstGeom prst="rect">
+            <a:avLst/>
+          </a:prstGeom>
+        </p:spPr>
+      </p:pic>
+      <p:pic>
+        <p:nvPicPr>
+          <p:cNvPr id="5" name="Slika 4">
+            <a:extLst>
+              <a:ext uri="{FF2B5EF4-FFF2-40B4-BE49-F238E27FC236}">
+                <a16:creationId xmlns:a16="http://schemas.microsoft.com/office/drawing/2014/main" id="{D3CE2914-04E3-44FB-98FA-50C9FAD1620F}"/>
+              </a:ext>
+            </a:extLst>
+          </p:cNvPr>
+          <p:cNvPicPr>
+            <a:picLocks noChangeAspect="1"/>
+          </p:cNvPicPr>
+          <p:nvPr/>
+        </p:nvPicPr>
+        <p:blipFill>
+          <a:blip r:embed="rId3"/>
+          <a:stretch>
+            <a:fillRect/>
+          </a:stretch>
+        </p:blipFill>
+        <p:spPr>
+          <a:xfrm>
+            <a:off x="838200" y="5334000"/>
+            <a:ext cx="7543800" cy="820828"/>
+          </a:xfrm>
+          <a:prstGeom prst="rect">
+            <a:avLst/>
+          </a:prstGeom>
+        </p:spPr>
+      </p:pic>
     </p:spTree>
     <p:extLst>
       <p:ext uri="{BB962C8B-B14F-4D97-AF65-F5344CB8AC3E}">
-        <p14:creationId xmlns:p14="http://schemas.microsoft.com/office/powerpoint/2010/main" val="36178534"/>
+        <p14:creationId xmlns:p14="http://schemas.microsoft.com/office/powerpoint/2010/main" val="2269166624"/>
       </p:ext>
     </p:extLst>
   </p:cSld>
@@ -3108,37 +9829,18 @@
       </p:grpSpPr>
       <p:sp>
         <p:nvSpPr>
-          <p:cNvPr id="2" name="Naslov 1"/>
+          <p:cNvPr id="2" name="Naslov 1">
+            <a:extLst>
+              <a:ext uri="{FF2B5EF4-FFF2-40B4-BE49-F238E27FC236}">
+                <a16:creationId xmlns:a16="http://schemas.microsoft.com/office/drawing/2014/main" id="{050E6641-5634-4E81-8784-0768775FB99A}"/>
+              </a:ext>
+            </a:extLst>
+          </p:cNvPr>
           <p:cNvSpPr>
             <a:spLocks noGrp="1"/>
           </p:cNvSpPr>
           <p:nvPr>
             <p:ph type="title"/>
-          </p:nvPr>
-        </p:nvSpPr>
-        <p:spPr/>
-        <p:txBody>
-          <a:bodyPr>
-            <a:normAutofit fontScale="90000"/>
-          </a:bodyPr>
-          <a:lstStyle/>
-          <a:p>
-            <a:r>
-              <a:rPr lang="pl-PL" dirty="0"/>
-              <a:t>Kjer in kako dobimo vse potrebno za razvoj</a:t>
-            </a:r>
-            <a:endParaRPr lang="sl-SI" dirty="0"/>
-          </a:p>
-        </p:txBody>
-      </p:sp>
-      <p:sp>
-        <p:nvSpPr>
-          <p:cNvPr id="3" name="Označba mesta vsebine 2"/>
-          <p:cNvSpPr>
-            <a:spLocks noGrp="1"/>
-          </p:cNvSpPr>
-          <p:nvPr>
-            <p:ph sz="quarter" idx="10"/>
           </p:nvPr>
         </p:nvSpPr>
         <p:spPr/>
@@ -3146,14 +9848,124 @@
           <a:bodyPr/>
           <a:lstStyle/>
           <a:p>
-            <a:endParaRPr lang="sl-SI"/>
+            <a:r>
+              <a:rPr lang="sl-SI" dirty="0" err="1"/>
+              <a:t>Selections</a:t>
+            </a:r>
+            <a:r>
+              <a:rPr lang="sl-SI" dirty="0"/>
+              <a:t> (2/2)</a:t>
+            </a:r>
+          </a:p>
+        </p:txBody>
+      </p:sp>
+      <p:sp>
+        <p:nvSpPr>
+          <p:cNvPr id="3" name="Označba mesta vsebine 2">
+            <a:extLst>
+              <a:ext uri="{FF2B5EF4-FFF2-40B4-BE49-F238E27FC236}">
+                <a16:creationId xmlns:a16="http://schemas.microsoft.com/office/drawing/2014/main" id="{76C88094-5349-4C10-B390-81BF6D82BD03}"/>
+              </a:ext>
+            </a:extLst>
+          </p:cNvPr>
+          <p:cNvSpPr>
+            <a:spLocks noGrp="1"/>
+          </p:cNvSpPr>
+          <p:nvPr>
+            <p:ph sz="quarter" idx="10"/>
+          </p:nvPr>
+        </p:nvSpPr>
+        <p:spPr/>
+        <p:txBody>
+          <a:bodyPr/>
+          <a:lstStyle/>
+          <a:p>
+            <a:r>
+              <a:rPr lang="sl-SI" dirty="0"/>
+              <a:t>Podpirajo jih le moderni brskalniki</a:t>
+            </a:r>
+          </a:p>
+          <a:p>
+            <a:r>
+              <a:rPr lang="sl-SI" dirty="0"/>
+              <a:t>Vozlišča lahko izbiramo glede na:</a:t>
+            </a:r>
+          </a:p>
+          <a:p>
+            <a:pPr lvl="1"/>
+            <a:r>
+              <a:rPr lang="sl-SI" dirty="0"/>
+              <a:t>Ime značke</a:t>
+            </a:r>
+          </a:p>
+          <a:p>
+            <a:pPr lvl="1"/>
+            <a:r>
+              <a:rPr lang="sl-SI" dirty="0"/>
+              <a:t>Vrednosti atributov</a:t>
+            </a:r>
+          </a:p>
+          <a:p>
+            <a:pPr lvl="1"/>
+            <a:r>
+              <a:rPr lang="sl-SI" dirty="0"/>
+              <a:t>Razredov</a:t>
+            </a:r>
+          </a:p>
+          <a:p>
+            <a:pPr lvl="1"/>
+            <a:r>
+              <a:rPr lang="sl-SI" dirty="0"/>
+              <a:t>ID-jev</a:t>
+            </a:r>
+          </a:p>
+          <a:p>
+            <a:r>
+              <a:rPr lang="sl-SI" dirty="0"/>
+              <a:t>Ponuja številne metode za:</a:t>
+            </a:r>
+          </a:p>
+          <a:p>
+            <a:pPr lvl="1"/>
+            <a:r>
+              <a:rPr lang="sl-SI" dirty="0"/>
+              <a:t>Določanje atributov, stilov</a:t>
+            </a:r>
+          </a:p>
+          <a:p>
+            <a:pPr lvl="1"/>
+            <a:r>
+              <a:rPr lang="sl-SI" dirty="0"/>
+              <a:t>Registracijo poslušalcev dogodkov</a:t>
+            </a:r>
+          </a:p>
+          <a:p>
+            <a:pPr lvl="1"/>
+            <a:r>
+              <a:rPr lang="sl-SI" dirty="0"/>
+              <a:t>Odstranjevanje ali sortiranje vozlišč</a:t>
+            </a:r>
+          </a:p>
+          <a:p>
+            <a:pPr marL="457200" lvl="1" indent="0">
+              <a:buNone/>
+            </a:pPr>
+            <a:endParaRPr lang="sl-SI" dirty="0"/>
+          </a:p>
+          <a:p>
+            <a:pPr lvl="1"/>
+            <a:endParaRPr lang="sl-SI" dirty="0"/>
+          </a:p>
+          <a:p>
+            <a:pPr lvl="2"/>
+            <a:endParaRPr lang="sl-SI" dirty="0"/>
           </a:p>
         </p:txBody>
       </p:sp>
     </p:spTree>
     <p:extLst>
       <p:ext uri="{BB962C8B-B14F-4D97-AF65-F5344CB8AC3E}">
-        <p14:creationId xmlns:p14="http://schemas.microsoft.com/office/powerpoint/2010/main" val="902829336"/>
+        <p14:creationId xmlns:p14="http://schemas.microsoft.com/office/powerpoint/2010/main" val="3046801495"/>
       </p:ext>
     </p:extLst>
   </p:cSld>
@@ -3164,9 +9976,9 @@
 </file>
 
 <file path=ppt/theme/theme1.xml><?xml version="1.0" encoding="utf-8"?>
-<a:theme xmlns:a="http://schemas.openxmlformats.org/drawingml/2006/main" name="TC019192319991">
+<a:theme xmlns:a="http://schemas.openxmlformats.org/drawingml/2006/main" name="Gladko">
   <a:themeElements>
-    <a:clrScheme name="Office">
+    <a:clrScheme name="Gladko">
       <a:dk1>
         <a:sysClr val="windowText" lastClr="000000"/>
       </a:dk1>
@@ -3174,80 +9986,46 @@
         <a:sysClr val="window" lastClr="FFFFFF"/>
       </a:lt1>
       <a:dk2>
-        <a:srgbClr val="1F497D"/>
+        <a:srgbClr val="2C3C43"/>
       </a:dk2>
       <a:lt2>
-        <a:srgbClr val="EEECE1"/>
+        <a:srgbClr val="EBEBEB"/>
       </a:lt2>
       <a:accent1>
-        <a:srgbClr val="4F81BD"/>
+        <a:srgbClr val="90C226"/>
       </a:accent1>
       <a:accent2>
-        <a:srgbClr val="C0504D"/>
+        <a:srgbClr val="54A021"/>
       </a:accent2>
       <a:accent3>
-        <a:srgbClr val="9BBB59"/>
+        <a:srgbClr val="E6B91E"/>
       </a:accent3>
       <a:accent4>
-        <a:srgbClr val="8064A2"/>
+        <a:srgbClr val="E76618"/>
       </a:accent4>
       <a:accent5>
-        <a:srgbClr val="4BACC6"/>
+        <a:srgbClr val="C42F1A"/>
       </a:accent5>
       <a:accent6>
-        <a:srgbClr val="F79646"/>
+        <a:srgbClr val="918655"/>
       </a:accent6>
       <a:hlink>
-        <a:srgbClr val="0000FF"/>
+        <a:srgbClr val="99CA3C"/>
       </a:hlink>
       <a:folHlink>
-        <a:srgbClr val="800080"/>
+        <a:srgbClr val="B9D181"/>
       </a:folHlink>
     </a:clrScheme>
-    <a:fontScheme name="Office">
+    <a:fontScheme name="Gladko">
       <a:majorFont>
-        <a:latin typeface="Calibri"/>
+        <a:latin typeface="Trebuchet MS" panose="020B0603020202020204"/>
         <a:ea typeface=""/>
         <a:cs typeface=""/>
-        <a:font script="Jpan" typeface="ＭＳ Ｐゴシック"/>
+        <a:font script="Jpan" typeface="メイリオ"/>
         <a:font script="Hang" typeface="맑은 고딕"/>
-        <a:font script="Hans" typeface="宋体"/>
-        <a:font script="Hant" typeface="新細明體"/>
-        <a:font script="Arab" typeface="Times New Roman"/>
-        <a:font script="Hebr" typeface="Times New Roman"/>
-        <a:font script="Thai" typeface="Angsana New"/>
-        <a:font script="Ethi" typeface="Nyala"/>
-        <a:font script="Beng" typeface="Vrinda"/>
-        <a:font script="Gujr" typeface="Shruti"/>
-        <a:font script="Khmr" typeface="MoolBoran"/>
-        <a:font script="Knda" typeface="Tunga"/>
-        <a:font script="Guru" typeface="Raavi"/>
-        <a:font script="Cans" typeface="Euphemia"/>
-        <a:font script="Cher" typeface="Plantagenet Cherokee"/>
-        <a:font script="Yiii" typeface="Microsoft Yi Baiti"/>
-        <a:font script="Tibt" typeface="Microsoft Himalaya"/>
-        <a:font script="Thaa" typeface="MV Boli"/>
-        <a:font script="Deva" typeface="Mangal"/>
-        <a:font script="Telu" typeface="Gautami"/>
-        <a:font script="Taml" typeface="Latha"/>
-        <a:font script="Syrc" typeface="Estrangelo Edessa"/>
-        <a:font script="Orya" typeface="Kalinga"/>
-        <a:font script="Mlym" typeface="Kartika"/>
-        <a:font script="Laoo" typeface="DokChampa"/>
-        <a:font script="Sinh" typeface="Iskoola Pota"/>
-        <a:font script="Mong" typeface="Mongolian Baiti"/>
-        <a:font script="Viet" typeface="Times New Roman"/>
-        <a:font script="Uigh" typeface="Microsoft Uighur"/>
-      </a:majorFont>
-      <a:minorFont>
-        <a:latin typeface="Calibri"/>
-        <a:ea typeface=""/>
-        <a:cs typeface=""/>
-        <a:font script="Jpan" typeface="ＭＳ Ｐゴシック"/>
-        <a:font script="Hang" typeface="맑은 고딕"/>
-        <a:font script="Hans" typeface="宋体"/>
-        <a:font script="Hant" typeface="新細明體"/>
-        <a:font script="Arab" typeface="Arial"/>
+        <a:font script="Hans" typeface="方正姚体"/>
+        <a:font script="Hant" typeface="微軟正黑體"/>
+        <a:font script="Arab" typeface="Tahoma"/>
         <a:font script="Hebr" typeface="Arial"/>
         <a:font script="Thai" typeface="Cordia New"/>
         <a:font script="Ethi" typeface="Nyala"/>
@@ -3270,11 +10048,47 @@
         <a:font script="Laoo" typeface="DokChampa"/>
         <a:font script="Sinh" typeface="Iskoola Pota"/>
         <a:font script="Mong" typeface="Mongolian Baiti"/>
+        <a:font script="Viet" typeface="Tahoma"/>
+        <a:font script="Uigh" typeface="Microsoft Uighur"/>
+        <a:font script="Geor" typeface="Sylfaen"/>
+      </a:majorFont>
+      <a:minorFont>
+        <a:latin typeface="Trebuchet MS" panose="020B0603020202020204"/>
+        <a:ea typeface=""/>
+        <a:cs typeface=""/>
+        <a:font script="Jpan" typeface="メイリオ"/>
+        <a:font script="Hang" typeface="HY그래픽M"/>
+        <a:font script="Hans" typeface="华文新魏"/>
+        <a:font script="Hant" typeface="微軟正黑體"/>
+        <a:font script="Arab" typeface="Tahoma"/>
+        <a:font script="Hebr" typeface="Gisha"/>
+        <a:font script="Thai" typeface="IrisUPC"/>
+        <a:font script="Ethi" typeface="Nyala"/>
+        <a:font script="Beng" typeface="Vrinda"/>
+        <a:font script="Gujr" typeface="Shruti"/>
+        <a:font script="Khmr" typeface="DaunPenh"/>
+        <a:font script="Knda" typeface="Tunga"/>
+        <a:font script="Guru" typeface="Raavi"/>
+        <a:font script="Cans" typeface="Euphemia"/>
+        <a:font script="Cher" typeface="Plantagenet Cherokee"/>
+        <a:font script="Yiii" typeface="Microsoft Yi Baiti"/>
+        <a:font script="Tibt" typeface="Microsoft Himalaya"/>
+        <a:font script="Thaa" typeface="MV Boli"/>
+        <a:font script="Deva" typeface="Mangal"/>
+        <a:font script="Telu" typeface="Gautami"/>
+        <a:font script="Taml" typeface="Latha"/>
+        <a:font script="Syrc" typeface="Estrangelo Edessa"/>
+        <a:font script="Orya" typeface="Kalinga"/>
+        <a:font script="Mlym" typeface="Kartika"/>
+        <a:font script="Laoo" typeface="DokChampa"/>
+        <a:font script="Sinh" typeface="Iskoola Pota"/>
+        <a:font script="Mong" typeface="Mongolian Baiti"/>
         <a:font script="Viet" typeface="Arial"/>
         <a:font script="Uigh" typeface="Microsoft Uighur"/>
+        <a:font script="Geor" typeface="Sylfaen"/>
       </a:minorFont>
     </a:fontScheme>
-    <a:fmtScheme name="Office">
+    <a:fmtScheme name="Gladko">
       <a:fillStyleLst>
         <a:solidFill>
           <a:schemeClr val="phClr"/>
@@ -3283,66 +10097,50 @@
           <a:gsLst>
             <a:gs pos="0">
               <a:schemeClr val="phClr">
-                <a:tint val="50000"/>
-                <a:satMod val="300000"/>
+                <a:tint val="65000"/>
+                <a:lumMod val="110000"/>
               </a:schemeClr>
             </a:gs>
-            <a:gs pos="35000">
+            <a:gs pos="88000">
               <a:schemeClr val="phClr">
-                <a:tint val="37000"/>
-                <a:satMod val="300000"/>
-              </a:schemeClr>
-            </a:gs>
-            <a:gs pos="100000">
-              <a:schemeClr val="phClr">
-                <a:tint val="15000"/>
-                <a:satMod val="350000"/>
+                <a:tint val="90000"/>
               </a:schemeClr>
             </a:gs>
           </a:gsLst>
-          <a:lin ang="16200000" scaled="1"/>
+          <a:lin ang="5400000" scaled="0"/>
         </a:gradFill>
         <a:gradFill rotWithShape="1">
           <a:gsLst>
             <a:gs pos="0">
               <a:schemeClr val="phClr">
-                <a:shade val="51000"/>
-                <a:satMod val="130000"/>
+                <a:tint val="96000"/>
+                <a:lumMod val="100000"/>
               </a:schemeClr>
             </a:gs>
-            <a:gs pos="80000">
-              <a:schemeClr val="phClr">
-                <a:shade val="93000"/>
-                <a:satMod val="130000"/>
-              </a:schemeClr>
-            </a:gs>
-            <a:gs pos="100000">
+            <a:gs pos="78000">
               <a:schemeClr val="phClr">
                 <a:shade val="94000"/>
-                <a:satMod val="135000"/>
+                <a:lumMod val="94000"/>
               </a:schemeClr>
             </a:gs>
           </a:gsLst>
-          <a:lin ang="16200000" scaled="0"/>
+          <a:lin ang="5400000" scaled="0"/>
         </a:gradFill>
       </a:fillStyleLst>
       <a:lnStyleLst>
-        <a:ln w="9525" cap="flat" cmpd="sng" algn="ctr">
-          <a:solidFill>
-            <a:schemeClr val="phClr">
-              <a:shade val="95000"/>
-              <a:satMod val="105000"/>
-            </a:schemeClr>
-          </a:solidFill>
-          <a:prstDash val="solid"/>
-        </a:ln>
-        <a:ln w="25400" cap="flat" cmpd="sng" algn="ctr">
+        <a:ln w="12700" cap="rnd" cmpd="sng" algn="ctr">
           <a:solidFill>
             <a:schemeClr val="phClr"/>
           </a:solidFill>
           <a:prstDash val="solid"/>
         </a:ln>
-        <a:ln w="38100" cap="flat" cmpd="sng" algn="ctr">
+        <a:ln w="19050" cap="rnd" cmpd="sng" algn="ctr">
+          <a:solidFill>
+            <a:schemeClr val="phClr"/>
+          </a:solidFill>
+          <a:prstDash val="solid"/>
+        </a:ln>
+        <a:ln w="25400" cap="rnd" cmpd="sng" algn="ctr">
           <a:solidFill>
             <a:schemeClr val="phClr"/>
           </a:solidFill>
@@ -3351,17 +10149,11 @@
       </a:lnStyleLst>
       <a:effectStyleLst>
         <a:effectStyle>
-          <a:effectLst>
-            <a:outerShdw blurRad="40000" dist="20000" dir="5400000" rotWithShape="0">
-              <a:srgbClr val="000000">
-                <a:alpha val="38000"/>
-              </a:srgbClr>
-            </a:outerShdw>
-          </a:effectLst>
+          <a:effectLst/>
         </a:effectStyle>
         <a:effectStyle>
           <a:effectLst>
-            <a:outerShdw blurRad="40000" dist="23000" dir="5400000" rotWithShape="0">
+            <a:outerShdw blurRad="38100" dist="25400" dir="5400000" rotWithShape="0">
               <a:srgbClr val="000000">
                 <a:alpha val="35000"/>
               </a:srgbClr>
@@ -3370,7 +10162,7 @@
         </a:effectStyle>
         <a:effectStyle>
           <a:effectLst>
-            <a:outerShdw blurRad="40000" dist="23000" dir="5400000" rotWithShape="0">
+            <a:outerShdw blurRad="50800" dist="38100" dir="5400000" rotWithShape="0">
               <a:srgbClr val="000000">
                 <a:alpha val="35000"/>
               </a:srgbClr>
@@ -3380,12 +10172,10 @@
             <a:camera prst="orthographicFront">
               <a:rot lat="0" lon="0" rev="0"/>
             </a:camera>
-            <a:lightRig rig="threePt" dir="t">
-              <a:rot lat="0" lon="0" rev="1200000"/>
-            </a:lightRig>
+            <a:lightRig rig="threePt" dir="tl"/>
           </a:scene3d>
-          <a:sp3d>
-            <a:bevelT w="63500" h="25400"/>
+          <a:sp3d prstMaterial="plastic">
+            <a:bevelT w="0" h="0"/>
           </a:sp3d>
         </a:effectStyle>
       </a:effectStyleLst>
@@ -3397,45 +10187,36 @@
           <a:gsLst>
             <a:gs pos="0">
               <a:schemeClr val="phClr">
-                <a:tint val="40000"/>
-                <a:satMod val="350000"/>
+                <a:tint val="90000"/>
+                <a:lumMod val="104000"/>
               </a:schemeClr>
             </a:gs>
-            <a:gs pos="40000">
+            <a:gs pos="94000">
               <a:schemeClr val="phClr">
-                <a:tint val="45000"/>
-                <a:shade val="99000"/>
-                <a:satMod val="350000"/>
-              </a:schemeClr>
-            </a:gs>
-            <a:gs pos="100000">
-              <a:schemeClr val="phClr">
-                <a:shade val="20000"/>
-                <a:satMod val="255000"/>
+                <a:shade val="96000"/>
+                <a:lumMod val="82000"/>
               </a:schemeClr>
             </a:gs>
           </a:gsLst>
-          <a:path path="circle">
-            <a:fillToRect l="50000" t="-80000" r="50000" b="180000"/>
-          </a:path>
+          <a:lin ang="5400000" scaled="0"/>
         </a:gradFill>
         <a:gradFill rotWithShape="1">
           <a:gsLst>
             <a:gs pos="0">
               <a:schemeClr val="phClr">
-                <a:tint val="80000"/>
-                <a:satMod val="300000"/>
+                <a:tint val="90000"/>
+                <a:lumMod val="110000"/>
               </a:schemeClr>
             </a:gs>
             <a:gs pos="100000">
               <a:schemeClr val="phClr">
-                <a:shade val="30000"/>
-                <a:satMod val="200000"/>
+                <a:shade val="94000"/>
+                <a:lumMod val="96000"/>
               </a:schemeClr>
             </a:gs>
           </a:gsLst>
           <a:path path="circle">
-            <a:fillToRect l="50000" t="50000" r="50000" b="50000"/>
+            <a:fillToRect l="50000" t="50000" r="100000" b="100000"/>
           </a:path>
         </a:gradFill>
       </a:bgFillStyleLst>
@@ -3443,6 +10224,11 @@
   </a:themeElements>
   <a:objectDefaults/>
   <a:extraClrSchemeLst/>
+  <a:extLst>
+    <a:ext uri="{05A4C25C-085E-4340-85A3-A5531E510DB2}">
+      <thm15:themeFamily xmlns:thm15="http://schemas.microsoft.com/office/thememl/2012/main" name="Facet" id="{C0C680CD-088A-49FC-A102-D699147F32B2}" vid="{CFBC31BA-B70F-4F30-BCAA-4F3011E16C4D}"/>
+    </a:ext>
+  </a:extLst>
 </a:theme>
 </file>
 

--- a/D3/D3 Presentation/D3_Rajšp_Golež.pptx
+++ b/D3/D3 Presentation/D3_Rajšp_Golež.pptx
@@ -1481,7 +1481,7 @@
                 </a:solidFill>
               </a:rPr>
               <a:pPr/>
-              <a:t>25. 05. 2017</a:t>
+              <a:t>26. 05. 2017</a:t>
             </a:fld>
             <a:endParaRPr lang="sl-SI" noProof="0">
               <a:solidFill>
@@ -1764,7 +1764,7 @@
                 </a:solidFill>
               </a:rPr>
               <a:pPr/>
-              <a:t>25. 05. 2017</a:t>
+              <a:t>26. 05. 2017</a:t>
             </a:fld>
             <a:endParaRPr lang="sl-SI" noProof="0">
               <a:solidFill>
@@ -2110,7 +2110,7 @@
                 </a:solidFill>
               </a:rPr>
               <a:pPr/>
-              <a:t>25. 05. 2017</a:t>
+              <a:t>26. 05. 2017</a:t>
             </a:fld>
             <a:endParaRPr lang="sl-SI" noProof="0">
               <a:solidFill>
@@ -2475,7 +2475,7 @@
                 </a:solidFill>
               </a:rPr>
               <a:pPr/>
-              <a:t>25. 05. 2017</a:t>
+              <a:t>26. 05. 2017</a:t>
             </a:fld>
             <a:endParaRPr lang="sl-SI" noProof="0">
               <a:solidFill>
@@ -2821,7 +2821,7 @@
                 </a:solidFill>
               </a:rPr>
               <a:pPr/>
-              <a:t>25. 05. 2017</a:t>
+              <a:t>26. 05. 2017</a:t>
             </a:fld>
             <a:endParaRPr lang="sl-SI" noProof="0">
               <a:solidFill>
@@ -3246,7 +3246,7 @@
                 </a:solidFill>
               </a:rPr>
               <a:pPr/>
-              <a:t>25. 05. 2017</a:t>
+              <a:t>26. 05. 2017</a:t>
             </a:fld>
             <a:endParaRPr lang="sl-SI" noProof="0">
               <a:solidFill>
@@ -3448,7 +3448,7 @@
                 </a:solidFill>
               </a:rPr>
               <a:pPr/>
-              <a:t>25. 05. 2017</a:t>
+              <a:t>26. 05. 2017</a:t>
             </a:fld>
             <a:endParaRPr lang="sl-SI" noProof="0">
               <a:solidFill>
@@ -3660,7 +3660,7 @@
                 </a:solidFill>
               </a:rPr>
               <a:pPr/>
-              <a:t>25. 05. 2017</a:t>
+              <a:t>26. 05. 2017</a:t>
             </a:fld>
             <a:endParaRPr lang="sl-SI" noProof="0">
               <a:solidFill>
@@ -4004,7 +4004,7 @@
                 </a:solidFill>
               </a:rPr>
               <a:pPr/>
-              <a:t>25. 05. 2017</a:t>
+              <a:t>26. 05. 2017</a:t>
             </a:fld>
             <a:endParaRPr lang="sl-SI" noProof="0">
               <a:solidFill>
@@ -4492,7 +4492,7 @@
                 </a:solidFill>
               </a:rPr>
               <a:pPr/>
-              <a:t>25. 05. 2017</a:t>
+              <a:t>26. 05. 2017</a:t>
             </a:fld>
             <a:endParaRPr lang="sl-SI" noProof="0">
               <a:solidFill>
@@ -4771,7 +4771,7 @@
                 </a:solidFill>
               </a:rPr>
               <a:pPr/>
-              <a:t>25. 05. 2017</a:t>
+              <a:t>26. 05. 2017</a:t>
             </a:fld>
             <a:endParaRPr lang="sl-SI" noProof="0">
               <a:solidFill>
@@ -5100,7 +5100,7 @@
                 </a:solidFill>
               </a:rPr>
               <a:pPr/>
-              <a:t>25. 05. 2017</a:t>
+              <a:t>26. 05. 2017</a:t>
             </a:fld>
             <a:endParaRPr lang="sl-SI" noProof="0">
               <a:solidFill>
@@ -5511,7 +5511,7 @@
                 </a:solidFill>
               </a:rPr>
               <a:pPr/>
-              <a:t>25. 05. 2017</a:t>
+              <a:t>26. 05. 2017</a:t>
             </a:fld>
             <a:endParaRPr lang="sl-SI" noProof="0">
               <a:solidFill>
@@ -5666,7 +5666,7 @@
                 </a:solidFill>
               </a:rPr>
               <a:pPr/>
-              <a:t>25. 05. 2017</a:t>
+              <a:t>26. 05. 2017</a:t>
             </a:fld>
             <a:endParaRPr lang="sl-SI" noProof="0">
               <a:solidFill>
@@ -5793,7 +5793,7 @@
                 </a:solidFill>
               </a:rPr>
               <a:pPr/>
-              <a:t>25. 05. 2017</a:t>
+              <a:t>26. 05. 2017</a:t>
             </a:fld>
             <a:endParaRPr lang="sl-SI" noProof="0">
               <a:solidFill>
@@ -6080,7 +6080,7 @@
                 </a:solidFill>
               </a:rPr>
               <a:pPr/>
-              <a:t>25. 05. 2017</a:t>
+              <a:t>26. 05. 2017</a:t>
             </a:fld>
             <a:endParaRPr lang="sl-SI" noProof="0">
               <a:solidFill>
@@ -6375,7 +6375,7 @@
                 </a:solidFill>
               </a:rPr>
               <a:pPr/>
-              <a:t>25. 05. 2017</a:t>
+              <a:t>26. 05. 2017</a:t>
             </a:fld>
             <a:endParaRPr lang="sl-SI" noProof="0">
               <a:solidFill>
@@ -7221,7 +7221,7 @@
                 </a:solidFill>
               </a:rPr>
               <a:pPr/>
-              <a:t>25. 05. 2017</a:t>
+              <a:t>26. 05. 2017</a:t>
             </a:fld>
             <a:endParaRPr lang="sl-SI" noProof="0">
               <a:solidFill>
@@ -9714,7 +9714,7 @@
           <a:p>
             <a:r>
               <a:rPr lang="sl-SI" dirty="0"/>
-              <a:t>PRIMER:</a:t>
+              <a:t>PRIMER brez D3:</a:t>
             </a:r>
           </a:p>
           <a:p>
